--- a/Slides/Sports Analytics 1/Sports_Analytics_1_Lecture.pptx
+++ b/Slides/Sports Analytics 1/Sports_Analytics_1_Lecture.pptx
@@ -5,7 +5,7 @@
     <p:sldMasterId id="2147483648" r:id="rId1"/>
   </p:sldMasterIdLst>
   <p:notesMasterIdLst>
-    <p:notesMasterId r:id="rId28"/>
+    <p:notesMasterId r:id="rId19"/>
   </p:notesMasterIdLst>
   <p:sldIdLst>
     <p:sldId id="256" r:id="rId2"/>
@@ -24,16 +24,7 @@
     <p:sldId id="270" r:id="rId15"/>
     <p:sldId id="271" r:id="rId16"/>
     <p:sldId id="272" r:id="rId17"/>
-    <p:sldId id="274" r:id="rId18"/>
-    <p:sldId id="273" r:id="rId19"/>
-    <p:sldId id="275" r:id="rId20"/>
-    <p:sldId id="257" r:id="rId21"/>
-    <p:sldId id="276" r:id="rId22"/>
-    <p:sldId id="277" r:id="rId23"/>
-    <p:sldId id="278" r:id="rId24"/>
-    <p:sldId id="279" r:id="rId25"/>
-    <p:sldId id="280" r:id="rId26"/>
-    <p:sldId id="281" r:id="rId27"/>
+    <p:sldId id="281" r:id="rId18"/>
   </p:sldIdLst>
   <p:sldSz cx="12192000" cy="6858000"/>
   <p:notesSz cx="6858000" cy="9144000"/>
@@ -222,7 +213,7 @@
           <a:p>
             <a:fld id="{C04E5E84-956F-4423-97B3-5936A6D8EEEE}" type="datetimeFigureOut">
               <a:rPr lang="en-US" smtClean="0"/>
-              <a:t>8/22/2019</a:t>
+              <a:t>8/25/2019</a:t>
             </a:fld>
             <a:endParaRPr lang="en-US"/>
           </a:p>
@@ -741,258 +732,6 @@
 </p:notes>
 </file>
 
-<file path=ppt/notesSlides/notesSlide12.xml><?xml version="1.0" encoding="utf-8"?>
-<p:notes xmlns:a="http://schemas.openxmlformats.org/drawingml/2006/main" xmlns:r="http://schemas.openxmlformats.org/officeDocument/2006/relationships" xmlns:p="http://schemas.openxmlformats.org/presentationml/2006/main">
-  <p:cSld>
-    <p:spTree>
-      <p:nvGrpSpPr>
-        <p:cNvPr id="1" name=""/>
-        <p:cNvGrpSpPr/>
-        <p:nvPr/>
-      </p:nvGrpSpPr>
-      <p:grpSpPr>
-        <a:xfrm>
-          <a:off x="0" y="0"/>
-          <a:ext cx="0" cy="0"/>
-          <a:chOff x="0" y="0"/>
-          <a:chExt cx="0" cy="0"/>
-        </a:xfrm>
-      </p:grpSpPr>
-      <p:sp>
-        <p:nvSpPr>
-          <p:cNvPr id="2" name="Slide Image Placeholder 1"/>
-          <p:cNvSpPr>
-            <a:spLocks noGrp="1" noRot="1" noChangeAspect="1"/>
-          </p:cNvSpPr>
-          <p:nvPr>
-            <p:ph type="sldImg"/>
-          </p:nvPr>
-        </p:nvSpPr>
-        <p:spPr/>
-      </p:sp>
-      <p:sp>
-        <p:nvSpPr>
-          <p:cNvPr id="3" name="Notes Placeholder 2"/>
-          <p:cNvSpPr>
-            <a:spLocks noGrp="1"/>
-          </p:cNvSpPr>
-          <p:nvPr>
-            <p:ph type="body" idx="1"/>
-          </p:nvPr>
-        </p:nvSpPr>
-        <p:spPr/>
-        <p:txBody>
-          <a:bodyPr/>
-          <a:lstStyle/>
-          <a:p>
-            <a:endParaRPr lang="en-US" dirty="0"/>
-          </a:p>
-        </p:txBody>
-      </p:sp>
-      <p:sp>
-        <p:nvSpPr>
-          <p:cNvPr id="4" name="Slide Number Placeholder 3"/>
-          <p:cNvSpPr>
-            <a:spLocks noGrp="1"/>
-          </p:cNvSpPr>
-          <p:nvPr>
-            <p:ph type="sldNum" sz="quarter" idx="5"/>
-          </p:nvPr>
-        </p:nvSpPr>
-        <p:spPr/>
-        <p:txBody>
-          <a:bodyPr/>
-          <a:lstStyle/>
-          <a:p>
-            <a:fld id="{323D9EF6-5B6D-4923-9412-628692DCC0E7}" type="slidenum">
-              <a:rPr lang="en-US" smtClean="0"/>
-              <a:t>17</a:t>
-            </a:fld>
-            <a:endParaRPr lang="en-US"/>
-          </a:p>
-        </p:txBody>
-      </p:sp>
-    </p:spTree>
-    <p:extLst>
-      <p:ext uri="{BB962C8B-B14F-4D97-AF65-F5344CB8AC3E}">
-        <p14:creationId xmlns:p14="http://schemas.microsoft.com/office/powerpoint/2010/main" val="3735673145"/>
-      </p:ext>
-    </p:extLst>
-  </p:cSld>
-  <p:clrMapOvr>
-    <a:masterClrMapping/>
-  </p:clrMapOvr>
-</p:notes>
-</file>
-
-<file path=ppt/notesSlides/notesSlide13.xml><?xml version="1.0" encoding="utf-8"?>
-<p:notes xmlns:a="http://schemas.openxmlformats.org/drawingml/2006/main" xmlns:r="http://schemas.openxmlformats.org/officeDocument/2006/relationships" xmlns:p="http://schemas.openxmlformats.org/presentationml/2006/main">
-  <p:cSld>
-    <p:spTree>
-      <p:nvGrpSpPr>
-        <p:cNvPr id="1" name=""/>
-        <p:cNvGrpSpPr/>
-        <p:nvPr/>
-      </p:nvGrpSpPr>
-      <p:grpSpPr>
-        <a:xfrm>
-          <a:off x="0" y="0"/>
-          <a:ext cx="0" cy="0"/>
-          <a:chOff x="0" y="0"/>
-          <a:chExt cx="0" cy="0"/>
-        </a:xfrm>
-      </p:grpSpPr>
-      <p:sp>
-        <p:nvSpPr>
-          <p:cNvPr id="2" name="Slide Image Placeholder 1"/>
-          <p:cNvSpPr>
-            <a:spLocks noGrp="1" noRot="1" noChangeAspect="1"/>
-          </p:cNvSpPr>
-          <p:nvPr>
-            <p:ph type="sldImg"/>
-          </p:nvPr>
-        </p:nvSpPr>
-        <p:spPr/>
-      </p:sp>
-      <p:sp>
-        <p:nvSpPr>
-          <p:cNvPr id="3" name="Notes Placeholder 2"/>
-          <p:cNvSpPr>
-            <a:spLocks noGrp="1"/>
-          </p:cNvSpPr>
-          <p:nvPr>
-            <p:ph type="body" idx="1"/>
-          </p:nvPr>
-        </p:nvSpPr>
-        <p:spPr/>
-        <p:txBody>
-          <a:bodyPr/>
-          <a:lstStyle/>
-          <a:p>
-            <a:endParaRPr lang="en-US" dirty="0"/>
-          </a:p>
-        </p:txBody>
-      </p:sp>
-      <p:sp>
-        <p:nvSpPr>
-          <p:cNvPr id="4" name="Slide Number Placeholder 3"/>
-          <p:cNvSpPr>
-            <a:spLocks noGrp="1"/>
-          </p:cNvSpPr>
-          <p:nvPr>
-            <p:ph type="sldNum" sz="quarter" idx="5"/>
-          </p:nvPr>
-        </p:nvSpPr>
-        <p:spPr/>
-        <p:txBody>
-          <a:bodyPr/>
-          <a:lstStyle/>
-          <a:p>
-            <a:fld id="{323D9EF6-5B6D-4923-9412-628692DCC0E7}" type="slidenum">
-              <a:rPr lang="en-US" smtClean="0"/>
-              <a:t>18</a:t>
-            </a:fld>
-            <a:endParaRPr lang="en-US"/>
-          </a:p>
-        </p:txBody>
-      </p:sp>
-    </p:spTree>
-    <p:extLst>
-      <p:ext uri="{BB962C8B-B14F-4D97-AF65-F5344CB8AC3E}">
-        <p14:creationId xmlns:p14="http://schemas.microsoft.com/office/powerpoint/2010/main" val="3700336583"/>
-      </p:ext>
-    </p:extLst>
-  </p:cSld>
-  <p:clrMapOvr>
-    <a:masterClrMapping/>
-  </p:clrMapOvr>
-</p:notes>
-</file>
-
-<file path=ppt/notesSlides/notesSlide14.xml><?xml version="1.0" encoding="utf-8"?>
-<p:notes xmlns:a="http://schemas.openxmlformats.org/drawingml/2006/main" xmlns:r="http://schemas.openxmlformats.org/officeDocument/2006/relationships" xmlns:p="http://schemas.openxmlformats.org/presentationml/2006/main">
-  <p:cSld>
-    <p:spTree>
-      <p:nvGrpSpPr>
-        <p:cNvPr id="1" name=""/>
-        <p:cNvGrpSpPr/>
-        <p:nvPr/>
-      </p:nvGrpSpPr>
-      <p:grpSpPr>
-        <a:xfrm>
-          <a:off x="0" y="0"/>
-          <a:ext cx="0" cy="0"/>
-          <a:chOff x="0" y="0"/>
-          <a:chExt cx="0" cy="0"/>
-        </a:xfrm>
-      </p:grpSpPr>
-      <p:sp>
-        <p:nvSpPr>
-          <p:cNvPr id="2" name="Slide Image Placeholder 1"/>
-          <p:cNvSpPr>
-            <a:spLocks noGrp="1" noRot="1" noChangeAspect="1"/>
-          </p:cNvSpPr>
-          <p:nvPr>
-            <p:ph type="sldImg"/>
-          </p:nvPr>
-        </p:nvSpPr>
-        <p:spPr/>
-      </p:sp>
-      <p:sp>
-        <p:nvSpPr>
-          <p:cNvPr id="3" name="Notes Placeholder 2"/>
-          <p:cNvSpPr>
-            <a:spLocks noGrp="1"/>
-          </p:cNvSpPr>
-          <p:nvPr>
-            <p:ph type="body" idx="1"/>
-          </p:nvPr>
-        </p:nvSpPr>
-        <p:spPr/>
-        <p:txBody>
-          <a:bodyPr/>
-          <a:lstStyle/>
-          <a:p>
-            <a:endParaRPr lang="en-US" dirty="0"/>
-          </a:p>
-        </p:txBody>
-      </p:sp>
-      <p:sp>
-        <p:nvSpPr>
-          <p:cNvPr id="4" name="Slide Number Placeholder 3"/>
-          <p:cNvSpPr>
-            <a:spLocks noGrp="1"/>
-          </p:cNvSpPr>
-          <p:nvPr>
-            <p:ph type="sldNum" sz="quarter" idx="5"/>
-          </p:nvPr>
-        </p:nvSpPr>
-        <p:spPr/>
-        <p:txBody>
-          <a:bodyPr/>
-          <a:lstStyle/>
-          <a:p>
-            <a:fld id="{323D9EF6-5B6D-4923-9412-628692DCC0E7}" type="slidenum">
-              <a:rPr lang="en-US" smtClean="0"/>
-              <a:t>19</a:t>
-            </a:fld>
-            <a:endParaRPr lang="en-US"/>
-          </a:p>
-        </p:txBody>
-      </p:sp>
-    </p:spTree>
-    <p:extLst>
-      <p:ext uri="{BB962C8B-B14F-4D97-AF65-F5344CB8AC3E}">
-        <p14:creationId xmlns:p14="http://schemas.microsoft.com/office/powerpoint/2010/main" val="1360271695"/>
-      </p:ext>
-    </p:extLst>
-  </p:cSld>
-  <p:clrMapOvr>
-    <a:masterClrMapping/>
-  </p:clrMapOvr>
-</p:notes>
-</file>
-
 <file path=ppt/notesSlides/notesSlide2.xml><?xml version="1.0" encoding="utf-8"?>
 <p:notes xmlns:a="http://schemas.openxmlformats.org/drawingml/2006/main" xmlns:r="http://schemas.openxmlformats.org/officeDocument/2006/relationships" xmlns:p="http://schemas.openxmlformats.org/presentationml/2006/main">
   <p:cSld>
@@ -1812,7 +1551,7 @@
           <a:p>
             <a:fld id="{3881C039-66A3-4640-815B-3B5A8B7D868D}" type="datetimeFigureOut">
               <a:rPr lang="en-US" smtClean="0"/>
-              <a:t>8/22/2019</a:t>
+              <a:t>8/25/2019</a:t>
             </a:fld>
             <a:endParaRPr lang="en-US"/>
           </a:p>
@@ -2010,7 +1749,7 @@
           <a:p>
             <a:fld id="{3881C039-66A3-4640-815B-3B5A8B7D868D}" type="datetimeFigureOut">
               <a:rPr lang="en-US" smtClean="0"/>
-              <a:t>8/22/2019</a:t>
+              <a:t>8/25/2019</a:t>
             </a:fld>
             <a:endParaRPr lang="en-US"/>
           </a:p>
@@ -2218,7 +1957,7 @@
           <a:p>
             <a:fld id="{3881C039-66A3-4640-815B-3B5A8B7D868D}" type="datetimeFigureOut">
               <a:rPr lang="en-US" smtClean="0"/>
-              <a:t>8/22/2019</a:t>
+              <a:t>8/25/2019</a:t>
             </a:fld>
             <a:endParaRPr lang="en-US"/>
           </a:p>
@@ -2416,7 +2155,7 @@
           <a:p>
             <a:fld id="{3881C039-66A3-4640-815B-3B5A8B7D868D}" type="datetimeFigureOut">
               <a:rPr lang="en-US" smtClean="0"/>
-              <a:t>8/22/2019</a:t>
+              <a:t>8/25/2019</a:t>
             </a:fld>
             <a:endParaRPr lang="en-US"/>
           </a:p>
@@ -2691,7 +2430,7 @@
           <a:p>
             <a:fld id="{3881C039-66A3-4640-815B-3B5A8B7D868D}" type="datetimeFigureOut">
               <a:rPr lang="en-US" smtClean="0"/>
-              <a:t>8/22/2019</a:t>
+              <a:t>8/25/2019</a:t>
             </a:fld>
             <a:endParaRPr lang="en-US"/>
           </a:p>
@@ -2956,7 +2695,7 @@
           <a:p>
             <a:fld id="{3881C039-66A3-4640-815B-3B5A8B7D868D}" type="datetimeFigureOut">
               <a:rPr lang="en-US" smtClean="0"/>
-              <a:t>8/22/2019</a:t>
+              <a:t>8/25/2019</a:t>
             </a:fld>
             <a:endParaRPr lang="en-US"/>
           </a:p>
@@ -3368,7 +3107,7 @@
           <a:p>
             <a:fld id="{3881C039-66A3-4640-815B-3B5A8B7D868D}" type="datetimeFigureOut">
               <a:rPr lang="en-US" smtClean="0"/>
-              <a:t>8/22/2019</a:t>
+              <a:t>8/25/2019</a:t>
             </a:fld>
             <a:endParaRPr lang="en-US"/>
           </a:p>
@@ -3509,7 +3248,7 @@
           <a:p>
             <a:fld id="{3881C039-66A3-4640-815B-3B5A8B7D868D}" type="datetimeFigureOut">
               <a:rPr lang="en-US" smtClean="0"/>
-              <a:t>8/22/2019</a:t>
+              <a:t>8/25/2019</a:t>
             </a:fld>
             <a:endParaRPr lang="en-US"/>
           </a:p>
@@ -3622,7 +3361,7 @@
           <a:p>
             <a:fld id="{3881C039-66A3-4640-815B-3B5A8B7D868D}" type="datetimeFigureOut">
               <a:rPr lang="en-US" smtClean="0"/>
-              <a:t>8/22/2019</a:t>
+              <a:t>8/25/2019</a:t>
             </a:fld>
             <a:endParaRPr lang="en-US"/>
           </a:p>
@@ -3933,7 +3672,7 @@
           <a:p>
             <a:fld id="{3881C039-66A3-4640-815B-3B5A8B7D868D}" type="datetimeFigureOut">
               <a:rPr lang="en-US" smtClean="0"/>
-              <a:t>8/22/2019</a:t>
+              <a:t>8/25/2019</a:t>
             </a:fld>
             <a:endParaRPr lang="en-US"/>
           </a:p>
@@ -4221,7 +3960,7 @@
           <a:p>
             <a:fld id="{3881C039-66A3-4640-815B-3B5A8B7D868D}" type="datetimeFigureOut">
               <a:rPr lang="en-US" smtClean="0"/>
-              <a:t>8/22/2019</a:t>
+              <a:t>8/25/2019</a:t>
             </a:fld>
             <a:endParaRPr lang="en-US"/>
           </a:p>
@@ -4465,7 +4204,7 @@
           <a:p>
             <a:fld id="{3881C039-66A3-4640-815B-3B5A8B7D868D}" type="datetimeFigureOut">
               <a:rPr lang="en-US" smtClean="0"/>
-              <a:t>8/22/2019</a:t>
+              <a:t>8/25/2019</a:t>
             </a:fld>
             <a:endParaRPr lang="en-US"/>
           </a:p>
@@ -10014,6111 +9753,6 @@
       </p:grpSpPr>
       <p:sp>
         <p:nvSpPr>
-          <p:cNvPr id="25" name="Rectangle 24">
-            <a:extLst>
-              <a:ext uri="{FF2B5EF4-FFF2-40B4-BE49-F238E27FC236}">
-                <a16:creationId xmlns:a16="http://schemas.microsoft.com/office/drawing/2014/main" id="{A6792F05-2FD4-4F18-815E-15391E8B4A0E}"/>
-              </a:ext>
-              <a:ext uri="{C183D7F6-B498-43B3-948B-1728B52AA6E4}">
-                <adec:decorative xmlns:adec="http://schemas.microsoft.com/office/drawing/2017/decorative" val="1"/>
-              </a:ext>
-            </a:extLst>
-          </p:cNvPr>
-          <p:cNvSpPr>
-            <a:spLocks noGrp="1" noRot="1" noChangeAspect="1" noMove="1" noResize="1" noEditPoints="1" noAdjustHandles="1" noChangeArrowheads="1" noChangeShapeType="1" noTextEdit="1"/>
-          </p:cNvSpPr>
-          <p:nvPr>
-            <p:extLst>
-              <p:ext uri="{386F3935-93C4-4BCD-93E2-E3B085C9AB24}">
-                <p16:designElem xmlns:p16="http://schemas.microsoft.com/office/powerpoint/2015/main" val="1"/>
-              </p:ext>
-            </p:extLst>
-          </p:nvPr>
-        </p:nvSpPr>
-        <p:spPr>
-          <a:xfrm>
-            <a:off x="0" y="0"/>
-            <a:ext cx="12191999" cy="6858000"/>
-          </a:xfrm>
-          <a:prstGeom prst="rect">
-            <a:avLst/>
-          </a:prstGeom>
-          <a:solidFill>
-            <a:srgbClr val="395583"/>
-          </a:solidFill>
-          <a:ln>
-            <a:noFill/>
-          </a:ln>
-        </p:spPr>
-        <p:style>
-          <a:lnRef idx="2">
-            <a:schemeClr val="accent1">
-              <a:shade val="50000"/>
-            </a:schemeClr>
-          </a:lnRef>
-          <a:fillRef idx="1">
-            <a:schemeClr val="accent1"/>
-          </a:fillRef>
-          <a:effectRef idx="0">
-            <a:schemeClr val="accent1"/>
-          </a:effectRef>
-          <a:fontRef idx="minor">
-            <a:schemeClr val="lt1"/>
-          </a:fontRef>
-        </p:style>
-        <p:txBody>
-          <a:bodyPr rtlCol="0" anchor="ctr"/>
-          <a:lstStyle/>
-          <a:p>
-            <a:pPr algn="ctr"/>
-            <a:endParaRPr lang="en-US"/>
-          </a:p>
-        </p:txBody>
-      </p:sp>
-      <p:sp>
-        <p:nvSpPr>
-          <p:cNvPr id="2" name="Title 1">
-            <a:extLst>
-              <a:ext uri="{FF2B5EF4-FFF2-40B4-BE49-F238E27FC236}">
-                <a16:creationId xmlns:a16="http://schemas.microsoft.com/office/drawing/2014/main" id="{2589AFCC-0FF0-498C-B11F-8990DF0DAAA5}"/>
-              </a:ext>
-            </a:extLst>
-          </p:cNvPr>
-          <p:cNvSpPr>
-            <a:spLocks noGrp="1"/>
-          </p:cNvSpPr>
-          <p:nvPr>
-            <p:ph type="title"/>
-          </p:nvPr>
-        </p:nvSpPr>
-        <p:spPr>
-          <a:xfrm>
-            <a:off x="838200" y="365125"/>
-            <a:ext cx="10515600" cy="1325563"/>
-          </a:xfrm>
-        </p:spPr>
-        <p:txBody>
-          <a:bodyPr>
-            <a:normAutofit/>
-          </a:bodyPr>
-          <a:lstStyle/>
-          <a:p>
-            <a:r>
-              <a:rPr lang="en-US" b="1" dirty="0">
-                <a:latin typeface="Selawik Semibold" panose="020B0604020202020204" pitchFamily="34" charset="0"/>
-              </a:rPr>
-              <a:t>What is Sports Analytics?</a:t>
-            </a:r>
-          </a:p>
-        </p:txBody>
-      </p:sp>
-      <p:sp>
-        <p:nvSpPr>
-          <p:cNvPr id="9" name="Content Placeholder 8">
-            <a:extLst>
-              <a:ext uri="{FF2B5EF4-FFF2-40B4-BE49-F238E27FC236}">
-                <a16:creationId xmlns:a16="http://schemas.microsoft.com/office/drawing/2014/main" id="{2D995594-59F2-4020-AB6F-751BAE84ADB3}"/>
-              </a:ext>
-            </a:extLst>
-          </p:cNvPr>
-          <p:cNvSpPr>
-            <a:spLocks noGrp="1"/>
-          </p:cNvSpPr>
-          <p:nvPr>
-            <p:ph idx="1"/>
-          </p:nvPr>
-        </p:nvSpPr>
-        <p:spPr>
-          <a:xfrm>
-            <a:off x="838199" y="2021249"/>
-            <a:ext cx="7828430" cy="4646608"/>
-          </a:xfrm>
-        </p:spPr>
-        <p:txBody>
-          <a:bodyPr>
-            <a:normAutofit lnSpcReduction="10000"/>
-          </a:bodyPr>
-          <a:lstStyle/>
-          <a:p>
-            <a:r>
-              <a:rPr lang="en-US" sz="2400" dirty="0">
-                <a:latin typeface="Selawik Semibold" panose="020B0702040204020203" pitchFamily="34" charset="0"/>
-              </a:rPr>
-              <a:t>Data Management</a:t>
-            </a:r>
-          </a:p>
-          <a:p>
-            <a:pPr marL="0" indent="0">
-              <a:buNone/>
-            </a:pPr>
-            <a:endParaRPr lang="en-US" sz="2000" dirty="0">
-              <a:latin typeface="Selawik Semibold" panose="020B0702040204020203" pitchFamily="34" charset="0"/>
-            </a:endParaRPr>
-          </a:p>
-          <a:p>
-            <a:pPr lvl="1"/>
-            <a:r>
-              <a:rPr lang="en-US" sz="2000" dirty="0">
-                <a:latin typeface="Selawik Semibold" panose="020B0702040204020203" pitchFamily="34" charset="0"/>
-              </a:rPr>
-              <a:t>Different Sources: What are some examples?</a:t>
-            </a:r>
-          </a:p>
-          <a:p>
-            <a:pPr lvl="2"/>
-            <a:r>
-              <a:rPr lang="en-US" sz="1800" dirty="0">
-                <a:latin typeface="Selawik Semibold" panose="020B0702040204020203" pitchFamily="34" charset="0"/>
-              </a:rPr>
-              <a:t>Quantitative and Qualitative</a:t>
-            </a:r>
-          </a:p>
-          <a:p>
-            <a:pPr lvl="2"/>
-            <a:r>
-              <a:rPr lang="en-US" sz="1800" dirty="0">
-                <a:latin typeface="Selawik Semibold" panose="020B0702040204020203" pitchFamily="34" charset="0"/>
-              </a:rPr>
-              <a:t>Objective and Subjective</a:t>
-            </a:r>
-          </a:p>
-          <a:p>
-            <a:pPr lvl="2"/>
-            <a:r>
-              <a:rPr lang="en-US" sz="1800" dirty="0">
-                <a:latin typeface="Selawik Semibold" panose="020B0702040204020203" pitchFamily="34" charset="0"/>
-              </a:rPr>
-              <a:t>Text and Images and Video</a:t>
-            </a:r>
-          </a:p>
-          <a:p>
-            <a:pPr marL="914400" lvl="2" indent="0">
-              <a:buNone/>
-            </a:pPr>
-            <a:endParaRPr lang="en-US" sz="1800" dirty="0">
-              <a:latin typeface="Selawik Semibold" panose="020B0702040204020203" pitchFamily="34" charset="0"/>
-            </a:endParaRPr>
-          </a:p>
-          <a:p>
-            <a:pPr lvl="1"/>
-            <a:r>
-              <a:rPr lang="en-US" sz="2000" dirty="0">
-                <a:latin typeface="Selawik Semibold" panose="020B0702040204020203" pitchFamily="34" charset="0"/>
-              </a:rPr>
-              <a:t>Increasing Number of Sources</a:t>
-            </a:r>
-          </a:p>
-          <a:p>
-            <a:pPr marL="457200" lvl="1" indent="0">
-              <a:buNone/>
-            </a:pPr>
-            <a:endParaRPr lang="en-US" sz="2000" dirty="0">
-              <a:latin typeface="Selawik Semibold" panose="020B0702040204020203" pitchFamily="34" charset="0"/>
-            </a:endParaRPr>
-          </a:p>
-          <a:p>
-            <a:pPr lvl="1"/>
-            <a:r>
-              <a:rPr lang="en-US" sz="2000" dirty="0">
-                <a:latin typeface="Selawik Semibold" panose="020B0702040204020203" pitchFamily="34" charset="0"/>
-              </a:rPr>
-              <a:t>Increasing Volume from Those Sources</a:t>
-            </a:r>
-          </a:p>
-          <a:p>
-            <a:pPr marL="457200" lvl="1" indent="0">
-              <a:buNone/>
-            </a:pPr>
-            <a:endParaRPr lang="en-US" sz="2000" dirty="0">
-              <a:latin typeface="Selawik Semibold" panose="020B0702040204020203" pitchFamily="34" charset="0"/>
-            </a:endParaRPr>
-          </a:p>
-          <a:p>
-            <a:pPr lvl="1"/>
-            <a:r>
-              <a:rPr lang="en-US" sz="2000" dirty="0">
-                <a:latin typeface="Selawik Semibold" panose="020B0702040204020203" pitchFamily="34" charset="0"/>
-              </a:rPr>
-              <a:t>Data Needs to Be … “Organized”</a:t>
-            </a:r>
-          </a:p>
-          <a:p>
-            <a:pPr marL="457200" lvl="1" indent="0">
-              <a:buNone/>
-            </a:pPr>
-            <a:r>
-              <a:rPr lang="en-US" sz="2000" dirty="0">
-                <a:latin typeface="Selawik Semibold" panose="020B0702040204020203" pitchFamily="34" charset="0"/>
-              </a:rPr>
-              <a:t>                                      “Centralized” </a:t>
-            </a:r>
-          </a:p>
-          <a:p>
-            <a:pPr marL="457200" lvl="1" indent="0">
-              <a:buNone/>
-            </a:pPr>
-            <a:r>
-              <a:rPr lang="en-US" sz="2000" dirty="0">
-                <a:latin typeface="Selawik Semibold" panose="020B0702040204020203" pitchFamily="34" charset="0"/>
-              </a:rPr>
-              <a:t>                                      “Streamlined”</a:t>
-            </a:r>
-          </a:p>
-          <a:p>
-            <a:pPr lvl="1"/>
-            <a:endParaRPr lang="en-US" sz="2000" dirty="0">
-              <a:latin typeface="Selawik Semibold" panose="020B0702040204020203" pitchFamily="34" charset="0"/>
-            </a:endParaRPr>
-          </a:p>
-          <a:p>
-            <a:pPr lvl="1"/>
-            <a:endParaRPr lang="en-US" sz="2000" dirty="0">
-              <a:latin typeface="Selawik Semibold" panose="020B0702040204020203" pitchFamily="34" charset="0"/>
-            </a:endParaRPr>
-          </a:p>
-          <a:p>
-            <a:pPr lvl="1"/>
-            <a:endParaRPr lang="en-US" sz="1600" dirty="0">
-              <a:latin typeface="Selawik Semibold" panose="020B0702040204020203" pitchFamily="34" charset="0"/>
-            </a:endParaRPr>
-          </a:p>
-          <a:p>
-            <a:pPr lvl="1"/>
-            <a:endParaRPr lang="en-US" sz="2000" dirty="0">
-              <a:latin typeface="Selawik Semibold" panose="020B0702040204020203" pitchFamily="34" charset="0"/>
-            </a:endParaRPr>
-          </a:p>
-          <a:p>
-            <a:pPr lvl="1"/>
-            <a:endParaRPr lang="en-US" sz="2000" dirty="0">
-              <a:latin typeface="Selawik Semibold" panose="020B0702040204020203" pitchFamily="34" charset="0"/>
-            </a:endParaRPr>
-          </a:p>
-          <a:p>
-            <a:pPr lvl="1"/>
-            <a:endParaRPr lang="en-US" sz="2000" dirty="0">
-              <a:latin typeface="Selawik Semibold" panose="020B0702040204020203" pitchFamily="34" charset="0"/>
-            </a:endParaRPr>
-          </a:p>
-        </p:txBody>
-      </p:sp>
-      <p:pic>
-        <p:nvPicPr>
-          <p:cNvPr id="4" name="Picture 3" descr="A drawing of a cartoon character&#10;&#10;Description automatically generated">
-            <a:extLst>
-              <a:ext uri="{FF2B5EF4-FFF2-40B4-BE49-F238E27FC236}">
-                <a16:creationId xmlns:a16="http://schemas.microsoft.com/office/drawing/2014/main" id="{A7FDC859-D890-4904-9C64-27F43DA90453}"/>
-              </a:ext>
-            </a:extLst>
-          </p:cNvPr>
-          <p:cNvPicPr>
-            <a:picLocks noChangeAspect="1"/>
-          </p:cNvPicPr>
-          <p:nvPr/>
-        </p:nvPicPr>
-        <p:blipFill rotWithShape="1">
-          <a:blip r:embed="rId3">
-            <a:extLst>
-              <a:ext uri="{28A0092B-C50C-407E-A947-70E740481C1C}">
-                <a14:useLocalDpi xmlns:a14="http://schemas.microsoft.com/office/drawing/2010/main" val="0"/>
-              </a:ext>
-            </a:extLst>
-          </a:blip>
-          <a:srcRect t="5616" r="2" b="2"/>
-          <a:stretch/>
-        </p:blipFill>
-        <p:spPr>
-          <a:xfrm>
-            <a:off x="7471144" y="1700078"/>
-            <a:ext cx="4720855" cy="2583792"/>
-          </a:xfrm>
-          <a:custGeom>
-            <a:avLst/>
-            <a:gdLst>
-              <a:gd name="connsiteX0" fmla="*/ 0 w 5475077"/>
-              <a:gd name="connsiteY0" fmla="*/ 0 h 2583792"/>
-              <a:gd name="connsiteX1" fmla="*/ 5475077 w 5475077"/>
-              <a:gd name="connsiteY1" fmla="*/ 0 h 2583792"/>
-              <a:gd name="connsiteX2" fmla="*/ 5475077 w 5475077"/>
-              <a:gd name="connsiteY2" fmla="*/ 2583792 h 2583792"/>
-              <a:gd name="connsiteX3" fmla="*/ 1197192 w 5475077"/>
-              <a:gd name="connsiteY3" fmla="*/ 2583792 h 2583792"/>
-            </a:gdLst>
-            <a:ahLst/>
-            <a:cxnLst>
-              <a:cxn ang="0">
-                <a:pos x="connsiteX0" y="connsiteY0"/>
-              </a:cxn>
-              <a:cxn ang="0">
-                <a:pos x="connsiteX1" y="connsiteY1"/>
-              </a:cxn>
-              <a:cxn ang="0">
-                <a:pos x="connsiteX2" y="connsiteY2"/>
-              </a:cxn>
-              <a:cxn ang="0">
-                <a:pos x="connsiteX3" y="connsiteY3"/>
-              </a:cxn>
-            </a:cxnLst>
-            <a:rect l="l" t="t" r="r" b="b"/>
-            <a:pathLst>
-              <a:path w="5475077" h="2583792">
-                <a:moveTo>
-                  <a:pt x="0" y="0"/>
-                </a:moveTo>
-                <a:lnTo>
-                  <a:pt x="5475077" y="0"/>
-                </a:lnTo>
-                <a:lnTo>
-                  <a:pt x="5475077" y="2583792"/>
-                </a:lnTo>
-                <a:lnTo>
-                  <a:pt x="1197192" y="2583792"/>
-                </a:lnTo>
-                <a:close/>
-              </a:path>
-            </a:pathLst>
-          </a:custGeom>
-        </p:spPr>
-      </p:pic>
-      <p:pic>
-        <p:nvPicPr>
-          <p:cNvPr id="5" name="Content Placeholder 4" descr="A picture containing indoor&#10;&#10;Description automatically generated">
-            <a:extLst>
-              <a:ext uri="{FF2B5EF4-FFF2-40B4-BE49-F238E27FC236}">
-                <a16:creationId xmlns:a16="http://schemas.microsoft.com/office/drawing/2014/main" id="{A58F0E55-21F3-485B-A07F-1CE74177BDD2}"/>
-              </a:ext>
-            </a:extLst>
-          </p:cNvPr>
-          <p:cNvPicPr>
-            <a:picLocks noChangeAspect="1"/>
-          </p:cNvPicPr>
-          <p:nvPr/>
-        </p:nvPicPr>
-        <p:blipFill rotWithShape="1">
-          <a:blip r:embed="rId4">
-            <a:extLst>
-              <a:ext uri="{28A0092B-C50C-407E-A947-70E740481C1C}">
-                <a14:useLocalDpi xmlns:a14="http://schemas.microsoft.com/office/drawing/2010/main" val="0"/>
-              </a:ext>
-            </a:extLst>
-          </a:blip>
-          <a:srcRect t="5300" r="3" b="6859"/>
-          <a:stretch/>
-        </p:blipFill>
-        <p:spPr>
-          <a:xfrm>
-            <a:off x="8491869" y="4283870"/>
-            <a:ext cx="3700129" cy="2583520"/>
-          </a:xfrm>
-          <a:custGeom>
-            <a:avLst/>
-            <a:gdLst>
-              <a:gd name="connsiteX0" fmla="*/ 0 w 4277884"/>
-              <a:gd name="connsiteY0" fmla="*/ 0 h 2583520"/>
-              <a:gd name="connsiteX1" fmla="*/ 4277884 w 4277884"/>
-              <a:gd name="connsiteY1" fmla="*/ 0 h 2583520"/>
-              <a:gd name="connsiteX2" fmla="*/ 4277884 w 4277884"/>
-              <a:gd name="connsiteY2" fmla="*/ 2583520 h 2583520"/>
-              <a:gd name="connsiteX3" fmla="*/ 1192437 w 4277884"/>
-              <a:gd name="connsiteY3" fmla="*/ 2583520 h 2583520"/>
-              <a:gd name="connsiteX4" fmla="*/ 1188085 w 4277884"/>
-              <a:gd name="connsiteY4" fmla="*/ 2574129 h 2583520"/>
-              <a:gd name="connsiteX5" fmla="*/ 1192715 w 4277884"/>
-              <a:gd name="connsiteY5" fmla="*/ 2574129 h 2583520"/>
-            </a:gdLst>
-            <a:ahLst/>
-            <a:cxnLst>
-              <a:cxn ang="0">
-                <a:pos x="connsiteX0" y="connsiteY0"/>
-              </a:cxn>
-              <a:cxn ang="0">
-                <a:pos x="connsiteX1" y="connsiteY1"/>
-              </a:cxn>
-              <a:cxn ang="0">
-                <a:pos x="connsiteX2" y="connsiteY2"/>
-              </a:cxn>
-              <a:cxn ang="0">
-                <a:pos x="connsiteX3" y="connsiteY3"/>
-              </a:cxn>
-              <a:cxn ang="0">
-                <a:pos x="connsiteX4" y="connsiteY4"/>
-              </a:cxn>
-              <a:cxn ang="0">
-                <a:pos x="connsiteX5" y="connsiteY5"/>
-              </a:cxn>
-            </a:cxnLst>
-            <a:rect l="l" t="t" r="r" b="b"/>
-            <a:pathLst>
-              <a:path w="4277884" h="2583520">
-                <a:moveTo>
-                  <a:pt x="0" y="0"/>
-                </a:moveTo>
-                <a:lnTo>
-                  <a:pt x="4277884" y="0"/>
-                </a:lnTo>
-                <a:lnTo>
-                  <a:pt x="4277884" y="2583520"/>
-                </a:lnTo>
-                <a:lnTo>
-                  <a:pt x="1192437" y="2583520"/>
-                </a:lnTo>
-                <a:lnTo>
-                  <a:pt x="1188085" y="2574129"/>
-                </a:lnTo>
-                <a:lnTo>
-                  <a:pt x="1192715" y="2574129"/>
-                </a:lnTo>
-                <a:close/>
-              </a:path>
-            </a:pathLst>
-          </a:custGeom>
-        </p:spPr>
-      </p:pic>
-      <p:sp>
-        <p:nvSpPr>
-          <p:cNvPr id="6" name="Rectangle 5">
-            <a:extLst>
-              <a:ext uri="{FF2B5EF4-FFF2-40B4-BE49-F238E27FC236}">
-                <a16:creationId xmlns:a16="http://schemas.microsoft.com/office/drawing/2014/main" id="{A2901312-C3C2-4CEC-80EF-823AB4FBB726}"/>
-              </a:ext>
-            </a:extLst>
-          </p:cNvPr>
-          <p:cNvSpPr/>
-          <p:nvPr/>
-        </p:nvSpPr>
-        <p:spPr>
-          <a:xfrm>
-            <a:off x="-1" y="1608918"/>
-            <a:ext cx="12191999" cy="91160"/>
-          </a:xfrm>
-          <a:prstGeom prst="rect">
-            <a:avLst/>
-          </a:prstGeom>
-          <a:solidFill>
-            <a:schemeClr val="bg1"/>
-          </a:solidFill>
-          <a:ln>
-            <a:noFill/>
-          </a:ln>
-        </p:spPr>
-        <p:style>
-          <a:lnRef idx="2">
-            <a:schemeClr val="accent1">
-              <a:shade val="50000"/>
-            </a:schemeClr>
-          </a:lnRef>
-          <a:fillRef idx="1">
-            <a:schemeClr val="accent1"/>
-          </a:fillRef>
-          <a:effectRef idx="0">
-            <a:schemeClr val="accent1"/>
-          </a:effectRef>
-          <a:fontRef idx="minor">
-            <a:schemeClr val="lt1"/>
-          </a:fontRef>
-        </p:style>
-        <p:txBody>
-          <a:bodyPr rtlCol="0" anchor="ctr"/>
-          <a:lstStyle/>
-          <a:p>
-            <a:pPr algn="ctr"/>
-            <a:endParaRPr lang="en-US">
-              <a:solidFill>
-                <a:srgbClr val="DB5B5C"/>
-              </a:solidFill>
-            </a:endParaRPr>
-          </a:p>
-        </p:txBody>
-      </p:sp>
-      <p:sp>
-        <p:nvSpPr>
-          <p:cNvPr id="15" name="Rectangle 14">
-            <a:extLst>
-              <a:ext uri="{FF2B5EF4-FFF2-40B4-BE49-F238E27FC236}">
-                <a16:creationId xmlns:a16="http://schemas.microsoft.com/office/drawing/2014/main" id="{AD0A7C9C-CA2C-4B9B-A125-2D09D5573B44}"/>
-              </a:ext>
-            </a:extLst>
-          </p:cNvPr>
-          <p:cNvSpPr/>
-          <p:nvPr/>
-        </p:nvSpPr>
-        <p:spPr>
-          <a:xfrm>
-            <a:off x="1" y="6677247"/>
-            <a:ext cx="12191999" cy="190143"/>
-          </a:xfrm>
-          <a:prstGeom prst="rect">
-            <a:avLst/>
-          </a:prstGeom>
-          <a:solidFill>
-            <a:schemeClr val="bg1"/>
-          </a:solidFill>
-          <a:ln>
-            <a:noFill/>
-          </a:ln>
-        </p:spPr>
-        <p:style>
-          <a:lnRef idx="2">
-            <a:schemeClr val="accent1">
-              <a:shade val="50000"/>
-            </a:schemeClr>
-          </a:lnRef>
-          <a:fillRef idx="1">
-            <a:schemeClr val="accent1"/>
-          </a:fillRef>
-          <a:effectRef idx="0">
-            <a:schemeClr val="accent1"/>
-          </a:effectRef>
-          <a:fontRef idx="minor">
-            <a:schemeClr val="lt1"/>
-          </a:fontRef>
-        </p:style>
-        <p:txBody>
-          <a:bodyPr rtlCol="0" anchor="ctr"/>
-          <a:lstStyle/>
-          <a:p>
-            <a:pPr algn="ctr"/>
-            <a:endParaRPr lang="en-US">
-              <a:solidFill>
-                <a:srgbClr val="DB5B5C"/>
-              </a:solidFill>
-            </a:endParaRPr>
-          </a:p>
-        </p:txBody>
-      </p:sp>
-      <p:sp>
-        <p:nvSpPr>
-          <p:cNvPr id="16" name="Rectangle 15">
-            <a:extLst>
-              <a:ext uri="{FF2B5EF4-FFF2-40B4-BE49-F238E27FC236}">
-                <a16:creationId xmlns:a16="http://schemas.microsoft.com/office/drawing/2014/main" id="{74A085FC-1866-46D4-97F7-51AA45E48D4F}"/>
-              </a:ext>
-            </a:extLst>
-          </p:cNvPr>
-          <p:cNvSpPr/>
-          <p:nvPr/>
-        </p:nvSpPr>
-        <p:spPr>
-          <a:xfrm rot="4092292">
-            <a:off x="5790668" y="4094517"/>
-            <a:ext cx="5446699" cy="137038"/>
-          </a:xfrm>
-          <a:prstGeom prst="rect">
-            <a:avLst/>
-          </a:prstGeom>
-          <a:solidFill>
-            <a:schemeClr val="bg1"/>
-          </a:solidFill>
-          <a:ln>
-            <a:noFill/>
-          </a:ln>
-        </p:spPr>
-        <p:style>
-          <a:lnRef idx="2">
-            <a:schemeClr val="accent1">
-              <a:shade val="50000"/>
-            </a:schemeClr>
-          </a:lnRef>
-          <a:fillRef idx="1">
-            <a:schemeClr val="accent1"/>
-          </a:fillRef>
-          <a:effectRef idx="0">
-            <a:schemeClr val="accent1"/>
-          </a:effectRef>
-          <a:fontRef idx="minor">
-            <a:schemeClr val="lt1"/>
-          </a:fontRef>
-        </p:style>
-        <p:txBody>
-          <a:bodyPr rtlCol="0" anchor="ctr"/>
-          <a:lstStyle/>
-          <a:p>
-            <a:pPr algn="ctr"/>
-            <a:endParaRPr lang="en-US">
-              <a:solidFill>
-                <a:srgbClr val="DB5B5C"/>
-              </a:solidFill>
-            </a:endParaRPr>
-          </a:p>
-        </p:txBody>
-      </p:sp>
-    </p:spTree>
-    <p:extLst>
-      <p:ext uri="{BB962C8B-B14F-4D97-AF65-F5344CB8AC3E}">
-        <p14:creationId xmlns:p14="http://schemas.microsoft.com/office/powerpoint/2010/main" val="2720642213"/>
-      </p:ext>
-    </p:extLst>
-  </p:cSld>
-  <p:clrMapOvr>
-    <a:overrideClrMapping bg1="dk1" tx1="lt1" bg2="dk2" tx2="lt2" accent1="accent1" accent2="accent2" accent3="accent3" accent4="accent4" accent5="accent5" accent6="accent6" hlink="hlink" folHlink="folHlink"/>
-  </p:clrMapOvr>
-</p:sld>
-</file>
-
-<file path=ppt/slides/slide18.xml><?xml version="1.0" encoding="utf-8"?>
-<p:sld xmlns:a="http://schemas.openxmlformats.org/drawingml/2006/main" xmlns:r="http://schemas.openxmlformats.org/officeDocument/2006/relationships" xmlns:p="http://schemas.openxmlformats.org/presentationml/2006/main">
-  <p:cSld>
-    <p:bg>
-      <p:bgPr>
-        <a:solidFill>
-          <a:srgbClr val="395583"/>
-        </a:solidFill>
-        <a:effectLst/>
-      </p:bgPr>
-    </p:bg>
-    <p:spTree>
-      <p:nvGrpSpPr>
-        <p:cNvPr id="1" name=""/>
-        <p:cNvGrpSpPr/>
-        <p:nvPr/>
-      </p:nvGrpSpPr>
-      <p:grpSpPr>
-        <a:xfrm>
-          <a:off x="0" y="0"/>
-          <a:ext cx="0" cy="0"/>
-          <a:chOff x="0" y="0"/>
-          <a:chExt cx="0" cy="0"/>
-        </a:xfrm>
-      </p:grpSpPr>
-      <p:sp>
-        <p:nvSpPr>
-          <p:cNvPr id="25" name="Rectangle 24">
-            <a:extLst>
-              <a:ext uri="{FF2B5EF4-FFF2-40B4-BE49-F238E27FC236}">
-                <a16:creationId xmlns:a16="http://schemas.microsoft.com/office/drawing/2014/main" id="{A6792F05-2FD4-4F18-815E-15391E8B4A0E}"/>
-              </a:ext>
-              <a:ext uri="{C183D7F6-B498-43B3-948B-1728B52AA6E4}">
-                <adec:decorative xmlns:adec="http://schemas.microsoft.com/office/drawing/2017/decorative" val="1"/>
-              </a:ext>
-            </a:extLst>
-          </p:cNvPr>
-          <p:cNvSpPr>
-            <a:spLocks noGrp="1" noRot="1" noChangeAspect="1" noMove="1" noResize="1" noEditPoints="1" noAdjustHandles="1" noChangeArrowheads="1" noChangeShapeType="1" noTextEdit="1"/>
-          </p:cNvSpPr>
-          <p:nvPr>
-            <p:extLst>
-              <p:ext uri="{386F3935-93C4-4BCD-93E2-E3B085C9AB24}">
-                <p16:designElem xmlns:p16="http://schemas.microsoft.com/office/powerpoint/2015/main" val="1"/>
-              </p:ext>
-            </p:extLst>
-          </p:nvPr>
-        </p:nvSpPr>
-        <p:spPr>
-          <a:xfrm>
-            <a:off x="0" y="0"/>
-            <a:ext cx="12191999" cy="6858000"/>
-          </a:xfrm>
-          <a:prstGeom prst="rect">
-            <a:avLst/>
-          </a:prstGeom>
-          <a:solidFill>
-            <a:srgbClr val="395583"/>
-          </a:solidFill>
-          <a:ln>
-            <a:noFill/>
-          </a:ln>
-        </p:spPr>
-        <p:style>
-          <a:lnRef idx="2">
-            <a:schemeClr val="accent1">
-              <a:shade val="50000"/>
-            </a:schemeClr>
-          </a:lnRef>
-          <a:fillRef idx="1">
-            <a:schemeClr val="accent1"/>
-          </a:fillRef>
-          <a:effectRef idx="0">
-            <a:schemeClr val="accent1"/>
-          </a:effectRef>
-          <a:fontRef idx="minor">
-            <a:schemeClr val="lt1"/>
-          </a:fontRef>
-        </p:style>
-        <p:txBody>
-          <a:bodyPr rtlCol="0" anchor="ctr"/>
-          <a:lstStyle/>
-          <a:p>
-            <a:pPr algn="ctr"/>
-            <a:endParaRPr lang="en-US"/>
-          </a:p>
-        </p:txBody>
-      </p:sp>
-      <p:sp>
-        <p:nvSpPr>
-          <p:cNvPr id="2" name="Title 1">
-            <a:extLst>
-              <a:ext uri="{FF2B5EF4-FFF2-40B4-BE49-F238E27FC236}">
-                <a16:creationId xmlns:a16="http://schemas.microsoft.com/office/drawing/2014/main" id="{2589AFCC-0FF0-498C-B11F-8990DF0DAAA5}"/>
-              </a:ext>
-            </a:extLst>
-          </p:cNvPr>
-          <p:cNvSpPr>
-            <a:spLocks noGrp="1"/>
-          </p:cNvSpPr>
-          <p:nvPr>
-            <p:ph type="title"/>
-          </p:nvPr>
-        </p:nvSpPr>
-        <p:spPr>
-          <a:xfrm>
-            <a:off x="838200" y="365125"/>
-            <a:ext cx="10515600" cy="1325563"/>
-          </a:xfrm>
-        </p:spPr>
-        <p:txBody>
-          <a:bodyPr>
-            <a:normAutofit/>
-          </a:bodyPr>
-          <a:lstStyle/>
-          <a:p>
-            <a:r>
-              <a:rPr lang="en-US" b="1" dirty="0">
-                <a:latin typeface="Selawik Semibold" panose="020B0604020202020204" pitchFamily="34" charset="0"/>
-              </a:rPr>
-              <a:t>What is Sports Analytics?</a:t>
-            </a:r>
-          </a:p>
-        </p:txBody>
-      </p:sp>
-      <p:sp>
-        <p:nvSpPr>
-          <p:cNvPr id="9" name="Content Placeholder 8">
-            <a:extLst>
-              <a:ext uri="{FF2B5EF4-FFF2-40B4-BE49-F238E27FC236}">
-                <a16:creationId xmlns:a16="http://schemas.microsoft.com/office/drawing/2014/main" id="{2D995594-59F2-4020-AB6F-751BAE84ADB3}"/>
-              </a:ext>
-            </a:extLst>
-          </p:cNvPr>
-          <p:cNvSpPr>
-            <a:spLocks noGrp="1"/>
-          </p:cNvSpPr>
-          <p:nvPr>
-            <p:ph idx="1"/>
-          </p:nvPr>
-        </p:nvSpPr>
-        <p:spPr>
-          <a:xfrm>
-            <a:off x="838199" y="2021249"/>
-            <a:ext cx="7828430" cy="3801327"/>
-          </a:xfrm>
-        </p:spPr>
-        <p:txBody>
-          <a:bodyPr>
-            <a:normAutofit/>
-          </a:bodyPr>
-          <a:lstStyle/>
-          <a:p>
-            <a:r>
-              <a:rPr lang="en-US" sz="2400" dirty="0">
-                <a:latin typeface="Selawik Semibold" panose="020B0702040204020203" pitchFamily="34" charset="0"/>
-              </a:rPr>
-              <a:t>Analytic Models</a:t>
-            </a:r>
-          </a:p>
-          <a:p>
-            <a:pPr lvl="1"/>
-            <a:endParaRPr lang="en-US" sz="2000" dirty="0">
-              <a:latin typeface="Selawik Semibold" panose="020B0702040204020203" pitchFamily="34" charset="0"/>
-            </a:endParaRPr>
-          </a:p>
-          <a:p>
-            <a:pPr lvl="1"/>
-            <a:r>
-              <a:rPr lang="en-US" sz="2000" dirty="0">
-                <a:latin typeface="Selawik Semibold" panose="020B0702040204020203" pitchFamily="34" charset="0"/>
-              </a:rPr>
-              <a:t>Consider the Research Question or Problem</a:t>
-            </a:r>
-          </a:p>
-          <a:p>
-            <a:pPr lvl="1"/>
-            <a:endParaRPr lang="en-US" sz="2000" dirty="0">
-              <a:latin typeface="Selawik Semibold" panose="020B0702040204020203" pitchFamily="34" charset="0"/>
-            </a:endParaRPr>
-          </a:p>
-          <a:p>
-            <a:pPr lvl="1"/>
-            <a:r>
-              <a:rPr lang="en-US" sz="2000" dirty="0">
-                <a:latin typeface="Selawik Semibold" panose="020B0702040204020203" pitchFamily="34" charset="0"/>
-              </a:rPr>
-              <a:t>Identify or Create Dependent Variables of Interest</a:t>
-            </a:r>
-          </a:p>
-          <a:p>
-            <a:pPr lvl="1"/>
-            <a:endParaRPr lang="en-US" sz="2000" dirty="0">
-              <a:latin typeface="Selawik Semibold" panose="020B0702040204020203" pitchFamily="34" charset="0"/>
-            </a:endParaRPr>
-          </a:p>
-          <a:p>
-            <a:pPr lvl="1"/>
-            <a:r>
-              <a:rPr lang="en-US" sz="2000" dirty="0">
-                <a:latin typeface="Selawik Semibold" panose="020B0702040204020203" pitchFamily="34" charset="0"/>
-              </a:rPr>
-              <a:t>Incorporate All Information</a:t>
-            </a:r>
-          </a:p>
-          <a:p>
-            <a:pPr lvl="1"/>
-            <a:endParaRPr lang="en-US" sz="2000" dirty="0">
-              <a:latin typeface="Selawik Semibold" panose="020B0702040204020203" pitchFamily="34" charset="0"/>
-            </a:endParaRPr>
-          </a:p>
-          <a:p>
-            <a:pPr lvl="1"/>
-            <a:r>
-              <a:rPr lang="en-US" sz="2000" dirty="0">
-                <a:latin typeface="Selawik Semibold" panose="020B0702040204020203" pitchFamily="34" charset="0"/>
-              </a:rPr>
-              <a:t>Find Relationships (Linear/Nonlinear)</a:t>
-            </a:r>
-          </a:p>
-          <a:p>
-            <a:pPr lvl="1"/>
-            <a:endParaRPr lang="en-US" sz="2000" dirty="0">
-              <a:latin typeface="Selawik Semibold" panose="020B0702040204020203" pitchFamily="34" charset="0"/>
-            </a:endParaRPr>
-          </a:p>
-          <a:p>
-            <a:pPr lvl="1"/>
-            <a:r>
-              <a:rPr lang="en-US" sz="2000" dirty="0">
-                <a:latin typeface="Selawik Semibold" panose="020B0702040204020203" pitchFamily="34" charset="0"/>
-              </a:rPr>
-              <a:t>Goal: “Meaningful Insight”</a:t>
-            </a:r>
-          </a:p>
-          <a:p>
-            <a:pPr lvl="1"/>
-            <a:endParaRPr lang="en-US" sz="1600" dirty="0">
-              <a:latin typeface="Selawik Semibold" panose="020B0702040204020203" pitchFamily="34" charset="0"/>
-            </a:endParaRPr>
-          </a:p>
-          <a:p>
-            <a:pPr lvl="1"/>
-            <a:endParaRPr lang="en-US" sz="2000" dirty="0">
-              <a:latin typeface="Selawik Semibold" panose="020B0702040204020203" pitchFamily="34" charset="0"/>
-            </a:endParaRPr>
-          </a:p>
-          <a:p>
-            <a:pPr lvl="1"/>
-            <a:endParaRPr lang="en-US" sz="2000" dirty="0">
-              <a:latin typeface="Selawik Semibold" panose="020B0702040204020203" pitchFamily="34" charset="0"/>
-            </a:endParaRPr>
-          </a:p>
-          <a:p>
-            <a:pPr lvl="1"/>
-            <a:endParaRPr lang="en-US" sz="1600" dirty="0">
-              <a:latin typeface="Selawik Semibold" panose="020B0702040204020203" pitchFamily="34" charset="0"/>
-            </a:endParaRPr>
-          </a:p>
-          <a:p>
-            <a:pPr lvl="1"/>
-            <a:endParaRPr lang="en-US" sz="2000" dirty="0">
-              <a:latin typeface="Selawik Semibold" panose="020B0702040204020203" pitchFamily="34" charset="0"/>
-            </a:endParaRPr>
-          </a:p>
-          <a:p>
-            <a:pPr lvl="1"/>
-            <a:endParaRPr lang="en-US" sz="2000" dirty="0">
-              <a:latin typeface="Selawik Semibold" panose="020B0702040204020203" pitchFamily="34" charset="0"/>
-            </a:endParaRPr>
-          </a:p>
-          <a:p>
-            <a:pPr lvl="1"/>
-            <a:endParaRPr lang="en-US" sz="2000" dirty="0">
-              <a:latin typeface="Selawik Semibold" panose="020B0702040204020203" pitchFamily="34" charset="0"/>
-            </a:endParaRPr>
-          </a:p>
-        </p:txBody>
-      </p:sp>
-      <p:pic>
-        <p:nvPicPr>
-          <p:cNvPr id="4" name="Picture 3" descr="A drawing of a cartoon character&#10;&#10;Description automatically generated">
-            <a:extLst>
-              <a:ext uri="{FF2B5EF4-FFF2-40B4-BE49-F238E27FC236}">
-                <a16:creationId xmlns:a16="http://schemas.microsoft.com/office/drawing/2014/main" id="{A7FDC859-D890-4904-9C64-27F43DA90453}"/>
-              </a:ext>
-            </a:extLst>
-          </p:cNvPr>
-          <p:cNvPicPr>
-            <a:picLocks noChangeAspect="1"/>
-          </p:cNvPicPr>
-          <p:nvPr/>
-        </p:nvPicPr>
-        <p:blipFill rotWithShape="1">
-          <a:blip r:embed="rId3">
-            <a:extLst>
-              <a:ext uri="{28A0092B-C50C-407E-A947-70E740481C1C}">
-                <a14:useLocalDpi xmlns:a14="http://schemas.microsoft.com/office/drawing/2010/main" val="0"/>
-              </a:ext>
-            </a:extLst>
-          </a:blip>
-          <a:srcRect t="5616" r="2" b="2"/>
-          <a:stretch/>
-        </p:blipFill>
-        <p:spPr>
-          <a:xfrm>
-            <a:off x="7471144" y="1700078"/>
-            <a:ext cx="4720855" cy="2583792"/>
-          </a:xfrm>
-          <a:custGeom>
-            <a:avLst/>
-            <a:gdLst>
-              <a:gd name="connsiteX0" fmla="*/ 0 w 5475077"/>
-              <a:gd name="connsiteY0" fmla="*/ 0 h 2583792"/>
-              <a:gd name="connsiteX1" fmla="*/ 5475077 w 5475077"/>
-              <a:gd name="connsiteY1" fmla="*/ 0 h 2583792"/>
-              <a:gd name="connsiteX2" fmla="*/ 5475077 w 5475077"/>
-              <a:gd name="connsiteY2" fmla="*/ 2583792 h 2583792"/>
-              <a:gd name="connsiteX3" fmla="*/ 1197192 w 5475077"/>
-              <a:gd name="connsiteY3" fmla="*/ 2583792 h 2583792"/>
-            </a:gdLst>
-            <a:ahLst/>
-            <a:cxnLst>
-              <a:cxn ang="0">
-                <a:pos x="connsiteX0" y="connsiteY0"/>
-              </a:cxn>
-              <a:cxn ang="0">
-                <a:pos x="connsiteX1" y="connsiteY1"/>
-              </a:cxn>
-              <a:cxn ang="0">
-                <a:pos x="connsiteX2" y="connsiteY2"/>
-              </a:cxn>
-              <a:cxn ang="0">
-                <a:pos x="connsiteX3" y="connsiteY3"/>
-              </a:cxn>
-            </a:cxnLst>
-            <a:rect l="l" t="t" r="r" b="b"/>
-            <a:pathLst>
-              <a:path w="5475077" h="2583792">
-                <a:moveTo>
-                  <a:pt x="0" y="0"/>
-                </a:moveTo>
-                <a:lnTo>
-                  <a:pt x="5475077" y="0"/>
-                </a:lnTo>
-                <a:lnTo>
-                  <a:pt x="5475077" y="2583792"/>
-                </a:lnTo>
-                <a:lnTo>
-                  <a:pt x="1197192" y="2583792"/>
-                </a:lnTo>
-                <a:close/>
-              </a:path>
-            </a:pathLst>
-          </a:custGeom>
-        </p:spPr>
-      </p:pic>
-      <p:pic>
-        <p:nvPicPr>
-          <p:cNvPr id="5" name="Content Placeholder 4" descr="A picture containing indoor&#10;&#10;Description automatically generated">
-            <a:extLst>
-              <a:ext uri="{FF2B5EF4-FFF2-40B4-BE49-F238E27FC236}">
-                <a16:creationId xmlns:a16="http://schemas.microsoft.com/office/drawing/2014/main" id="{A58F0E55-21F3-485B-A07F-1CE74177BDD2}"/>
-              </a:ext>
-            </a:extLst>
-          </p:cNvPr>
-          <p:cNvPicPr>
-            <a:picLocks noChangeAspect="1"/>
-          </p:cNvPicPr>
-          <p:nvPr/>
-        </p:nvPicPr>
-        <p:blipFill rotWithShape="1">
-          <a:blip r:embed="rId4">
-            <a:extLst>
-              <a:ext uri="{28A0092B-C50C-407E-A947-70E740481C1C}">
-                <a14:useLocalDpi xmlns:a14="http://schemas.microsoft.com/office/drawing/2010/main" val="0"/>
-              </a:ext>
-            </a:extLst>
-          </a:blip>
-          <a:srcRect t="5300" r="3" b="6859"/>
-          <a:stretch/>
-        </p:blipFill>
-        <p:spPr>
-          <a:xfrm>
-            <a:off x="8491869" y="4283870"/>
-            <a:ext cx="3700129" cy="2583520"/>
-          </a:xfrm>
-          <a:custGeom>
-            <a:avLst/>
-            <a:gdLst>
-              <a:gd name="connsiteX0" fmla="*/ 0 w 4277884"/>
-              <a:gd name="connsiteY0" fmla="*/ 0 h 2583520"/>
-              <a:gd name="connsiteX1" fmla="*/ 4277884 w 4277884"/>
-              <a:gd name="connsiteY1" fmla="*/ 0 h 2583520"/>
-              <a:gd name="connsiteX2" fmla="*/ 4277884 w 4277884"/>
-              <a:gd name="connsiteY2" fmla="*/ 2583520 h 2583520"/>
-              <a:gd name="connsiteX3" fmla="*/ 1192437 w 4277884"/>
-              <a:gd name="connsiteY3" fmla="*/ 2583520 h 2583520"/>
-              <a:gd name="connsiteX4" fmla="*/ 1188085 w 4277884"/>
-              <a:gd name="connsiteY4" fmla="*/ 2574129 h 2583520"/>
-              <a:gd name="connsiteX5" fmla="*/ 1192715 w 4277884"/>
-              <a:gd name="connsiteY5" fmla="*/ 2574129 h 2583520"/>
-            </a:gdLst>
-            <a:ahLst/>
-            <a:cxnLst>
-              <a:cxn ang="0">
-                <a:pos x="connsiteX0" y="connsiteY0"/>
-              </a:cxn>
-              <a:cxn ang="0">
-                <a:pos x="connsiteX1" y="connsiteY1"/>
-              </a:cxn>
-              <a:cxn ang="0">
-                <a:pos x="connsiteX2" y="connsiteY2"/>
-              </a:cxn>
-              <a:cxn ang="0">
-                <a:pos x="connsiteX3" y="connsiteY3"/>
-              </a:cxn>
-              <a:cxn ang="0">
-                <a:pos x="connsiteX4" y="connsiteY4"/>
-              </a:cxn>
-              <a:cxn ang="0">
-                <a:pos x="connsiteX5" y="connsiteY5"/>
-              </a:cxn>
-            </a:cxnLst>
-            <a:rect l="l" t="t" r="r" b="b"/>
-            <a:pathLst>
-              <a:path w="4277884" h="2583520">
-                <a:moveTo>
-                  <a:pt x="0" y="0"/>
-                </a:moveTo>
-                <a:lnTo>
-                  <a:pt x="4277884" y="0"/>
-                </a:lnTo>
-                <a:lnTo>
-                  <a:pt x="4277884" y="2583520"/>
-                </a:lnTo>
-                <a:lnTo>
-                  <a:pt x="1192437" y="2583520"/>
-                </a:lnTo>
-                <a:lnTo>
-                  <a:pt x="1188085" y="2574129"/>
-                </a:lnTo>
-                <a:lnTo>
-                  <a:pt x="1192715" y="2574129"/>
-                </a:lnTo>
-                <a:close/>
-              </a:path>
-            </a:pathLst>
-          </a:custGeom>
-        </p:spPr>
-      </p:pic>
-      <p:sp>
-        <p:nvSpPr>
-          <p:cNvPr id="6" name="Rectangle 5">
-            <a:extLst>
-              <a:ext uri="{FF2B5EF4-FFF2-40B4-BE49-F238E27FC236}">
-                <a16:creationId xmlns:a16="http://schemas.microsoft.com/office/drawing/2014/main" id="{A2901312-C3C2-4CEC-80EF-823AB4FBB726}"/>
-              </a:ext>
-            </a:extLst>
-          </p:cNvPr>
-          <p:cNvSpPr/>
-          <p:nvPr/>
-        </p:nvSpPr>
-        <p:spPr>
-          <a:xfrm>
-            <a:off x="-1" y="1608918"/>
-            <a:ext cx="12191999" cy="91160"/>
-          </a:xfrm>
-          <a:prstGeom prst="rect">
-            <a:avLst/>
-          </a:prstGeom>
-          <a:solidFill>
-            <a:schemeClr val="bg1"/>
-          </a:solidFill>
-          <a:ln>
-            <a:noFill/>
-          </a:ln>
-        </p:spPr>
-        <p:style>
-          <a:lnRef idx="2">
-            <a:schemeClr val="accent1">
-              <a:shade val="50000"/>
-            </a:schemeClr>
-          </a:lnRef>
-          <a:fillRef idx="1">
-            <a:schemeClr val="accent1"/>
-          </a:fillRef>
-          <a:effectRef idx="0">
-            <a:schemeClr val="accent1"/>
-          </a:effectRef>
-          <a:fontRef idx="minor">
-            <a:schemeClr val="lt1"/>
-          </a:fontRef>
-        </p:style>
-        <p:txBody>
-          <a:bodyPr rtlCol="0" anchor="ctr"/>
-          <a:lstStyle/>
-          <a:p>
-            <a:pPr algn="ctr"/>
-            <a:endParaRPr lang="en-US">
-              <a:solidFill>
-                <a:srgbClr val="DB5B5C"/>
-              </a:solidFill>
-            </a:endParaRPr>
-          </a:p>
-        </p:txBody>
-      </p:sp>
-      <p:sp>
-        <p:nvSpPr>
-          <p:cNvPr id="15" name="Rectangle 14">
-            <a:extLst>
-              <a:ext uri="{FF2B5EF4-FFF2-40B4-BE49-F238E27FC236}">
-                <a16:creationId xmlns:a16="http://schemas.microsoft.com/office/drawing/2014/main" id="{AD0A7C9C-CA2C-4B9B-A125-2D09D5573B44}"/>
-              </a:ext>
-            </a:extLst>
-          </p:cNvPr>
-          <p:cNvSpPr/>
-          <p:nvPr/>
-        </p:nvSpPr>
-        <p:spPr>
-          <a:xfrm>
-            <a:off x="1" y="6677247"/>
-            <a:ext cx="12191999" cy="190143"/>
-          </a:xfrm>
-          <a:prstGeom prst="rect">
-            <a:avLst/>
-          </a:prstGeom>
-          <a:solidFill>
-            <a:schemeClr val="bg1"/>
-          </a:solidFill>
-          <a:ln>
-            <a:noFill/>
-          </a:ln>
-        </p:spPr>
-        <p:style>
-          <a:lnRef idx="2">
-            <a:schemeClr val="accent1">
-              <a:shade val="50000"/>
-            </a:schemeClr>
-          </a:lnRef>
-          <a:fillRef idx="1">
-            <a:schemeClr val="accent1"/>
-          </a:fillRef>
-          <a:effectRef idx="0">
-            <a:schemeClr val="accent1"/>
-          </a:effectRef>
-          <a:fontRef idx="minor">
-            <a:schemeClr val="lt1"/>
-          </a:fontRef>
-        </p:style>
-        <p:txBody>
-          <a:bodyPr rtlCol="0" anchor="ctr"/>
-          <a:lstStyle/>
-          <a:p>
-            <a:pPr algn="ctr"/>
-            <a:endParaRPr lang="en-US">
-              <a:solidFill>
-                <a:srgbClr val="DB5B5C"/>
-              </a:solidFill>
-            </a:endParaRPr>
-          </a:p>
-        </p:txBody>
-      </p:sp>
-      <p:sp>
-        <p:nvSpPr>
-          <p:cNvPr id="16" name="Rectangle 15">
-            <a:extLst>
-              <a:ext uri="{FF2B5EF4-FFF2-40B4-BE49-F238E27FC236}">
-                <a16:creationId xmlns:a16="http://schemas.microsoft.com/office/drawing/2014/main" id="{74A085FC-1866-46D4-97F7-51AA45E48D4F}"/>
-              </a:ext>
-            </a:extLst>
-          </p:cNvPr>
-          <p:cNvSpPr/>
-          <p:nvPr/>
-        </p:nvSpPr>
-        <p:spPr>
-          <a:xfrm rot="4092292">
-            <a:off x="5790668" y="4094517"/>
-            <a:ext cx="5446699" cy="137038"/>
-          </a:xfrm>
-          <a:prstGeom prst="rect">
-            <a:avLst/>
-          </a:prstGeom>
-          <a:solidFill>
-            <a:schemeClr val="bg1"/>
-          </a:solidFill>
-          <a:ln>
-            <a:noFill/>
-          </a:ln>
-        </p:spPr>
-        <p:style>
-          <a:lnRef idx="2">
-            <a:schemeClr val="accent1">
-              <a:shade val="50000"/>
-            </a:schemeClr>
-          </a:lnRef>
-          <a:fillRef idx="1">
-            <a:schemeClr val="accent1"/>
-          </a:fillRef>
-          <a:effectRef idx="0">
-            <a:schemeClr val="accent1"/>
-          </a:effectRef>
-          <a:fontRef idx="minor">
-            <a:schemeClr val="lt1"/>
-          </a:fontRef>
-        </p:style>
-        <p:txBody>
-          <a:bodyPr rtlCol="0" anchor="ctr"/>
-          <a:lstStyle/>
-          <a:p>
-            <a:pPr algn="ctr"/>
-            <a:endParaRPr lang="en-US">
-              <a:solidFill>
-                <a:srgbClr val="DB5B5C"/>
-              </a:solidFill>
-            </a:endParaRPr>
-          </a:p>
-        </p:txBody>
-      </p:sp>
-    </p:spTree>
-    <p:extLst>
-      <p:ext uri="{BB962C8B-B14F-4D97-AF65-F5344CB8AC3E}">
-        <p14:creationId xmlns:p14="http://schemas.microsoft.com/office/powerpoint/2010/main" val="441727171"/>
-      </p:ext>
-    </p:extLst>
-  </p:cSld>
-  <p:clrMapOvr>
-    <a:overrideClrMapping bg1="dk1" tx1="lt1" bg2="dk2" tx2="lt2" accent1="accent1" accent2="accent2" accent3="accent3" accent4="accent4" accent5="accent5" accent6="accent6" hlink="hlink" folHlink="folHlink"/>
-  </p:clrMapOvr>
-</p:sld>
-</file>
-
-<file path=ppt/slides/slide19.xml><?xml version="1.0" encoding="utf-8"?>
-<p:sld xmlns:a="http://schemas.openxmlformats.org/drawingml/2006/main" xmlns:r="http://schemas.openxmlformats.org/officeDocument/2006/relationships" xmlns:p="http://schemas.openxmlformats.org/presentationml/2006/main">
-  <p:cSld>
-    <p:bg>
-      <p:bgPr>
-        <a:solidFill>
-          <a:srgbClr val="395583"/>
-        </a:solidFill>
-        <a:effectLst/>
-      </p:bgPr>
-    </p:bg>
-    <p:spTree>
-      <p:nvGrpSpPr>
-        <p:cNvPr id="1" name=""/>
-        <p:cNvGrpSpPr/>
-        <p:nvPr/>
-      </p:nvGrpSpPr>
-      <p:grpSpPr>
-        <a:xfrm>
-          <a:off x="0" y="0"/>
-          <a:ext cx="0" cy="0"/>
-          <a:chOff x="0" y="0"/>
-          <a:chExt cx="0" cy="0"/>
-        </a:xfrm>
-      </p:grpSpPr>
-      <p:sp>
-        <p:nvSpPr>
-          <p:cNvPr id="25" name="Rectangle 24">
-            <a:extLst>
-              <a:ext uri="{FF2B5EF4-FFF2-40B4-BE49-F238E27FC236}">
-                <a16:creationId xmlns:a16="http://schemas.microsoft.com/office/drawing/2014/main" id="{A6792F05-2FD4-4F18-815E-15391E8B4A0E}"/>
-              </a:ext>
-              <a:ext uri="{C183D7F6-B498-43B3-948B-1728B52AA6E4}">
-                <adec:decorative xmlns:adec="http://schemas.microsoft.com/office/drawing/2017/decorative" val="1"/>
-              </a:ext>
-            </a:extLst>
-          </p:cNvPr>
-          <p:cNvSpPr>
-            <a:spLocks noGrp="1" noRot="1" noChangeAspect="1" noMove="1" noResize="1" noEditPoints="1" noAdjustHandles="1" noChangeArrowheads="1" noChangeShapeType="1" noTextEdit="1"/>
-          </p:cNvSpPr>
-          <p:nvPr>
-            <p:extLst>
-              <p:ext uri="{386F3935-93C4-4BCD-93E2-E3B085C9AB24}">
-                <p16:designElem xmlns:p16="http://schemas.microsoft.com/office/powerpoint/2015/main" val="1"/>
-              </p:ext>
-            </p:extLst>
-          </p:nvPr>
-        </p:nvSpPr>
-        <p:spPr>
-          <a:xfrm>
-            <a:off x="0" y="0"/>
-            <a:ext cx="12191999" cy="6858000"/>
-          </a:xfrm>
-          <a:prstGeom prst="rect">
-            <a:avLst/>
-          </a:prstGeom>
-          <a:solidFill>
-            <a:srgbClr val="395583"/>
-          </a:solidFill>
-          <a:ln>
-            <a:noFill/>
-          </a:ln>
-        </p:spPr>
-        <p:style>
-          <a:lnRef idx="2">
-            <a:schemeClr val="accent1">
-              <a:shade val="50000"/>
-            </a:schemeClr>
-          </a:lnRef>
-          <a:fillRef idx="1">
-            <a:schemeClr val="accent1"/>
-          </a:fillRef>
-          <a:effectRef idx="0">
-            <a:schemeClr val="accent1"/>
-          </a:effectRef>
-          <a:fontRef idx="minor">
-            <a:schemeClr val="lt1"/>
-          </a:fontRef>
-        </p:style>
-        <p:txBody>
-          <a:bodyPr rtlCol="0" anchor="ctr"/>
-          <a:lstStyle/>
-          <a:p>
-            <a:pPr algn="ctr"/>
-            <a:endParaRPr lang="en-US"/>
-          </a:p>
-        </p:txBody>
-      </p:sp>
-      <p:sp>
-        <p:nvSpPr>
-          <p:cNvPr id="2" name="Title 1">
-            <a:extLst>
-              <a:ext uri="{FF2B5EF4-FFF2-40B4-BE49-F238E27FC236}">
-                <a16:creationId xmlns:a16="http://schemas.microsoft.com/office/drawing/2014/main" id="{2589AFCC-0FF0-498C-B11F-8990DF0DAAA5}"/>
-              </a:ext>
-            </a:extLst>
-          </p:cNvPr>
-          <p:cNvSpPr>
-            <a:spLocks noGrp="1"/>
-          </p:cNvSpPr>
-          <p:nvPr>
-            <p:ph type="title"/>
-          </p:nvPr>
-        </p:nvSpPr>
-        <p:spPr>
-          <a:xfrm>
-            <a:off x="838200" y="365125"/>
-            <a:ext cx="10515600" cy="1325563"/>
-          </a:xfrm>
-        </p:spPr>
-        <p:txBody>
-          <a:bodyPr>
-            <a:normAutofit/>
-          </a:bodyPr>
-          <a:lstStyle/>
-          <a:p>
-            <a:r>
-              <a:rPr lang="en-US" b="1" dirty="0">
-                <a:latin typeface="Selawik Semibold" panose="020B0604020202020204" pitchFamily="34" charset="0"/>
-              </a:rPr>
-              <a:t>What is Sports Analytics?</a:t>
-            </a:r>
-          </a:p>
-        </p:txBody>
-      </p:sp>
-      <p:sp>
-        <p:nvSpPr>
-          <p:cNvPr id="9" name="Content Placeholder 8">
-            <a:extLst>
-              <a:ext uri="{FF2B5EF4-FFF2-40B4-BE49-F238E27FC236}">
-                <a16:creationId xmlns:a16="http://schemas.microsoft.com/office/drawing/2014/main" id="{2D995594-59F2-4020-AB6F-751BAE84ADB3}"/>
-              </a:ext>
-            </a:extLst>
-          </p:cNvPr>
-          <p:cNvSpPr>
-            <a:spLocks noGrp="1"/>
-          </p:cNvSpPr>
-          <p:nvPr>
-            <p:ph idx="1"/>
-          </p:nvPr>
-        </p:nvSpPr>
-        <p:spPr>
-          <a:xfrm>
-            <a:off x="838199" y="2021249"/>
-            <a:ext cx="7922560" cy="3801327"/>
-          </a:xfrm>
-        </p:spPr>
-        <p:txBody>
-          <a:bodyPr>
-            <a:normAutofit/>
-          </a:bodyPr>
-          <a:lstStyle/>
-          <a:p>
-            <a:r>
-              <a:rPr lang="en-US" sz="2400" dirty="0">
-                <a:latin typeface="Selawik Semibold" panose="020B0702040204020203" pitchFamily="34" charset="0"/>
-              </a:rPr>
-              <a:t>Information Systems</a:t>
-            </a:r>
-          </a:p>
-          <a:p>
-            <a:pPr lvl="1"/>
-            <a:endParaRPr lang="en-US" sz="2000" dirty="0">
-              <a:latin typeface="Selawik Semibold" panose="020B0702040204020203" pitchFamily="34" charset="0"/>
-            </a:endParaRPr>
-          </a:p>
-          <a:p>
-            <a:pPr lvl="1"/>
-            <a:r>
-              <a:rPr lang="en-US" sz="2000" dirty="0">
-                <a:latin typeface="Selawik Semibold" panose="020B0702040204020203" pitchFamily="34" charset="0"/>
-              </a:rPr>
-              <a:t>Mechanisms for Data Delivery</a:t>
-            </a:r>
-          </a:p>
-          <a:p>
-            <a:pPr lvl="1"/>
-            <a:endParaRPr lang="en-US" sz="2000" dirty="0">
-              <a:latin typeface="Selawik Semibold" panose="020B0702040204020203" pitchFamily="34" charset="0"/>
-            </a:endParaRPr>
-          </a:p>
-          <a:p>
-            <a:pPr lvl="1"/>
-            <a:r>
-              <a:rPr lang="en-US" sz="2000" dirty="0">
-                <a:latin typeface="Selawik Semibold" panose="020B0702040204020203" pitchFamily="34" charset="0"/>
-              </a:rPr>
-              <a:t>Organization and Presentation Matters</a:t>
-            </a:r>
-          </a:p>
-          <a:p>
-            <a:pPr lvl="1"/>
-            <a:endParaRPr lang="en-US" sz="2000" dirty="0">
-              <a:latin typeface="Selawik Semibold" panose="020B0702040204020203" pitchFamily="34" charset="0"/>
-            </a:endParaRPr>
-          </a:p>
-          <a:p>
-            <a:pPr lvl="1"/>
-            <a:r>
-              <a:rPr lang="en-US" sz="2000" dirty="0">
-                <a:latin typeface="Selawik Semibold" panose="020B0702040204020203" pitchFamily="34" charset="0"/>
-              </a:rPr>
-              <a:t>“One Version of the Truth” – Summarized and Centralized</a:t>
-            </a:r>
-          </a:p>
-          <a:p>
-            <a:pPr lvl="1"/>
-            <a:endParaRPr lang="en-US" sz="2000" dirty="0">
-              <a:latin typeface="Selawik Semibold" panose="020B0702040204020203" pitchFamily="34" charset="0"/>
-            </a:endParaRPr>
-          </a:p>
-          <a:p>
-            <a:pPr lvl="1"/>
-            <a:r>
-              <a:rPr lang="en-US" sz="2000" dirty="0">
-                <a:latin typeface="Selawik Semibold" panose="020B0702040204020203" pitchFamily="34" charset="0"/>
-              </a:rPr>
-              <a:t>Static: Automatically Generated Reports</a:t>
-            </a:r>
-          </a:p>
-          <a:p>
-            <a:pPr lvl="1"/>
-            <a:endParaRPr lang="en-US" sz="2000" dirty="0">
-              <a:latin typeface="Selawik Semibold" panose="020B0702040204020203" pitchFamily="34" charset="0"/>
-            </a:endParaRPr>
-          </a:p>
-          <a:p>
-            <a:pPr lvl="1"/>
-            <a:r>
-              <a:rPr lang="en-US" sz="2000" dirty="0">
-                <a:latin typeface="Selawik Semibold" panose="020B0702040204020203" pitchFamily="34" charset="0"/>
-              </a:rPr>
-              <a:t>Interactive: Computer, Phone, Tablet, and Web Applications</a:t>
-            </a:r>
-          </a:p>
-          <a:p>
-            <a:pPr lvl="1"/>
-            <a:endParaRPr lang="en-US" sz="2000" dirty="0">
-              <a:latin typeface="Selawik Semibold" panose="020B0702040204020203" pitchFamily="34" charset="0"/>
-            </a:endParaRPr>
-          </a:p>
-          <a:p>
-            <a:pPr lvl="1"/>
-            <a:endParaRPr lang="en-US" sz="1600" dirty="0">
-              <a:latin typeface="Selawik Semibold" panose="020B0702040204020203" pitchFamily="34" charset="0"/>
-            </a:endParaRPr>
-          </a:p>
-          <a:p>
-            <a:pPr lvl="1"/>
-            <a:endParaRPr lang="en-US" sz="2000" dirty="0">
-              <a:latin typeface="Selawik Semibold" panose="020B0702040204020203" pitchFamily="34" charset="0"/>
-            </a:endParaRPr>
-          </a:p>
-          <a:p>
-            <a:pPr lvl="1"/>
-            <a:endParaRPr lang="en-US" sz="2000" dirty="0">
-              <a:latin typeface="Selawik Semibold" panose="020B0702040204020203" pitchFamily="34" charset="0"/>
-            </a:endParaRPr>
-          </a:p>
-          <a:p>
-            <a:pPr lvl="1"/>
-            <a:endParaRPr lang="en-US" sz="2000" dirty="0">
-              <a:latin typeface="Selawik Semibold" panose="020B0702040204020203" pitchFamily="34" charset="0"/>
-            </a:endParaRPr>
-          </a:p>
-        </p:txBody>
-      </p:sp>
-      <p:pic>
-        <p:nvPicPr>
-          <p:cNvPr id="4" name="Picture 3" descr="A drawing of a cartoon character&#10;&#10;Description automatically generated">
-            <a:extLst>
-              <a:ext uri="{FF2B5EF4-FFF2-40B4-BE49-F238E27FC236}">
-                <a16:creationId xmlns:a16="http://schemas.microsoft.com/office/drawing/2014/main" id="{A7FDC859-D890-4904-9C64-27F43DA90453}"/>
-              </a:ext>
-            </a:extLst>
-          </p:cNvPr>
-          <p:cNvPicPr>
-            <a:picLocks noChangeAspect="1"/>
-          </p:cNvPicPr>
-          <p:nvPr/>
-        </p:nvPicPr>
-        <p:blipFill rotWithShape="1">
-          <a:blip r:embed="rId3">
-            <a:extLst>
-              <a:ext uri="{28A0092B-C50C-407E-A947-70E740481C1C}">
-                <a14:useLocalDpi xmlns:a14="http://schemas.microsoft.com/office/drawing/2010/main" val="0"/>
-              </a:ext>
-            </a:extLst>
-          </a:blip>
-          <a:srcRect t="5616" r="2" b="2"/>
-          <a:stretch/>
-        </p:blipFill>
-        <p:spPr>
-          <a:xfrm>
-            <a:off x="7471144" y="1700078"/>
-            <a:ext cx="4720855" cy="2583792"/>
-          </a:xfrm>
-          <a:custGeom>
-            <a:avLst/>
-            <a:gdLst>
-              <a:gd name="connsiteX0" fmla="*/ 0 w 5475077"/>
-              <a:gd name="connsiteY0" fmla="*/ 0 h 2583792"/>
-              <a:gd name="connsiteX1" fmla="*/ 5475077 w 5475077"/>
-              <a:gd name="connsiteY1" fmla="*/ 0 h 2583792"/>
-              <a:gd name="connsiteX2" fmla="*/ 5475077 w 5475077"/>
-              <a:gd name="connsiteY2" fmla="*/ 2583792 h 2583792"/>
-              <a:gd name="connsiteX3" fmla="*/ 1197192 w 5475077"/>
-              <a:gd name="connsiteY3" fmla="*/ 2583792 h 2583792"/>
-            </a:gdLst>
-            <a:ahLst/>
-            <a:cxnLst>
-              <a:cxn ang="0">
-                <a:pos x="connsiteX0" y="connsiteY0"/>
-              </a:cxn>
-              <a:cxn ang="0">
-                <a:pos x="connsiteX1" y="connsiteY1"/>
-              </a:cxn>
-              <a:cxn ang="0">
-                <a:pos x="connsiteX2" y="connsiteY2"/>
-              </a:cxn>
-              <a:cxn ang="0">
-                <a:pos x="connsiteX3" y="connsiteY3"/>
-              </a:cxn>
-            </a:cxnLst>
-            <a:rect l="l" t="t" r="r" b="b"/>
-            <a:pathLst>
-              <a:path w="5475077" h="2583792">
-                <a:moveTo>
-                  <a:pt x="0" y="0"/>
-                </a:moveTo>
-                <a:lnTo>
-                  <a:pt x="5475077" y="0"/>
-                </a:lnTo>
-                <a:lnTo>
-                  <a:pt x="5475077" y="2583792"/>
-                </a:lnTo>
-                <a:lnTo>
-                  <a:pt x="1197192" y="2583792"/>
-                </a:lnTo>
-                <a:close/>
-              </a:path>
-            </a:pathLst>
-          </a:custGeom>
-        </p:spPr>
-      </p:pic>
-      <p:pic>
-        <p:nvPicPr>
-          <p:cNvPr id="5" name="Content Placeholder 4" descr="A picture containing indoor&#10;&#10;Description automatically generated">
-            <a:extLst>
-              <a:ext uri="{FF2B5EF4-FFF2-40B4-BE49-F238E27FC236}">
-                <a16:creationId xmlns:a16="http://schemas.microsoft.com/office/drawing/2014/main" id="{A58F0E55-21F3-485B-A07F-1CE74177BDD2}"/>
-              </a:ext>
-            </a:extLst>
-          </p:cNvPr>
-          <p:cNvPicPr>
-            <a:picLocks noChangeAspect="1"/>
-          </p:cNvPicPr>
-          <p:nvPr/>
-        </p:nvPicPr>
-        <p:blipFill rotWithShape="1">
-          <a:blip r:embed="rId4">
-            <a:extLst>
-              <a:ext uri="{28A0092B-C50C-407E-A947-70E740481C1C}">
-                <a14:useLocalDpi xmlns:a14="http://schemas.microsoft.com/office/drawing/2010/main" val="0"/>
-              </a:ext>
-            </a:extLst>
-          </a:blip>
-          <a:srcRect t="5300" r="3" b="6859"/>
-          <a:stretch/>
-        </p:blipFill>
-        <p:spPr>
-          <a:xfrm>
-            <a:off x="8491869" y="4283870"/>
-            <a:ext cx="3700129" cy="2583520"/>
-          </a:xfrm>
-          <a:custGeom>
-            <a:avLst/>
-            <a:gdLst>
-              <a:gd name="connsiteX0" fmla="*/ 0 w 4277884"/>
-              <a:gd name="connsiteY0" fmla="*/ 0 h 2583520"/>
-              <a:gd name="connsiteX1" fmla="*/ 4277884 w 4277884"/>
-              <a:gd name="connsiteY1" fmla="*/ 0 h 2583520"/>
-              <a:gd name="connsiteX2" fmla="*/ 4277884 w 4277884"/>
-              <a:gd name="connsiteY2" fmla="*/ 2583520 h 2583520"/>
-              <a:gd name="connsiteX3" fmla="*/ 1192437 w 4277884"/>
-              <a:gd name="connsiteY3" fmla="*/ 2583520 h 2583520"/>
-              <a:gd name="connsiteX4" fmla="*/ 1188085 w 4277884"/>
-              <a:gd name="connsiteY4" fmla="*/ 2574129 h 2583520"/>
-              <a:gd name="connsiteX5" fmla="*/ 1192715 w 4277884"/>
-              <a:gd name="connsiteY5" fmla="*/ 2574129 h 2583520"/>
-            </a:gdLst>
-            <a:ahLst/>
-            <a:cxnLst>
-              <a:cxn ang="0">
-                <a:pos x="connsiteX0" y="connsiteY0"/>
-              </a:cxn>
-              <a:cxn ang="0">
-                <a:pos x="connsiteX1" y="connsiteY1"/>
-              </a:cxn>
-              <a:cxn ang="0">
-                <a:pos x="connsiteX2" y="connsiteY2"/>
-              </a:cxn>
-              <a:cxn ang="0">
-                <a:pos x="connsiteX3" y="connsiteY3"/>
-              </a:cxn>
-              <a:cxn ang="0">
-                <a:pos x="connsiteX4" y="connsiteY4"/>
-              </a:cxn>
-              <a:cxn ang="0">
-                <a:pos x="connsiteX5" y="connsiteY5"/>
-              </a:cxn>
-            </a:cxnLst>
-            <a:rect l="l" t="t" r="r" b="b"/>
-            <a:pathLst>
-              <a:path w="4277884" h="2583520">
-                <a:moveTo>
-                  <a:pt x="0" y="0"/>
-                </a:moveTo>
-                <a:lnTo>
-                  <a:pt x="4277884" y="0"/>
-                </a:lnTo>
-                <a:lnTo>
-                  <a:pt x="4277884" y="2583520"/>
-                </a:lnTo>
-                <a:lnTo>
-                  <a:pt x="1192437" y="2583520"/>
-                </a:lnTo>
-                <a:lnTo>
-                  <a:pt x="1188085" y="2574129"/>
-                </a:lnTo>
-                <a:lnTo>
-                  <a:pt x="1192715" y="2574129"/>
-                </a:lnTo>
-                <a:close/>
-              </a:path>
-            </a:pathLst>
-          </a:custGeom>
-        </p:spPr>
-      </p:pic>
-      <p:sp>
-        <p:nvSpPr>
-          <p:cNvPr id="6" name="Rectangle 5">
-            <a:extLst>
-              <a:ext uri="{FF2B5EF4-FFF2-40B4-BE49-F238E27FC236}">
-                <a16:creationId xmlns:a16="http://schemas.microsoft.com/office/drawing/2014/main" id="{A2901312-C3C2-4CEC-80EF-823AB4FBB726}"/>
-              </a:ext>
-            </a:extLst>
-          </p:cNvPr>
-          <p:cNvSpPr/>
-          <p:nvPr/>
-        </p:nvSpPr>
-        <p:spPr>
-          <a:xfrm>
-            <a:off x="-1" y="1608918"/>
-            <a:ext cx="12191999" cy="91160"/>
-          </a:xfrm>
-          <a:prstGeom prst="rect">
-            <a:avLst/>
-          </a:prstGeom>
-          <a:solidFill>
-            <a:schemeClr val="bg1"/>
-          </a:solidFill>
-          <a:ln>
-            <a:noFill/>
-          </a:ln>
-        </p:spPr>
-        <p:style>
-          <a:lnRef idx="2">
-            <a:schemeClr val="accent1">
-              <a:shade val="50000"/>
-            </a:schemeClr>
-          </a:lnRef>
-          <a:fillRef idx="1">
-            <a:schemeClr val="accent1"/>
-          </a:fillRef>
-          <a:effectRef idx="0">
-            <a:schemeClr val="accent1"/>
-          </a:effectRef>
-          <a:fontRef idx="minor">
-            <a:schemeClr val="lt1"/>
-          </a:fontRef>
-        </p:style>
-        <p:txBody>
-          <a:bodyPr rtlCol="0" anchor="ctr"/>
-          <a:lstStyle/>
-          <a:p>
-            <a:pPr algn="ctr"/>
-            <a:endParaRPr lang="en-US">
-              <a:solidFill>
-                <a:srgbClr val="DB5B5C"/>
-              </a:solidFill>
-            </a:endParaRPr>
-          </a:p>
-        </p:txBody>
-      </p:sp>
-      <p:sp>
-        <p:nvSpPr>
-          <p:cNvPr id="15" name="Rectangle 14">
-            <a:extLst>
-              <a:ext uri="{FF2B5EF4-FFF2-40B4-BE49-F238E27FC236}">
-                <a16:creationId xmlns:a16="http://schemas.microsoft.com/office/drawing/2014/main" id="{AD0A7C9C-CA2C-4B9B-A125-2D09D5573B44}"/>
-              </a:ext>
-            </a:extLst>
-          </p:cNvPr>
-          <p:cNvSpPr/>
-          <p:nvPr/>
-        </p:nvSpPr>
-        <p:spPr>
-          <a:xfrm>
-            <a:off x="1" y="6677247"/>
-            <a:ext cx="12191999" cy="190143"/>
-          </a:xfrm>
-          <a:prstGeom prst="rect">
-            <a:avLst/>
-          </a:prstGeom>
-          <a:solidFill>
-            <a:schemeClr val="bg1"/>
-          </a:solidFill>
-          <a:ln>
-            <a:noFill/>
-          </a:ln>
-        </p:spPr>
-        <p:style>
-          <a:lnRef idx="2">
-            <a:schemeClr val="accent1">
-              <a:shade val="50000"/>
-            </a:schemeClr>
-          </a:lnRef>
-          <a:fillRef idx="1">
-            <a:schemeClr val="accent1"/>
-          </a:fillRef>
-          <a:effectRef idx="0">
-            <a:schemeClr val="accent1"/>
-          </a:effectRef>
-          <a:fontRef idx="minor">
-            <a:schemeClr val="lt1"/>
-          </a:fontRef>
-        </p:style>
-        <p:txBody>
-          <a:bodyPr rtlCol="0" anchor="ctr"/>
-          <a:lstStyle/>
-          <a:p>
-            <a:pPr algn="ctr"/>
-            <a:endParaRPr lang="en-US">
-              <a:solidFill>
-                <a:srgbClr val="DB5B5C"/>
-              </a:solidFill>
-            </a:endParaRPr>
-          </a:p>
-        </p:txBody>
-      </p:sp>
-      <p:sp>
-        <p:nvSpPr>
-          <p:cNvPr id="16" name="Rectangle 15">
-            <a:extLst>
-              <a:ext uri="{FF2B5EF4-FFF2-40B4-BE49-F238E27FC236}">
-                <a16:creationId xmlns:a16="http://schemas.microsoft.com/office/drawing/2014/main" id="{74A085FC-1866-46D4-97F7-51AA45E48D4F}"/>
-              </a:ext>
-            </a:extLst>
-          </p:cNvPr>
-          <p:cNvSpPr/>
-          <p:nvPr/>
-        </p:nvSpPr>
-        <p:spPr>
-          <a:xfrm rot="4092292">
-            <a:off x="5790668" y="4094517"/>
-            <a:ext cx="5446699" cy="137038"/>
-          </a:xfrm>
-          <a:prstGeom prst="rect">
-            <a:avLst/>
-          </a:prstGeom>
-          <a:solidFill>
-            <a:schemeClr val="bg1"/>
-          </a:solidFill>
-          <a:ln>
-            <a:noFill/>
-          </a:ln>
-        </p:spPr>
-        <p:style>
-          <a:lnRef idx="2">
-            <a:schemeClr val="accent1">
-              <a:shade val="50000"/>
-            </a:schemeClr>
-          </a:lnRef>
-          <a:fillRef idx="1">
-            <a:schemeClr val="accent1"/>
-          </a:fillRef>
-          <a:effectRef idx="0">
-            <a:schemeClr val="accent1"/>
-          </a:effectRef>
-          <a:fontRef idx="minor">
-            <a:schemeClr val="lt1"/>
-          </a:fontRef>
-        </p:style>
-        <p:txBody>
-          <a:bodyPr rtlCol="0" anchor="ctr"/>
-          <a:lstStyle/>
-          <a:p>
-            <a:pPr algn="ctr"/>
-            <a:endParaRPr lang="en-US">
-              <a:solidFill>
-                <a:srgbClr val="DB5B5C"/>
-              </a:solidFill>
-            </a:endParaRPr>
-          </a:p>
-        </p:txBody>
-      </p:sp>
-    </p:spTree>
-    <p:extLst>
-      <p:ext uri="{BB962C8B-B14F-4D97-AF65-F5344CB8AC3E}">
-        <p14:creationId xmlns:p14="http://schemas.microsoft.com/office/powerpoint/2010/main" val="3847524711"/>
-      </p:ext>
-    </p:extLst>
-  </p:cSld>
-  <p:clrMapOvr>
-    <a:overrideClrMapping bg1="dk1" tx1="lt1" bg2="dk2" tx2="lt2" accent1="accent1" accent2="accent2" accent3="accent3" accent4="accent4" accent5="accent5" accent6="accent6" hlink="hlink" folHlink="folHlink"/>
-  </p:clrMapOvr>
-</p:sld>
-</file>
-
-<file path=ppt/slides/slide2.xml><?xml version="1.0" encoding="utf-8"?>
-<p:sld xmlns:a="http://schemas.openxmlformats.org/drawingml/2006/main" xmlns:r="http://schemas.openxmlformats.org/officeDocument/2006/relationships" xmlns:p="http://schemas.openxmlformats.org/presentationml/2006/main">
-  <p:cSld>
-    <p:bg>
-      <p:bgPr>
-        <a:solidFill>
-          <a:srgbClr val="395583"/>
-        </a:solidFill>
-        <a:effectLst/>
-      </p:bgPr>
-    </p:bg>
-    <p:spTree>
-      <p:nvGrpSpPr>
-        <p:cNvPr id="1" name=""/>
-        <p:cNvGrpSpPr/>
-        <p:nvPr/>
-      </p:nvGrpSpPr>
-      <p:grpSpPr>
-        <a:xfrm>
-          <a:off x="0" y="0"/>
-          <a:ext cx="0" cy="0"/>
-          <a:chOff x="0" y="0"/>
-          <a:chExt cx="0" cy="0"/>
-        </a:xfrm>
-      </p:grpSpPr>
-      <p:sp>
-        <p:nvSpPr>
-          <p:cNvPr id="25" name="Rectangle 24">
-            <a:extLst>
-              <a:ext uri="{FF2B5EF4-FFF2-40B4-BE49-F238E27FC236}">
-                <a16:creationId xmlns:a16="http://schemas.microsoft.com/office/drawing/2014/main" id="{A6792F05-2FD4-4F18-815E-15391E8B4A0E}"/>
-              </a:ext>
-              <a:ext uri="{C183D7F6-B498-43B3-948B-1728B52AA6E4}">
-                <adec:decorative xmlns:adec="http://schemas.microsoft.com/office/drawing/2017/decorative" val="1"/>
-              </a:ext>
-            </a:extLst>
-          </p:cNvPr>
-          <p:cNvSpPr>
-            <a:spLocks noGrp="1" noRot="1" noChangeAspect="1" noMove="1" noResize="1" noEditPoints="1" noAdjustHandles="1" noChangeArrowheads="1" noChangeShapeType="1" noTextEdit="1"/>
-          </p:cNvSpPr>
-          <p:nvPr>
-            <p:extLst>
-              <p:ext uri="{386F3935-93C4-4BCD-93E2-E3B085C9AB24}">
-                <p16:designElem xmlns:p16="http://schemas.microsoft.com/office/powerpoint/2015/main" val="1"/>
-              </p:ext>
-            </p:extLst>
-          </p:nvPr>
-        </p:nvSpPr>
-        <p:spPr>
-          <a:xfrm>
-            <a:off x="0" y="0"/>
-            <a:ext cx="12191999" cy="6858000"/>
-          </a:xfrm>
-          <a:prstGeom prst="rect">
-            <a:avLst/>
-          </a:prstGeom>
-          <a:solidFill>
-            <a:srgbClr val="395583"/>
-          </a:solidFill>
-          <a:ln>
-            <a:noFill/>
-          </a:ln>
-        </p:spPr>
-        <p:style>
-          <a:lnRef idx="2">
-            <a:schemeClr val="accent1">
-              <a:shade val="50000"/>
-            </a:schemeClr>
-          </a:lnRef>
-          <a:fillRef idx="1">
-            <a:schemeClr val="accent1"/>
-          </a:fillRef>
-          <a:effectRef idx="0">
-            <a:schemeClr val="accent1"/>
-          </a:effectRef>
-          <a:fontRef idx="minor">
-            <a:schemeClr val="lt1"/>
-          </a:fontRef>
-        </p:style>
-        <p:txBody>
-          <a:bodyPr rtlCol="0" anchor="ctr"/>
-          <a:lstStyle/>
-          <a:p>
-            <a:pPr algn="ctr"/>
-            <a:endParaRPr lang="en-US"/>
-          </a:p>
-        </p:txBody>
-      </p:sp>
-      <p:sp>
-        <p:nvSpPr>
-          <p:cNvPr id="2" name="Title 1">
-            <a:extLst>
-              <a:ext uri="{FF2B5EF4-FFF2-40B4-BE49-F238E27FC236}">
-                <a16:creationId xmlns:a16="http://schemas.microsoft.com/office/drawing/2014/main" id="{2589AFCC-0FF0-498C-B11F-8990DF0DAAA5}"/>
-              </a:ext>
-            </a:extLst>
-          </p:cNvPr>
-          <p:cNvSpPr>
-            <a:spLocks noGrp="1"/>
-          </p:cNvSpPr>
-          <p:nvPr>
-            <p:ph type="title"/>
-          </p:nvPr>
-        </p:nvSpPr>
-        <p:spPr>
-          <a:xfrm>
-            <a:off x="838200" y="365125"/>
-            <a:ext cx="10515600" cy="1325563"/>
-          </a:xfrm>
-        </p:spPr>
-        <p:txBody>
-          <a:bodyPr>
-            <a:normAutofit/>
-          </a:bodyPr>
-          <a:lstStyle/>
-          <a:p>
-            <a:r>
-              <a:rPr lang="en-US" b="1" dirty="0">
-                <a:latin typeface="Selawik Semibold" panose="020B0604020202020204" pitchFamily="34" charset="0"/>
-              </a:rPr>
-              <a:t>Survey Results: Demographics</a:t>
-            </a:r>
-          </a:p>
-        </p:txBody>
-      </p:sp>
-      <p:sp>
-        <p:nvSpPr>
-          <p:cNvPr id="9" name="Content Placeholder 8">
-            <a:extLst>
-              <a:ext uri="{FF2B5EF4-FFF2-40B4-BE49-F238E27FC236}">
-                <a16:creationId xmlns:a16="http://schemas.microsoft.com/office/drawing/2014/main" id="{2D995594-59F2-4020-AB6F-751BAE84ADB3}"/>
-              </a:ext>
-            </a:extLst>
-          </p:cNvPr>
-          <p:cNvSpPr>
-            <a:spLocks noGrp="1"/>
-          </p:cNvSpPr>
-          <p:nvPr>
-            <p:ph idx="1"/>
-          </p:nvPr>
-        </p:nvSpPr>
-        <p:spPr>
-          <a:xfrm>
-            <a:off x="838200" y="2021249"/>
-            <a:ext cx="6369424" cy="4574533"/>
-          </a:xfrm>
-        </p:spPr>
-        <p:txBody>
-          <a:bodyPr>
-            <a:normAutofit/>
-          </a:bodyPr>
-          <a:lstStyle/>
-          <a:p>
-            <a:r>
-              <a:rPr lang="en-US" sz="2400" dirty="0">
-                <a:latin typeface="Selawik Semibold" panose="020B0702040204020203" pitchFamily="34" charset="0"/>
-              </a:rPr>
-              <a:t>30 Responses</a:t>
-            </a:r>
-          </a:p>
-          <a:p>
-            <a:pPr marL="0" indent="0">
-              <a:buNone/>
-            </a:pPr>
-            <a:endParaRPr lang="en-US" sz="2400" dirty="0">
-              <a:latin typeface="Selawik Semibold" panose="020B0702040204020203" pitchFamily="34" charset="0"/>
-            </a:endParaRPr>
-          </a:p>
-          <a:p>
-            <a:r>
-              <a:rPr lang="en-US" sz="2400" dirty="0">
-                <a:latin typeface="Selawik Semibold" panose="020B0702040204020203" pitchFamily="34" charset="0"/>
-              </a:rPr>
-              <a:t>Majority From the United States (29/30)</a:t>
-            </a:r>
-          </a:p>
-          <a:p>
-            <a:pPr marL="0" indent="0">
-              <a:buNone/>
-            </a:pPr>
-            <a:endParaRPr lang="en-US" sz="2400" dirty="0">
-              <a:latin typeface="Selawik Semibold" panose="020B0702040204020203" pitchFamily="34" charset="0"/>
-            </a:endParaRPr>
-          </a:p>
-          <a:p>
-            <a:r>
-              <a:rPr lang="en-US" sz="2400" dirty="0">
-                <a:latin typeface="Selawik Semibold" panose="020B0702040204020203" pitchFamily="34" charset="0"/>
-              </a:rPr>
-              <a:t>Majority From North Carolina (19/29)</a:t>
-            </a:r>
-          </a:p>
-          <a:p>
-            <a:pPr marL="0" indent="0">
-              <a:buNone/>
-            </a:pPr>
-            <a:endParaRPr lang="en-US" sz="2400" dirty="0">
-              <a:latin typeface="Selawik Semibold" panose="020B0702040204020203" pitchFamily="34" charset="0"/>
-            </a:endParaRPr>
-          </a:p>
-          <a:p>
-            <a:r>
-              <a:rPr lang="en-US" sz="2400" dirty="0">
-                <a:latin typeface="Selawik Semibold" panose="020B0702040204020203" pitchFamily="34" charset="0"/>
-              </a:rPr>
-              <a:t>Race Distribution</a:t>
-            </a:r>
-          </a:p>
-          <a:p>
-            <a:pPr lvl="1"/>
-            <a:r>
-              <a:rPr lang="en-US" sz="2000" dirty="0">
-                <a:latin typeface="Selawik Semibold" panose="020B0702040204020203" pitchFamily="34" charset="0"/>
-              </a:rPr>
-              <a:t>White (23/30)</a:t>
-            </a:r>
-          </a:p>
-          <a:p>
-            <a:pPr lvl="1"/>
-            <a:r>
-              <a:rPr lang="en-US" sz="2000" dirty="0">
-                <a:latin typeface="Selawik Semibold" panose="020B0702040204020203" pitchFamily="34" charset="0"/>
-              </a:rPr>
-              <a:t>Asian (4/30)</a:t>
-            </a:r>
-          </a:p>
-          <a:p>
-            <a:pPr lvl="1"/>
-            <a:r>
-              <a:rPr lang="en-US" sz="2000" dirty="0">
-                <a:latin typeface="Selawik Semibold" panose="020B0702040204020203" pitchFamily="34" charset="0"/>
-              </a:rPr>
-              <a:t>Black/African American (1/30)</a:t>
-            </a:r>
-          </a:p>
-          <a:p>
-            <a:pPr lvl="1"/>
-            <a:r>
-              <a:rPr lang="en-US" sz="2000" dirty="0">
-                <a:latin typeface="Selawik Semibold" panose="020B0702040204020203" pitchFamily="34" charset="0"/>
-              </a:rPr>
-              <a:t>Hispanic/Latino (1/30)</a:t>
-            </a:r>
-          </a:p>
-          <a:p>
-            <a:endParaRPr lang="en-US" sz="2400" dirty="0">
-              <a:latin typeface="Selawik Semibold" panose="020B0702040204020203" pitchFamily="34" charset="0"/>
-            </a:endParaRPr>
-          </a:p>
-        </p:txBody>
-      </p:sp>
-      <p:pic>
-        <p:nvPicPr>
-          <p:cNvPr id="4" name="Picture 3" descr="A drawing of a cartoon character&#10;&#10;Description automatically generated">
-            <a:extLst>
-              <a:ext uri="{FF2B5EF4-FFF2-40B4-BE49-F238E27FC236}">
-                <a16:creationId xmlns:a16="http://schemas.microsoft.com/office/drawing/2014/main" id="{A7FDC859-D890-4904-9C64-27F43DA90453}"/>
-              </a:ext>
-            </a:extLst>
-          </p:cNvPr>
-          <p:cNvPicPr>
-            <a:picLocks noChangeAspect="1"/>
-          </p:cNvPicPr>
-          <p:nvPr/>
-        </p:nvPicPr>
-        <p:blipFill rotWithShape="1">
-          <a:blip r:embed="rId2">
-            <a:extLst>
-              <a:ext uri="{28A0092B-C50C-407E-A947-70E740481C1C}">
-                <a14:useLocalDpi xmlns:a14="http://schemas.microsoft.com/office/drawing/2010/main" val="0"/>
-              </a:ext>
-            </a:extLst>
-          </a:blip>
-          <a:srcRect t="5616" r="2" b="2"/>
-          <a:stretch/>
-        </p:blipFill>
-        <p:spPr>
-          <a:xfrm>
-            <a:off x="7471144" y="1700078"/>
-            <a:ext cx="4720855" cy="2583792"/>
-          </a:xfrm>
-          <a:custGeom>
-            <a:avLst/>
-            <a:gdLst>
-              <a:gd name="connsiteX0" fmla="*/ 0 w 5475077"/>
-              <a:gd name="connsiteY0" fmla="*/ 0 h 2583792"/>
-              <a:gd name="connsiteX1" fmla="*/ 5475077 w 5475077"/>
-              <a:gd name="connsiteY1" fmla="*/ 0 h 2583792"/>
-              <a:gd name="connsiteX2" fmla="*/ 5475077 w 5475077"/>
-              <a:gd name="connsiteY2" fmla="*/ 2583792 h 2583792"/>
-              <a:gd name="connsiteX3" fmla="*/ 1197192 w 5475077"/>
-              <a:gd name="connsiteY3" fmla="*/ 2583792 h 2583792"/>
-            </a:gdLst>
-            <a:ahLst/>
-            <a:cxnLst>
-              <a:cxn ang="0">
-                <a:pos x="connsiteX0" y="connsiteY0"/>
-              </a:cxn>
-              <a:cxn ang="0">
-                <a:pos x="connsiteX1" y="connsiteY1"/>
-              </a:cxn>
-              <a:cxn ang="0">
-                <a:pos x="connsiteX2" y="connsiteY2"/>
-              </a:cxn>
-              <a:cxn ang="0">
-                <a:pos x="connsiteX3" y="connsiteY3"/>
-              </a:cxn>
-            </a:cxnLst>
-            <a:rect l="l" t="t" r="r" b="b"/>
-            <a:pathLst>
-              <a:path w="5475077" h="2583792">
-                <a:moveTo>
-                  <a:pt x="0" y="0"/>
-                </a:moveTo>
-                <a:lnTo>
-                  <a:pt x="5475077" y="0"/>
-                </a:lnTo>
-                <a:lnTo>
-                  <a:pt x="5475077" y="2583792"/>
-                </a:lnTo>
-                <a:lnTo>
-                  <a:pt x="1197192" y="2583792"/>
-                </a:lnTo>
-                <a:close/>
-              </a:path>
-            </a:pathLst>
-          </a:custGeom>
-        </p:spPr>
-      </p:pic>
-      <p:pic>
-        <p:nvPicPr>
-          <p:cNvPr id="5" name="Content Placeholder 4" descr="A picture containing indoor&#10;&#10;Description automatically generated">
-            <a:extLst>
-              <a:ext uri="{FF2B5EF4-FFF2-40B4-BE49-F238E27FC236}">
-                <a16:creationId xmlns:a16="http://schemas.microsoft.com/office/drawing/2014/main" id="{A58F0E55-21F3-485B-A07F-1CE74177BDD2}"/>
-              </a:ext>
-            </a:extLst>
-          </p:cNvPr>
-          <p:cNvPicPr>
-            <a:picLocks noChangeAspect="1"/>
-          </p:cNvPicPr>
-          <p:nvPr/>
-        </p:nvPicPr>
-        <p:blipFill rotWithShape="1">
-          <a:blip r:embed="rId3">
-            <a:extLst>
-              <a:ext uri="{28A0092B-C50C-407E-A947-70E740481C1C}">
-                <a14:useLocalDpi xmlns:a14="http://schemas.microsoft.com/office/drawing/2010/main" val="0"/>
-              </a:ext>
-            </a:extLst>
-          </a:blip>
-          <a:srcRect t="5300" r="3" b="6859"/>
-          <a:stretch/>
-        </p:blipFill>
-        <p:spPr>
-          <a:xfrm>
-            <a:off x="8491869" y="4283870"/>
-            <a:ext cx="3700129" cy="2583520"/>
-          </a:xfrm>
-          <a:custGeom>
-            <a:avLst/>
-            <a:gdLst>
-              <a:gd name="connsiteX0" fmla="*/ 0 w 4277884"/>
-              <a:gd name="connsiteY0" fmla="*/ 0 h 2583520"/>
-              <a:gd name="connsiteX1" fmla="*/ 4277884 w 4277884"/>
-              <a:gd name="connsiteY1" fmla="*/ 0 h 2583520"/>
-              <a:gd name="connsiteX2" fmla="*/ 4277884 w 4277884"/>
-              <a:gd name="connsiteY2" fmla="*/ 2583520 h 2583520"/>
-              <a:gd name="connsiteX3" fmla="*/ 1192437 w 4277884"/>
-              <a:gd name="connsiteY3" fmla="*/ 2583520 h 2583520"/>
-              <a:gd name="connsiteX4" fmla="*/ 1188085 w 4277884"/>
-              <a:gd name="connsiteY4" fmla="*/ 2574129 h 2583520"/>
-              <a:gd name="connsiteX5" fmla="*/ 1192715 w 4277884"/>
-              <a:gd name="connsiteY5" fmla="*/ 2574129 h 2583520"/>
-            </a:gdLst>
-            <a:ahLst/>
-            <a:cxnLst>
-              <a:cxn ang="0">
-                <a:pos x="connsiteX0" y="connsiteY0"/>
-              </a:cxn>
-              <a:cxn ang="0">
-                <a:pos x="connsiteX1" y="connsiteY1"/>
-              </a:cxn>
-              <a:cxn ang="0">
-                <a:pos x="connsiteX2" y="connsiteY2"/>
-              </a:cxn>
-              <a:cxn ang="0">
-                <a:pos x="connsiteX3" y="connsiteY3"/>
-              </a:cxn>
-              <a:cxn ang="0">
-                <a:pos x="connsiteX4" y="connsiteY4"/>
-              </a:cxn>
-              <a:cxn ang="0">
-                <a:pos x="connsiteX5" y="connsiteY5"/>
-              </a:cxn>
-            </a:cxnLst>
-            <a:rect l="l" t="t" r="r" b="b"/>
-            <a:pathLst>
-              <a:path w="4277884" h="2583520">
-                <a:moveTo>
-                  <a:pt x="0" y="0"/>
-                </a:moveTo>
-                <a:lnTo>
-                  <a:pt x="4277884" y="0"/>
-                </a:lnTo>
-                <a:lnTo>
-                  <a:pt x="4277884" y="2583520"/>
-                </a:lnTo>
-                <a:lnTo>
-                  <a:pt x="1192437" y="2583520"/>
-                </a:lnTo>
-                <a:lnTo>
-                  <a:pt x="1188085" y="2574129"/>
-                </a:lnTo>
-                <a:lnTo>
-                  <a:pt x="1192715" y="2574129"/>
-                </a:lnTo>
-                <a:close/>
-              </a:path>
-            </a:pathLst>
-          </a:custGeom>
-        </p:spPr>
-      </p:pic>
-      <p:sp>
-        <p:nvSpPr>
-          <p:cNvPr id="6" name="Rectangle 5">
-            <a:extLst>
-              <a:ext uri="{FF2B5EF4-FFF2-40B4-BE49-F238E27FC236}">
-                <a16:creationId xmlns:a16="http://schemas.microsoft.com/office/drawing/2014/main" id="{A2901312-C3C2-4CEC-80EF-823AB4FBB726}"/>
-              </a:ext>
-            </a:extLst>
-          </p:cNvPr>
-          <p:cNvSpPr/>
-          <p:nvPr/>
-        </p:nvSpPr>
-        <p:spPr>
-          <a:xfrm>
-            <a:off x="-1" y="1608918"/>
-            <a:ext cx="12191999" cy="91160"/>
-          </a:xfrm>
-          <a:prstGeom prst="rect">
-            <a:avLst/>
-          </a:prstGeom>
-          <a:solidFill>
-            <a:schemeClr val="bg1"/>
-          </a:solidFill>
-          <a:ln>
-            <a:noFill/>
-          </a:ln>
-        </p:spPr>
-        <p:style>
-          <a:lnRef idx="2">
-            <a:schemeClr val="accent1">
-              <a:shade val="50000"/>
-            </a:schemeClr>
-          </a:lnRef>
-          <a:fillRef idx="1">
-            <a:schemeClr val="accent1"/>
-          </a:fillRef>
-          <a:effectRef idx="0">
-            <a:schemeClr val="accent1"/>
-          </a:effectRef>
-          <a:fontRef idx="minor">
-            <a:schemeClr val="lt1"/>
-          </a:fontRef>
-        </p:style>
-        <p:txBody>
-          <a:bodyPr rtlCol="0" anchor="ctr"/>
-          <a:lstStyle/>
-          <a:p>
-            <a:pPr algn="ctr"/>
-            <a:endParaRPr lang="en-US">
-              <a:solidFill>
-                <a:srgbClr val="DB5B5C"/>
-              </a:solidFill>
-            </a:endParaRPr>
-          </a:p>
-        </p:txBody>
-      </p:sp>
-      <p:sp>
-        <p:nvSpPr>
-          <p:cNvPr id="15" name="Rectangle 14">
-            <a:extLst>
-              <a:ext uri="{FF2B5EF4-FFF2-40B4-BE49-F238E27FC236}">
-                <a16:creationId xmlns:a16="http://schemas.microsoft.com/office/drawing/2014/main" id="{AD0A7C9C-CA2C-4B9B-A125-2D09D5573B44}"/>
-              </a:ext>
-            </a:extLst>
-          </p:cNvPr>
-          <p:cNvSpPr/>
-          <p:nvPr/>
-        </p:nvSpPr>
-        <p:spPr>
-          <a:xfrm>
-            <a:off x="1" y="6677247"/>
-            <a:ext cx="12191999" cy="190143"/>
-          </a:xfrm>
-          <a:prstGeom prst="rect">
-            <a:avLst/>
-          </a:prstGeom>
-          <a:solidFill>
-            <a:schemeClr val="bg1"/>
-          </a:solidFill>
-          <a:ln>
-            <a:noFill/>
-          </a:ln>
-        </p:spPr>
-        <p:style>
-          <a:lnRef idx="2">
-            <a:schemeClr val="accent1">
-              <a:shade val="50000"/>
-            </a:schemeClr>
-          </a:lnRef>
-          <a:fillRef idx="1">
-            <a:schemeClr val="accent1"/>
-          </a:fillRef>
-          <a:effectRef idx="0">
-            <a:schemeClr val="accent1"/>
-          </a:effectRef>
-          <a:fontRef idx="minor">
-            <a:schemeClr val="lt1"/>
-          </a:fontRef>
-        </p:style>
-        <p:txBody>
-          <a:bodyPr rtlCol="0" anchor="ctr"/>
-          <a:lstStyle/>
-          <a:p>
-            <a:pPr algn="ctr"/>
-            <a:endParaRPr lang="en-US">
-              <a:solidFill>
-                <a:srgbClr val="DB5B5C"/>
-              </a:solidFill>
-            </a:endParaRPr>
-          </a:p>
-        </p:txBody>
-      </p:sp>
-      <p:sp>
-        <p:nvSpPr>
-          <p:cNvPr id="16" name="Rectangle 15">
-            <a:extLst>
-              <a:ext uri="{FF2B5EF4-FFF2-40B4-BE49-F238E27FC236}">
-                <a16:creationId xmlns:a16="http://schemas.microsoft.com/office/drawing/2014/main" id="{74A085FC-1866-46D4-97F7-51AA45E48D4F}"/>
-              </a:ext>
-            </a:extLst>
-          </p:cNvPr>
-          <p:cNvSpPr/>
-          <p:nvPr/>
-        </p:nvSpPr>
-        <p:spPr>
-          <a:xfrm rot="4092292">
-            <a:off x="5790668" y="4094517"/>
-            <a:ext cx="5446699" cy="137038"/>
-          </a:xfrm>
-          <a:prstGeom prst="rect">
-            <a:avLst/>
-          </a:prstGeom>
-          <a:solidFill>
-            <a:schemeClr val="bg1"/>
-          </a:solidFill>
-          <a:ln>
-            <a:noFill/>
-          </a:ln>
-        </p:spPr>
-        <p:style>
-          <a:lnRef idx="2">
-            <a:schemeClr val="accent1">
-              <a:shade val="50000"/>
-            </a:schemeClr>
-          </a:lnRef>
-          <a:fillRef idx="1">
-            <a:schemeClr val="accent1"/>
-          </a:fillRef>
-          <a:effectRef idx="0">
-            <a:schemeClr val="accent1"/>
-          </a:effectRef>
-          <a:fontRef idx="minor">
-            <a:schemeClr val="lt1"/>
-          </a:fontRef>
-        </p:style>
-        <p:txBody>
-          <a:bodyPr rtlCol="0" anchor="ctr"/>
-          <a:lstStyle/>
-          <a:p>
-            <a:pPr algn="ctr"/>
-            <a:endParaRPr lang="en-US">
-              <a:solidFill>
-                <a:srgbClr val="DB5B5C"/>
-              </a:solidFill>
-            </a:endParaRPr>
-          </a:p>
-        </p:txBody>
-      </p:sp>
-    </p:spTree>
-    <p:extLst>
-      <p:ext uri="{BB962C8B-B14F-4D97-AF65-F5344CB8AC3E}">
-        <p14:creationId xmlns:p14="http://schemas.microsoft.com/office/powerpoint/2010/main" val="1116115169"/>
-      </p:ext>
-    </p:extLst>
-  </p:cSld>
-  <p:clrMapOvr>
-    <a:overrideClrMapping bg1="dk1" tx1="lt1" bg2="dk2" tx2="lt2" accent1="accent1" accent2="accent2" accent3="accent3" accent4="accent4" accent5="accent5" accent6="accent6" hlink="hlink" folHlink="folHlink"/>
-  </p:clrMapOvr>
-</p:sld>
-</file>
-
-<file path=ppt/slides/slide20.xml><?xml version="1.0" encoding="utf-8"?>
-<p:sld xmlns:a="http://schemas.openxmlformats.org/drawingml/2006/main" xmlns:r="http://schemas.openxmlformats.org/officeDocument/2006/relationships" xmlns:p="http://schemas.openxmlformats.org/presentationml/2006/main">
-  <p:cSld>
-    <p:bg>
-      <p:bgPr>
-        <a:solidFill>
-          <a:srgbClr val="395583"/>
-        </a:solidFill>
-        <a:effectLst/>
-      </p:bgPr>
-    </p:bg>
-    <p:spTree>
-      <p:nvGrpSpPr>
-        <p:cNvPr id="1" name=""/>
-        <p:cNvGrpSpPr/>
-        <p:nvPr/>
-      </p:nvGrpSpPr>
-      <p:grpSpPr>
-        <a:xfrm>
-          <a:off x="0" y="0"/>
-          <a:ext cx="0" cy="0"/>
-          <a:chOff x="0" y="0"/>
-          <a:chExt cx="0" cy="0"/>
-        </a:xfrm>
-      </p:grpSpPr>
-      <p:sp>
-        <p:nvSpPr>
-          <p:cNvPr id="25" name="Rectangle 24">
-            <a:extLst>
-              <a:ext uri="{FF2B5EF4-FFF2-40B4-BE49-F238E27FC236}">
-                <a16:creationId xmlns:a16="http://schemas.microsoft.com/office/drawing/2014/main" id="{A6792F05-2FD4-4F18-815E-15391E8B4A0E}"/>
-              </a:ext>
-              <a:ext uri="{C183D7F6-B498-43B3-948B-1728B52AA6E4}">
-                <adec:decorative xmlns:adec="http://schemas.microsoft.com/office/drawing/2017/decorative" val="1"/>
-              </a:ext>
-            </a:extLst>
-          </p:cNvPr>
-          <p:cNvSpPr>
-            <a:spLocks noGrp="1" noRot="1" noChangeAspect="1" noMove="1" noResize="1" noEditPoints="1" noAdjustHandles="1" noChangeArrowheads="1" noChangeShapeType="1" noTextEdit="1"/>
-          </p:cNvSpPr>
-          <p:nvPr>
-            <p:extLst>
-              <p:ext uri="{386F3935-93C4-4BCD-93E2-E3B085C9AB24}">
-                <p16:designElem xmlns:p16="http://schemas.microsoft.com/office/powerpoint/2015/main" val="1"/>
-              </p:ext>
-            </p:extLst>
-          </p:nvPr>
-        </p:nvSpPr>
-        <p:spPr>
-          <a:xfrm>
-            <a:off x="0" y="0"/>
-            <a:ext cx="12191999" cy="6858000"/>
-          </a:xfrm>
-          <a:prstGeom prst="rect">
-            <a:avLst/>
-          </a:prstGeom>
-          <a:solidFill>
-            <a:srgbClr val="395583"/>
-          </a:solidFill>
-          <a:ln>
-            <a:noFill/>
-          </a:ln>
-        </p:spPr>
-        <p:style>
-          <a:lnRef idx="2">
-            <a:schemeClr val="accent1">
-              <a:shade val="50000"/>
-            </a:schemeClr>
-          </a:lnRef>
-          <a:fillRef idx="1">
-            <a:schemeClr val="accent1"/>
-          </a:fillRef>
-          <a:effectRef idx="0">
-            <a:schemeClr val="accent1"/>
-          </a:effectRef>
-          <a:fontRef idx="minor">
-            <a:schemeClr val="lt1"/>
-          </a:fontRef>
-        </p:style>
-        <p:txBody>
-          <a:bodyPr rtlCol="0" anchor="ctr"/>
-          <a:lstStyle/>
-          <a:p>
-            <a:pPr algn="ctr"/>
-            <a:endParaRPr lang="en-US"/>
-          </a:p>
-        </p:txBody>
-      </p:sp>
-      <p:sp>
-        <p:nvSpPr>
-          <p:cNvPr id="2" name="Title 1">
-            <a:extLst>
-              <a:ext uri="{FF2B5EF4-FFF2-40B4-BE49-F238E27FC236}">
-                <a16:creationId xmlns:a16="http://schemas.microsoft.com/office/drawing/2014/main" id="{2589AFCC-0FF0-498C-B11F-8990DF0DAAA5}"/>
-              </a:ext>
-            </a:extLst>
-          </p:cNvPr>
-          <p:cNvSpPr>
-            <a:spLocks noGrp="1"/>
-          </p:cNvSpPr>
-          <p:nvPr>
-            <p:ph type="title"/>
-          </p:nvPr>
-        </p:nvSpPr>
-        <p:spPr>
-          <a:xfrm>
-            <a:off x="838200" y="365125"/>
-            <a:ext cx="10515600" cy="1325563"/>
-          </a:xfrm>
-        </p:spPr>
-        <p:txBody>
-          <a:bodyPr>
-            <a:normAutofit/>
-          </a:bodyPr>
-          <a:lstStyle/>
-          <a:p>
-            <a:r>
-              <a:rPr lang="en-US" b="1" dirty="0">
-                <a:latin typeface="Selawik Semibold" panose="020B0604020202020204" pitchFamily="34" charset="0"/>
-              </a:rPr>
-              <a:t>Analytics In the Organization</a:t>
-            </a:r>
-          </a:p>
-        </p:txBody>
-      </p:sp>
-      <p:sp>
-        <p:nvSpPr>
-          <p:cNvPr id="9" name="Content Placeholder 8">
-            <a:extLst>
-              <a:ext uri="{FF2B5EF4-FFF2-40B4-BE49-F238E27FC236}">
-                <a16:creationId xmlns:a16="http://schemas.microsoft.com/office/drawing/2014/main" id="{2D995594-59F2-4020-AB6F-751BAE84ADB3}"/>
-              </a:ext>
-            </a:extLst>
-          </p:cNvPr>
-          <p:cNvSpPr>
-            <a:spLocks noGrp="1"/>
-          </p:cNvSpPr>
-          <p:nvPr>
-            <p:ph idx="1"/>
-          </p:nvPr>
-        </p:nvSpPr>
-        <p:spPr>
-          <a:xfrm>
-            <a:off x="838200" y="2021249"/>
-            <a:ext cx="6994712" cy="4155713"/>
-          </a:xfrm>
-        </p:spPr>
-        <p:txBody>
-          <a:bodyPr>
-            <a:normAutofit/>
-          </a:bodyPr>
-          <a:lstStyle/>
-          <a:p>
-            <a:r>
-              <a:rPr lang="en-US" sz="2400" dirty="0">
-                <a:latin typeface="Selawik Semibold" panose="020B0702040204020203" pitchFamily="34" charset="0"/>
-              </a:rPr>
-              <a:t>On-the-Field</a:t>
-            </a:r>
-          </a:p>
-          <a:p>
-            <a:pPr lvl="1"/>
-            <a:r>
-              <a:rPr lang="en-US" sz="2000" dirty="0">
-                <a:latin typeface="Selawik Semibold" panose="020B0702040204020203" pitchFamily="34" charset="0"/>
-              </a:rPr>
-              <a:t>Coaching</a:t>
-            </a:r>
-          </a:p>
-          <a:p>
-            <a:pPr lvl="1"/>
-            <a:r>
-              <a:rPr lang="en-US" sz="2000" dirty="0">
-                <a:latin typeface="Selawik Semibold" panose="020B0702040204020203" pitchFamily="34" charset="0"/>
-              </a:rPr>
-              <a:t>Player Development</a:t>
-            </a:r>
-          </a:p>
-          <a:p>
-            <a:pPr lvl="1"/>
-            <a:r>
-              <a:rPr lang="en-US" sz="2000" dirty="0">
-                <a:latin typeface="Selawik Semibold" panose="020B0702040204020203" pitchFamily="34" charset="0"/>
-              </a:rPr>
-              <a:t>Player Evaluation</a:t>
-            </a:r>
-          </a:p>
-          <a:p>
-            <a:pPr lvl="1"/>
-            <a:endParaRPr lang="en-US" sz="2000" dirty="0">
-              <a:latin typeface="Selawik Semibold" panose="020B0702040204020203" pitchFamily="34" charset="0"/>
-            </a:endParaRPr>
-          </a:p>
-          <a:p>
-            <a:r>
-              <a:rPr lang="en-US" sz="2400" dirty="0">
-                <a:latin typeface="Selawik Semibold" panose="020B0702040204020203" pitchFamily="34" charset="0"/>
-              </a:rPr>
-              <a:t>Off-the-Field</a:t>
-            </a:r>
-          </a:p>
-          <a:p>
-            <a:pPr lvl="1"/>
-            <a:r>
-              <a:rPr lang="en-US" sz="2000" dirty="0">
-                <a:latin typeface="Selawik Semibold" panose="020B0702040204020203" pitchFamily="34" charset="0"/>
-              </a:rPr>
-              <a:t>Sales</a:t>
-            </a:r>
-          </a:p>
-          <a:p>
-            <a:pPr lvl="1"/>
-            <a:r>
-              <a:rPr lang="en-US" sz="2000" dirty="0">
-                <a:latin typeface="Selawik Semibold" panose="020B0702040204020203" pitchFamily="34" charset="0"/>
-              </a:rPr>
-              <a:t>Marketing</a:t>
-            </a:r>
-          </a:p>
-          <a:p>
-            <a:pPr lvl="1"/>
-            <a:r>
-              <a:rPr lang="en-US" sz="2000" dirty="0">
-                <a:latin typeface="Selawik Semibold" panose="020B0702040204020203" pitchFamily="34" charset="0"/>
-              </a:rPr>
-              <a:t>Cap Management</a:t>
-            </a:r>
-          </a:p>
-          <a:p>
-            <a:pPr lvl="1"/>
-            <a:r>
-              <a:rPr lang="en-US" sz="2000" dirty="0">
-                <a:latin typeface="Selawik Semibold" panose="020B0702040204020203" pitchFamily="34" charset="0"/>
-              </a:rPr>
-              <a:t>Hiring</a:t>
-            </a:r>
-          </a:p>
-          <a:p>
-            <a:pPr lvl="1"/>
-            <a:r>
-              <a:rPr lang="en-US" sz="2000" dirty="0">
-                <a:latin typeface="Selawik Semibold" panose="020B0702040204020203" pitchFamily="34" charset="0"/>
-              </a:rPr>
-              <a:t>Public Relations and Social Media</a:t>
-            </a:r>
-          </a:p>
-        </p:txBody>
-      </p:sp>
-      <p:pic>
-        <p:nvPicPr>
-          <p:cNvPr id="4" name="Picture 3" descr="A drawing of a cartoon character&#10;&#10;Description automatically generated">
-            <a:extLst>
-              <a:ext uri="{FF2B5EF4-FFF2-40B4-BE49-F238E27FC236}">
-                <a16:creationId xmlns:a16="http://schemas.microsoft.com/office/drawing/2014/main" id="{A7FDC859-D890-4904-9C64-27F43DA90453}"/>
-              </a:ext>
-            </a:extLst>
-          </p:cNvPr>
-          <p:cNvPicPr>
-            <a:picLocks noChangeAspect="1"/>
-          </p:cNvPicPr>
-          <p:nvPr/>
-        </p:nvPicPr>
-        <p:blipFill rotWithShape="1">
-          <a:blip r:embed="rId2">
-            <a:extLst>
-              <a:ext uri="{28A0092B-C50C-407E-A947-70E740481C1C}">
-                <a14:useLocalDpi xmlns:a14="http://schemas.microsoft.com/office/drawing/2010/main" val="0"/>
-              </a:ext>
-            </a:extLst>
-          </a:blip>
-          <a:srcRect t="5616" r="2" b="2"/>
-          <a:stretch/>
-        </p:blipFill>
-        <p:spPr>
-          <a:xfrm>
-            <a:off x="7471144" y="1700078"/>
-            <a:ext cx="4720855" cy="2583792"/>
-          </a:xfrm>
-          <a:custGeom>
-            <a:avLst/>
-            <a:gdLst>
-              <a:gd name="connsiteX0" fmla="*/ 0 w 5475077"/>
-              <a:gd name="connsiteY0" fmla="*/ 0 h 2583792"/>
-              <a:gd name="connsiteX1" fmla="*/ 5475077 w 5475077"/>
-              <a:gd name="connsiteY1" fmla="*/ 0 h 2583792"/>
-              <a:gd name="connsiteX2" fmla="*/ 5475077 w 5475077"/>
-              <a:gd name="connsiteY2" fmla="*/ 2583792 h 2583792"/>
-              <a:gd name="connsiteX3" fmla="*/ 1197192 w 5475077"/>
-              <a:gd name="connsiteY3" fmla="*/ 2583792 h 2583792"/>
-            </a:gdLst>
-            <a:ahLst/>
-            <a:cxnLst>
-              <a:cxn ang="0">
-                <a:pos x="connsiteX0" y="connsiteY0"/>
-              </a:cxn>
-              <a:cxn ang="0">
-                <a:pos x="connsiteX1" y="connsiteY1"/>
-              </a:cxn>
-              <a:cxn ang="0">
-                <a:pos x="connsiteX2" y="connsiteY2"/>
-              </a:cxn>
-              <a:cxn ang="0">
-                <a:pos x="connsiteX3" y="connsiteY3"/>
-              </a:cxn>
-            </a:cxnLst>
-            <a:rect l="l" t="t" r="r" b="b"/>
-            <a:pathLst>
-              <a:path w="5475077" h="2583792">
-                <a:moveTo>
-                  <a:pt x="0" y="0"/>
-                </a:moveTo>
-                <a:lnTo>
-                  <a:pt x="5475077" y="0"/>
-                </a:lnTo>
-                <a:lnTo>
-                  <a:pt x="5475077" y="2583792"/>
-                </a:lnTo>
-                <a:lnTo>
-                  <a:pt x="1197192" y="2583792"/>
-                </a:lnTo>
-                <a:close/>
-              </a:path>
-            </a:pathLst>
-          </a:custGeom>
-        </p:spPr>
-      </p:pic>
-      <p:pic>
-        <p:nvPicPr>
-          <p:cNvPr id="5" name="Content Placeholder 4" descr="A picture containing indoor&#10;&#10;Description automatically generated">
-            <a:extLst>
-              <a:ext uri="{FF2B5EF4-FFF2-40B4-BE49-F238E27FC236}">
-                <a16:creationId xmlns:a16="http://schemas.microsoft.com/office/drawing/2014/main" id="{A58F0E55-21F3-485B-A07F-1CE74177BDD2}"/>
-              </a:ext>
-            </a:extLst>
-          </p:cNvPr>
-          <p:cNvPicPr>
-            <a:picLocks noChangeAspect="1"/>
-          </p:cNvPicPr>
-          <p:nvPr/>
-        </p:nvPicPr>
-        <p:blipFill rotWithShape="1">
-          <a:blip r:embed="rId3">
-            <a:extLst>
-              <a:ext uri="{28A0092B-C50C-407E-A947-70E740481C1C}">
-                <a14:useLocalDpi xmlns:a14="http://schemas.microsoft.com/office/drawing/2010/main" val="0"/>
-              </a:ext>
-            </a:extLst>
-          </a:blip>
-          <a:srcRect t="5300" r="3" b="6859"/>
-          <a:stretch/>
-        </p:blipFill>
-        <p:spPr>
-          <a:xfrm>
-            <a:off x="8491869" y="4283870"/>
-            <a:ext cx="3700129" cy="2583520"/>
-          </a:xfrm>
-          <a:custGeom>
-            <a:avLst/>
-            <a:gdLst>
-              <a:gd name="connsiteX0" fmla="*/ 0 w 4277884"/>
-              <a:gd name="connsiteY0" fmla="*/ 0 h 2583520"/>
-              <a:gd name="connsiteX1" fmla="*/ 4277884 w 4277884"/>
-              <a:gd name="connsiteY1" fmla="*/ 0 h 2583520"/>
-              <a:gd name="connsiteX2" fmla="*/ 4277884 w 4277884"/>
-              <a:gd name="connsiteY2" fmla="*/ 2583520 h 2583520"/>
-              <a:gd name="connsiteX3" fmla="*/ 1192437 w 4277884"/>
-              <a:gd name="connsiteY3" fmla="*/ 2583520 h 2583520"/>
-              <a:gd name="connsiteX4" fmla="*/ 1188085 w 4277884"/>
-              <a:gd name="connsiteY4" fmla="*/ 2574129 h 2583520"/>
-              <a:gd name="connsiteX5" fmla="*/ 1192715 w 4277884"/>
-              <a:gd name="connsiteY5" fmla="*/ 2574129 h 2583520"/>
-            </a:gdLst>
-            <a:ahLst/>
-            <a:cxnLst>
-              <a:cxn ang="0">
-                <a:pos x="connsiteX0" y="connsiteY0"/>
-              </a:cxn>
-              <a:cxn ang="0">
-                <a:pos x="connsiteX1" y="connsiteY1"/>
-              </a:cxn>
-              <a:cxn ang="0">
-                <a:pos x="connsiteX2" y="connsiteY2"/>
-              </a:cxn>
-              <a:cxn ang="0">
-                <a:pos x="connsiteX3" y="connsiteY3"/>
-              </a:cxn>
-              <a:cxn ang="0">
-                <a:pos x="connsiteX4" y="connsiteY4"/>
-              </a:cxn>
-              <a:cxn ang="0">
-                <a:pos x="connsiteX5" y="connsiteY5"/>
-              </a:cxn>
-            </a:cxnLst>
-            <a:rect l="l" t="t" r="r" b="b"/>
-            <a:pathLst>
-              <a:path w="4277884" h="2583520">
-                <a:moveTo>
-                  <a:pt x="0" y="0"/>
-                </a:moveTo>
-                <a:lnTo>
-                  <a:pt x="4277884" y="0"/>
-                </a:lnTo>
-                <a:lnTo>
-                  <a:pt x="4277884" y="2583520"/>
-                </a:lnTo>
-                <a:lnTo>
-                  <a:pt x="1192437" y="2583520"/>
-                </a:lnTo>
-                <a:lnTo>
-                  <a:pt x="1188085" y="2574129"/>
-                </a:lnTo>
-                <a:lnTo>
-                  <a:pt x="1192715" y="2574129"/>
-                </a:lnTo>
-                <a:close/>
-              </a:path>
-            </a:pathLst>
-          </a:custGeom>
-        </p:spPr>
-      </p:pic>
-      <p:sp>
-        <p:nvSpPr>
-          <p:cNvPr id="6" name="Rectangle 5">
-            <a:extLst>
-              <a:ext uri="{FF2B5EF4-FFF2-40B4-BE49-F238E27FC236}">
-                <a16:creationId xmlns:a16="http://schemas.microsoft.com/office/drawing/2014/main" id="{A2901312-C3C2-4CEC-80EF-823AB4FBB726}"/>
-              </a:ext>
-            </a:extLst>
-          </p:cNvPr>
-          <p:cNvSpPr/>
-          <p:nvPr/>
-        </p:nvSpPr>
-        <p:spPr>
-          <a:xfrm>
-            <a:off x="-1" y="1608918"/>
-            <a:ext cx="12191999" cy="91160"/>
-          </a:xfrm>
-          <a:prstGeom prst="rect">
-            <a:avLst/>
-          </a:prstGeom>
-          <a:solidFill>
-            <a:schemeClr val="bg1"/>
-          </a:solidFill>
-          <a:ln>
-            <a:noFill/>
-          </a:ln>
-        </p:spPr>
-        <p:style>
-          <a:lnRef idx="2">
-            <a:schemeClr val="accent1">
-              <a:shade val="50000"/>
-            </a:schemeClr>
-          </a:lnRef>
-          <a:fillRef idx="1">
-            <a:schemeClr val="accent1"/>
-          </a:fillRef>
-          <a:effectRef idx="0">
-            <a:schemeClr val="accent1"/>
-          </a:effectRef>
-          <a:fontRef idx="minor">
-            <a:schemeClr val="lt1"/>
-          </a:fontRef>
-        </p:style>
-        <p:txBody>
-          <a:bodyPr rtlCol="0" anchor="ctr"/>
-          <a:lstStyle/>
-          <a:p>
-            <a:pPr algn="ctr"/>
-            <a:endParaRPr lang="en-US">
-              <a:solidFill>
-                <a:srgbClr val="DB5B5C"/>
-              </a:solidFill>
-            </a:endParaRPr>
-          </a:p>
-        </p:txBody>
-      </p:sp>
-      <p:sp>
-        <p:nvSpPr>
-          <p:cNvPr id="15" name="Rectangle 14">
-            <a:extLst>
-              <a:ext uri="{FF2B5EF4-FFF2-40B4-BE49-F238E27FC236}">
-                <a16:creationId xmlns:a16="http://schemas.microsoft.com/office/drawing/2014/main" id="{AD0A7C9C-CA2C-4B9B-A125-2D09D5573B44}"/>
-              </a:ext>
-            </a:extLst>
-          </p:cNvPr>
-          <p:cNvSpPr/>
-          <p:nvPr/>
-        </p:nvSpPr>
-        <p:spPr>
-          <a:xfrm>
-            <a:off x="1" y="6677247"/>
-            <a:ext cx="12191999" cy="190143"/>
-          </a:xfrm>
-          <a:prstGeom prst="rect">
-            <a:avLst/>
-          </a:prstGeom>
-          <a:solidFill>
-            <a:schemeClr val="bg1"/>
-          </a:solidFill>
-          <a:ln>
-            <a:noFill/>
-          </a:ln>
-        </p:spPr>
-        <p:style>
-          <a:lnRef idx="2">
-            <a:schemeClr val="accent1">
-              <a:shade val="50000"/>
-            </a:schemeClr>
-          </a:lnRef>
-          <a:fillRef idx="1">
-            <a:schemeClr val="accent1"/>
-          </a:fillRef>
-          <a:effectRef idx="0">
-            <a:schemeClr val="accent1"/>
-          </a:effectRef>
-          <a:fontRef idx="minor">
-            <a:schemeClr val="lt1"/>
-          </a:fontRef>
-        </p:style>
-        <p:txBody>
-          <a:bodyPr rtlCol="0" anchor="ctr"/>
-          <a:lstStyle/>
-          <a:p>
-            <a:pPr algn="ctr"/>
-            <a:endParaRPr lang="en-US">
-              <a:solidFill>
-                <a:srgbClr val="DB5B5C"/>
-              </a:solidFill>
-            </a:endParaRPr>
-          </a:p>
-        </p:txBody>
-      </p:sp>
-      <p:sp>
-        <p:nvSpPr>
-          <p:cNvPr id="16" name="Rectangle 15">
-            <a:extLst>
-              <a:ext uri="{FF2B5EF4-FFF2-40B4-BE49-F238E27FC236}">
-                <a16:creationId xmlns:a16="http://schemas.microsoft.com/office/drawing/2014/main" id="{74A085FC-1866-46D4-97F7-51AA45E48D4F}"/>
-              </a:ext>
-            </a:extLst>
-          </p:cNvPr>
-          <p:cNvSpPr/>
-          <p:nvPr/>
-        </p:nvSpPr>
-        <p:spPr>
-          <a:xfrm rot="4092292">
-            <a:off x="5790668" y="4094517"/>
-            <a:ext cx="5446699" cy="137038"/>
-          </a:xfrm>
-          <a:prstGeom prst="rect">
-            <a:avLst/>
-          </a:prstGeom>
-          <a:solidFill>
-            <a:schemeClr val="bg1"/>
-          </a:solidFill>
-          <a:ln>
-            <a:noFill/>
-          </a:ln>
-        </p:spPr>
-        <p:style>
-          <a:lnRef idx="2">
-            <a:schemeClr val="accent1">
-              <a:shade val="50000"/>
-            </a:schemeClr>
-          </a:lnRef>
-          <a:fillRef idx="1">
-            <a:schemeClr val="accent1"/>
-          </a:fillRef>
-          <a:effectRef idx="0">
-            <a:schemeClr val="accent1"/>
-          </a:effectRef>
-          <a:fontRef idx="minor">
-            <a:schemeClr val="lt1"/>
-          </a:fontRef>
-        </p:style>
-        <p:txBody>
-          <a:bodyPr rtlCol="0" anchor="ctr"/>
-          <a:lstStyle/>
-          <a:p>
-            <a:pPr algn="ctr"/>
-            <a:endParaRPr lang="en-US">
-              <a:solidFill>
-                <a:srgbClr val="DB5B5C"/>
-              </a:solidFill>
-            </a:endParaRPr>
-          </a:p>
-        </p:txBody>
-      </p:sp>
-    </p:spTree>
-    <p:extLst>
-      <p:ext uri="{BB962C8B-B14F-4D97-AF65-F5344CB8AC3E}">
-        <p14:creationId xmlns:p14="http://schemas.microsoft.com/office/powerpoint/2010/main" val="2762272663"/>
-      </p:ext>
-    </p:extLst>
-  </p:cSld>
-  <p:clrMapOvr>
-    <a:overrideClrMapping bg1="dk1" tx1="lt1" bg2="dk2" tx2="lt2" accent1="accent1" accent2="accent2" accent3="accent3" accent4="accent4" accent5="accent5" accent6="accent6" hlink="hlink" folHlink="folHlink"/>
-  </p:clrMapOvr>
-</p:sld>
-</file>
-
-<file path=ppt/slides/slide21.xml><?xml version="1.0" encoding="utf-8"?>
-<p:sld xmlns:a="http://schemas.openxmlformats.org/drawingml/2006/main" xmlns:r="http://schemas.openxmlformats.org/officeDocument/2006/relationships" xmlns:p="http://schemas.openxmlformats.org/presentationml/2006/main">
-  <p:cSld>
-    <p:bg>
-      <p:bgPr>
-        <a:solidFill>
-          <a:srgbClr val="395583"/>
-        </a:solidFill>
-        <a:effectLst/>
-      </p:bgPr>
-    </p:bg>
-    <p:spTree>
-      <p:nvGrpSpPr>
-        <p:cNvPr id="1" name=""/>
-        <p:cNvGrpSpPr/>
-        <p:nvPr/>
-      </p:nvGrpSpPr>
-      <p:grpSpPr>
-        <a:xfrm>
-          <a:off x="0" y="0"/>
-          <a:ext cx="0" cy="0"/>
-          <a:chOff x="0" y="0"/>
-          <a:chExt cx="0" cy="0"/>
-        </a:xfrm>
-      </p:grpSpPr>
-      <p:sp>
-        <p:nvSpPr>
-          <p:cNvPr id="25" name="Rectangle 24">
-            <a:extLst>
-              <a:ext uri="{FF2B5EF4-FFF2-40B4-BE49-F238E27FC236}">
-                <a16:creationId xmlns:a16="http://schemas.microsoft.com/office/drawing/2014/main" id="{A6792F05-2FD4-4F18-815E-15391E8B4A0E}"/>
-              </a:ext>
-              <a:ext uri="{C183D7F6-B498-43B3-948B-1728B52AA6E4}">
-                <adec:decorative xmlns:adec="http://schemas.microsoft.com/office/drawing/2017/decorative" val="1"/>
-              </a:ext>
-            </a:extLst>
-          </p:cNvPr>
-          <p:cNvSpPr>
-            <a:spLocks noGrp="1" noRot="1" noChangeAspect="1" noMove="1" noResize="1" noEditPoints="1" noAdjustHandles="1" noChangeArrowheads="1" noChangeShapeType="1" noTextEdit="1"/>
-          </p:cNvSpPr>
-          <p:nvPr>
-            <p:extLst>
-              <p:ext uri="{386F3935-93C4-4BCD-93E2-E3B085C9AB24}">
-                <p16:designElem xmlns:p16="http://schemas.microsoft.com/office/powerpoint/2015/main" val="1"/>
-              </p:ext>
-            </p:extLst>
-          </p:nvPr>
-        </p:nvSpPr>
-        <p:spPr>
-          <a:xfrm>
-            <a:off x="0" y="0"/>
-            <a:ext cx="12191999" cy="6858000"/>
-          </a:xfrm>
-          <a:prstGeom prst="rect">
-            <a:avLst/>
-          </a:prstGeom>
-          <a:solidFill>
-            <a:srgbClr val="395583"/>
-          </a:solidFill>
-          <a:ln>
-            <a:noFill/>
-          </a:ln>
-        </p:spPr>
-        <p:style>
-          <a:lnRef idx="2">
-            <a:schemeClr val="accent1">
-              <a:shade val="50000"/>
-            </a:schemeClr>
-          </a:lnRef>
-          <a:fillRef idx="1">
-            <a:schemeClr val="accent1"/>
-          </a:fillRef>
-          <a:effectRef idx="0">
-            <a:schemeClr val="accent1"/>
-          </a:effectRef>
-          <a:fontRef idx="minor">
-            <a:schemeClr val="lt1"/>
-          </a:fontRef>
-        </p:style>
-        <p:txBody>
-          <a:bodyPr rtlCol="0" anchor="ctr"/>
-          <a:lstStyle/>
-          <a:p>
-            <a:pPr algn="ctr"/>
-            <a:endParaRPr lang="en-US"/>
-          </a:p>
-        </p:txBody>
-      </p:sp>
-      <p:sp>
-        <p:nvSpPr>
-          <p:cNvPr id="2" name="Title 1">
-            <a:extLst>
-              <a:ext uri="{FF2B5EF4-FFF2-40B4-BE49-F238E27FC236}">
-                <a16:creationId xmlns:a16="http://schemas.microsoft.com/office/drawing/2014/main" id="{2589AFCC-0FF0-498C-B11F-8990DF0DAAA5}"/>
-              </a:ext>
-            </a:extLst>
-          </p:cNvPr>
-          <p:cNvSpPr>
-            <a:spLocks noGrp="1"/>
-          </p:cNvSpPr>
-          <p:nvPr>
-            <p:ph type="title"/>
-          </p:nvPr>
-        </p:nvSpPr>
-        <p:spPr>
-          <a:xfrm>
-            <a:off x="838200" y="365125"/>
-            <a:ext cx="10515600" cy="1325563"/>
-          </a:xfrm>
-        </p:spPr>
-        <p:txBody>
-          <a:bodyPr>
-            <a:normAutofit/>
-          </a:bodyPr>
-          <a:lstStyle/>
-          <a:p>
-            <a:r>
-              <a:rPr lang="en-US" b="1" dirty="0">
-                <a:latin typeface="Selawik Semibold" panose="020B0604020202020204" pitchFamily="34" charset="0"/>
-              </a:rPr>
-              <a:t>Analytics Across the Organizations</a:t>
-            </a:r>
-          </a:p>
-        </p:txBody>
-      </p:sp>
-      <p:sp>
-        <p:nvSpPr>
-          <p:cNvPr id="9" name="Content Placeholder 8">
-            <a:extLst>
-              <a:ext uri="{FF2B5EF4-FFF2-40B4-BE49-F238E27FC236}">
-                <a16:creationId xmlns:a16="http://schemas.microsoft.com/office/drawing/2014/main" id="{2D995594-59F2-4020-AB6F-751BAE84ADB3}"/>
-              </a:ext>
-            </a:extLst>
-          </p:cNvPr>
-          <p:cNvSpPr>
-            <a:spLocks noGrp="1"/>
-          </p:cNvSpPr>
-          <p:nvPr>
-            <p:ph idx="1"/>
-          </p:nvPr>
-        </p:nvSpPr>
-        <p:spPr>
-          <a:xfrm>
-            <a:off x="838200" y="2021249"/>
-            <a:ext cx="6994712" cy="4155713"/>
-          </a:xfrm>
-        </p:spPr>
-        <p:txBody>
-          <a:bodyPr>
-            <a:normAutofit/>
-          </a:bodyPr>
-          <a:lstStyle/>
-          <a:p>
-            <a:r>
-              <a:rPr lang="en-US" sz="2400" dirty="0">
-                <a:latin typeface="Selawik Semibold" panose="020B0702040204020203" pitchFamily="34" charset="0"/>
-              </a:rPr>
-              <a:t>Sports Analytics Use Survey (2013)</a:t>
-            </a:r>
-          </a:p>
-          <a:p>
-            <a:endParaRPr lang="en-US" sz="2400" dirty="0">
-              <a:latin typeface="Selawik Semibold" panose="020B0702040204020203" pitchFamily="34" charset="0"/>
-            </a:endParaRPr>
-          </a:p>
-          <a:p>
-            <a:r>
-              <a:rPr lang="en-US" sz="2400" dirty="0">
-                <a:latin typeface="Selawik Semibold" panose="020B0702040204020203" pitchFamily="34" charset="0"/>
-              </a:rPr>
-              <a:t>Sample of 27 People</a:t>
-            </a:r>
-            <a:r>
-              <a:rPr lang="en-US" sz="2000" dirty="0">
-                <a:latin typeface="Selawik Semibold" panose="020B0702040204020203" pitchFamily="34" charset="0"/>
-              </a:rPr>
-              <a:t> </a:t>
-            </a:r>
-            <a:r>
-              <a:rPr lang="en-US" sz="2400" dirty="0">
-                <a:latin typeface="Selawik Semibold" panose="020B0702040204020203" pitchFamily="34" charset="0"/>
-              </a:rPr>
-              <a:t>(NFL, MLB, NBA, EPL)</a:t>
-            </a:r>
-          </a:p>
-          <a:p>
-            <a:endParaRPr lang="en-US" sz="2400" dirty="0">
-              <a:latin typeface="Selawik Semibold" panose="020B0702040204020203" pitchFamily="34" charset="0"/>
-            </a:endParaRPr>
-          </a:p>
-          <a:p>
-            <a:r>
-              <a:rPr lang="en-US" sz="2400" dirty="0">
-                <a:latin typeface="Selawik Semibold" panose="020B0702040204020203" pitchFamily="34" charset="0"/>
-              </a:rPr>
-              <a:t>How Many Different Sources?</a:t>
-            </a:r>
-          </a:p>
-          <a:p>
-            <a:pPr lvl="1"/>
-            <a:r>
-              <a:rPr lang="en-US" sz="2000" dirty="0">
-                <a:latin typeface="Selawik Semibold" panose="020B0702040204020203" pitchFamily="34" charset="0"/>
-              </a:rPr>
-              <a:t>1-2 (6.7%) </a:t>
-            </a:r>
-          </a:p>
-          <a:p>
-            <a:pPr lvl="1"/>
-            <a:r>
-              <a:rPr lang="en-US" sz="2000" dirty="0">
-                <a:latin typeface="Selawik Semibold" panose="020B0702040204020203" pitchFamily="34" charset="0"/>
-              </a:rPr>
-              <a:t>3-4 (33.3%) </a:t>
-            </a:r>
-          </a:p>
-          <a:p>
-            <a:pPr lvl="1"/>
-            <a:r>
-              <a:rPr lang="en-US" sz="2000" dirty="0">
-                <a:latin typeface="Selawik Semibold" panose="020B0702040204020203" pitchFamily="34" charset="0"/>
-              </a:rPr>
-              <a:t>5-6 (13.3%) </a:t>
-            </a:r>
-          </a:p>
-          <a:p>
-            <a:pPr lvl="1"/>
-            <a:r>
-              <a:rPr lang="en-US" sz="2000" dirty="0">
-                <a:latin typeface="Selawik Semibold" panose="020B0702040204020203" pitchFamily="34" charset="0"/>
-              </a:rPr>
-              <a:t>&gt;6 (46.71%) </a:t>
-            </a:r>
-          </a:p>
-        </p:txBody>
-      </p:sp>
-      <p:pic>
-        <p:nvPicPr>
-          <p:cNvPr id="4" name="Picture 3" descr="A drawing of a cartoon character&#10;&#10;Description automatically generated">
-            <a:extLst>
-              <a:ext uri="{FF2B5EF4-FFF2-40B4-BE49-F238E27FC236}">
-                <a16:creationId xmlns:a16="http://schemas.microsoft.com/office/drawing/2014/main" id="{A7FDC859-D890-4904-9C64-27F43DA90453}"/>
-              </a:ext>
-            </a:extLst>
-          </p:cNvPr>
-          <p:cNvPicPr>
-            <a:picLocks noChangeAspect="1"/>
-          </p:cNvPicPr>
-          <p:nvPr/>
-        </p:nvPicPr>
-        <p:blipFill rotWithShape="1">
-          <a:blip r:embed="rId2">
-            <a:extLst>
-              <a:ext uri="{28A0092B-C50C-407E-A947-70E740481C1C}">
-                <a14:useLocalDpi xmlns:a14="http://schemas.microsoft.com/office/drawing/2010/main" val="0"/>
-              </a:ext>
-            </a:extLst>
-          </a:blip>
-          <a:srcRect t="5616" r="2" b="2"/>
-          <a:stretch/>
-        </p:blipFill>
-        <p:spPr>
-          <a:xfrm>
-            <a:off x="7471144" y="1700078"/>
-            <a:ext cx="4720855" cy="2583792"/>
-          </a:xfrm>
-          <a:custGeom>
-            <a:avLst/>
-            <a:gdLst>
-              <a:gd name="connsiteX0" fmla="*/ 0 w 5475077"/>
-              <a:gd name="connsiteY0" fmla="*/ 0 h 2583792"/>
-              <a:gd name="connsiteX1" fmla="*/ 5475077 w 5475077"/>
-              <a:gd name="connsiteY1" fmla="*/ 0 h 2583792"/>
-              <a:gd name="connsiteX2" fmla="*/ 5475077 w 5475077"/>
-              <a:gd name="connsiteY2" fmla="*/ 2583792 h 2583792"/>
-              <a:gd name="connsiteX3" fmla="*/ 1197192 w 5475077"/>
-              <a:gd name="connsiteY3" fmla="*/ 2583792 h 2583792"/>
-            </a:gdLst>
-            <a:ahLst/>
-            <a:cxnLst>
-              <a:cxn ang="0">
-                <a:pos x="connsiteX0" y="connsiteY0"/>
-              </a:cxn>
-              <a:cxn ang="0">
-                <a:pos x="connsiteX1" y="connsiteY1"/>
-              </a:cxn>
-              <a:cxn ang="0">
-                <a:pos x="connsiteX2" y="connsiteY2"/>
-              </a:cxn>
-              <a:cxn ang="0">
-                <a:pos x="connsiteX3" y="connsiteY3"/>
-              </a:cxn>
-            </a:cxnLst>
-            <a:rect l="l" t="t" r="r" b="b"/>
-            <a:pathLst>
-              <a:path w="5475077" h="2583792">
-                <a:moveTo>
-                  <a:pt x="0" y="0"/>
-                </a:moveTo>
-                <a:lnTo>
-                  <a:pt x="5475077" y="0"/>
-                </a:lnTo>
-                <a:lnTo>
-                  <a:pt x="5475077" y="2583792"/>
-                </a:lnTo>
-                <a:lnTo>
-                  <a:pt x="1197192" y="2583792"/>
-                </a:lnTo>
-                <a:close/>
-              </a:path>
-            </a:pathLst>
-          </a:custGeom>
-        </p:spPr>
-      </p:pic>
-      <p:pic>
-        <p:nvPicPr>
-          <p:cNvPr id="5" name="Content Placeholder 4" descr="A picture containing indoor&#10;&#10;Description automatically generated">
-            <a:extLst>
-              <a:ext uri="{FF2B5EF4-FFF2-40B4-BE49-F238E27FC236}">
-                <a16:creationId xmlns:a16="http://schemas.microsoft.com/office/drawing/2014/main" id="{A58F0E55-21F3-485B-A07F-1CE74177BDD2}"/>
-              </a:ext>
-            </a:extLst>
-          </p:cNvPr>
-          <p:cNvPicPr>
-            <a:picLocks noChangeAspect="1"/>
-          </p:cNvPicPr>
-          <p:nvPr/>
-        </p:nvPicPr>
-        <p:blipFill rotWithShape="1">
-          <a:blip r:embed="rId3">
-            <a:extLst>
-              <a:ext uri="{28A0092B-C50C-407E-A947-70E740481C1C}">
-                <a14:useLocalDpi xmlns:a14="http://schemas.microsoft.com/office/drawing/2010/main" val="0"/>
-              </a:ext>
-            </a:extLst>
-          </a:blip>
-          <a:srcRect t="5300" r="3" b="6859"/>
-          <a:stretch/>
-        </p:blipFill>
-        <p:spPr>
-          <a:xfrm>
-            <a:off x="8491869" y="4283870"/>
-            <a:ext cx="3700129" cy="2583520"/>
-          </a:xfrm>
-          <a:custGeom>
-            <a:avLst/>
-            <a:gdLst>
-              <a:gd name="connsiteX0" fmla="*/ 0 w 4277884"/>
-              <a:gd name="connsiteY0" fmla="*/ 0 h 2583520"/>
-              <a:gd name="connsiteX1" fmla="*/ 4277884 w 4277884"/>
-              <a:gd name="connsiteY1" fmla="*/ 0 h 2583520"/>
-              <a:gd name="connsiteX2" fmla="*/ 4277884 w 4277884"/>
-              <a:gd name="connsiteY2" fmla="*/ 2583520 h 2583520"/>
-              <a:gd name="connsiteX3" fmla="*/ 1192437 w 4277884"/>
-              <a:gd name="connsiteY3" fmla="*/ 2583520 h 2583520"/>
-              <a:gd name="connsiteX4" fmla="*/ 1188085 w 4277884"/>
-              <a:gd name="connsiteY4" fmla="*/ 2574129 h 2583520"/>
-              <a:gd name="connsiteX5" fmla="*/ 1192715 w 4277884"/>
-              <a:gd name="connsiteY5" fmla="*/ 2574129 h 2583520"/>
-            </a:gdLst>
-            <a:ahLst/>
-            <a:cxnLst>
-              <a:cxn ang="0">
-                <a:pos x="connsiteX0" y="connsiteY0"/>
-              </a:cxn>
-              <a:cxn ang="0">
-                <a:pos x="connsiteX1" y="connsiteY1"/>
-              </a:cxn>
-              <a:cxn ang="0">
-                <a:pos x="connsiteX2" y="connsiteY2"/>
-              </a:cxn>
-              <a:cxn ang="0">
-                <a:pos x="connsiteX3" y="connsiteY3"/>
-              </a:cxn>
-              <a:cxn ang="0">
-                <a:pos x="connsiteX4" y="connsiteY4"/>
-              </a:cxn>
-              <a:cxn ang="0">
-                <a:pos x="connsiteX5" y="connsiteY5"/>
-              </a:cxn>
-            </a:cxnLst>
-            <a:rect l="l" t="t" r="r" b="b"/>
-            <a:pathLst>
-              <a:path w="4277884" h="2583520">
-                <a:moveTo>
-                  <a:pt x="0" y="0"/>
-                </a:moveTo>
-                <a:lnTo>
-                  <a:pt x="4277884" y="0"/>
-                </a:lnTo>
-                <a:lnTo>
-                  <a:pt x="4277884" y="2583520"/>
-                </a:lnTo>
-                <a:lnTo>
-                  <a:pt x="1192437" y="2583520"/>
-                </a:lnTo>
-                <a:lnTo>
-                  <a:pt x="1188085" y="2574129"/>
-                </a:lnTo>
-                <a:lnTo>
-                  <a:pt x="1192715" y="2574129"/>
-                </a:lnTo>
-                <a:close/>
-              </a:path>
-            </a:pathLst>
-          </a:custGeom>
-        </p:spPr>
-      </p:pic>
-      <p:sp>
-        <p:nvSpPr>
-          <p:cNvPr id="6" name="Rectangle 5">
-            <a:extLst>
-              <a:ext uri="{FF2B5EF4-FFF2-40B4-BE49-F238E27FC236}">
-                <a16:creationId xmlns:a16="http://schemas.microsoft.com/office/drawing/2014/main" id="{A2901312-C3C2-4CEC-80EF-823AB4FBB726}"/>
-              </a:ext>
-            </a:extLst>
-          </p:cNvPr>
-          <p:cNvSpPr/>
-          <p:nvPr/>
-        </p:nvSpPr>
-        <p:spPr>
-          <a:xfrm>
-            <a:off x="-1" y="1608918"/>
-            <a:ext cx="12191999" cy="91160"/>
-          </a:xfrm>
-          <a:prstGeom prst="rect">
-            <a:avLst/>
-          </a:prstGeom>
-          <a:solidFill>
-            <a:schemeClr val="bg1"/>
-          </a:solidFill>
-          <a:ln>
-            <a:noFill/>
-          </a:ln>
-        </p:spPr>
-        <p:style>
-          <a:lnRef idx="2">
-            <a:schemeClr val="accent1">
-              <a:shade val="50000"/>
-            </a:schemeClr>
-          </a:lnRef>
-          <a:fillRef idx="1">
-            <a:schemeClr val="accent1"/>
-          </a:fillRef>
-          <a:effectRef idx="0">
-            <a:schemeClr val="accent1"/>
-          </a:effectRef>
-          <a:fontRef idx="minor">
-            <a:schemeClr val="lt1"/>
-          </a:fontRef>
-        </p:style>
-        <p:txBody>
-          <a:bodyPr rtlCol="0" anchor="ctr"/>
-          <a:lstStyle/>
-          <a:p>
-            <a:pPr algn="ctr"/>
-            <a:endParaRPr lang="en-US">
-              <a:solidFill>
-                <a:srgbClr val="DB5B5C"/>
-              </a:solidFill>
-            </a:endParaRPr>
-          </a:p>
-        </p:txBody>
-      </p:sp>
-      <p:sp>
-        <p:nvSpPr>
-          <p:cNvPr id="15" name="Rectangle 14">
-            <a:extLst>
-              <a:ext uri="{FF2B5EF4-FFF2-40B4-BE49-F238E27FC236}">
-                <a16:creationId xmlns:a16="http://schemas.microsoft.com/office/drawing/2014/main" id="{AD0A7C9C-CA2C-4B9B-A125-2D09D5573B44}"/>
-              </a:ext>
-            </a:extLst>
-          </p:cNvPr>
-          <p:cNvSpPr/>
-          <p:nvPr/>
-        </p:nvSpPr>
-        <p:spPr>
-          <a:xfrm>
-            <a:off x="1" y="6677247"/>
-            <a:ext cx="12191999" cy="190143"/>
-          </a:xfrm>
-          <a:prstGeom prst="rect">
-            <a:avLst/>
-          </a:prstGeom>
-          <a:solidFill>
-            <a:schemeClr val="bg1"/>
-          </a:solidFill>
-          <a:ln>
-            <a:noFill/>
-          </a:ln>
-        </p:spPr>
-        <p:style>
-          <a:lnRef idx="2">
-            <a:schemeClr val="accent1">
-              <a:shade val="50000"/>
-            </a:schemeClr>
-          </a:lnRef>
-          <a:fillRef idx="1">
-            <a:schemeClr val="accent1"/>
-          </a:fillRef>
-          <a:effectRef idx="0">
-            <a:schemeClr val="accent1"/>
-          </a:effectRef>
-          <a:fontRef idx="minor">
-            <a:schemeClr val="lt1"/>
-          </a:fontRef>
-        </p:style>
-        <p:txBody>
-          <a:bodyPr rtlCol="0" anchor="ctr"/>
-          <a:lstStyle/>
-          <a:p>
-            <a:pPr algn="ctr"/>
-            <a:endParaRPr lang="en-US">
-              <a:solidFill>
-                <a:srgbClr val="DB5B5C"/>
-              </a:solidFill>
-            </a:endParaRPr>
-          </a:p>
-        </p:txBody>
-      </p:sp>
-      <p:sp>
-        <p:nvSpPr>
-          <p:cNvPr id="16" name="Rectangle 15">
-            <a:extLst>
-              <a:ext uri="{FF2B5EF4-FFF2-40B4-BE49-F238E27FC236}">
-                <a16:creationId xmlns:a16="http://schemas.microsoft.com/office/drawing/2014/main" id="{74A085FC-1866-46D4-97F7-51AA45E48D4F}"/>
-              </a:ext>
-            </a:extLst>
-          </p:cNvPr>
-          <p:cNvSpPr/>
-          <p:nvPr/>
-        </p:nvSpPr>
-        <p:spPr>
-          <a:xfrm rot="4092292">
-            <a:off x="5790668" y="4094517"/>
-            <a:ext cx="5446699" cy="137038"/>
-          </a:xfrm>
-          <a:prstGeom prst="rect">
-            <a:avLst/>
-          </a:prstGeom>
-          <a:solidFill>
-            <a:schemeClr val="bg1"/>
-          </a:solidFill>
-          <a:ln>
-            <a:noFill/>
-          </a:ln>
-        </p:spPr>
-        <p:style>
-          <a:lnRef idx="2">
-            <a:schemeClr val="accent1">
-              <a:shade val="50000"/>
-            </a:schemeClr>
-          </a:lnRef>
-          <a:fillRef idx="1">
-            <a:schemeClr val="accent1"/>
-          </a:fillRef>
-          <a:effectRef idx="0">
-            <a:schemeClr val="accent1"/>
-          </a:effectRef>
-          <a:fontRef idx="minor">
-            <a:schemeClr val="lt1"/>
-          </a:fontRef>
-        </p:style>
-        <p:txBody>
-          <a:bodyPr rtlCol="0" anchor="ctr"/>
-          <a:lstStyle/>
-          <a:p>
-            <a:pPr algn="ctr"/>
-            <a:endParaRPr lang="en-US">
-              <a:solidFill>
-                <a:srgbClr val="DB5B5C"/>
-              </a:solidFill>
-            </a:endParaRPr>
-          </a:p>
-        </p:txBody>
-      </p:sp>
-    </p:spTree>
-    <p:extLst>
-      <p:ext uri="{BB962C8B-B14F-4D97-AF65-F5344CB8AC3E}">
-        <p14:creationId xmlns:p14="http://schemas.microsoft.com/office/powerpoint/2010/main" val="1770409084"/>
-      </p:ext>
-    </p:extLst>
-  </p:cSld>
-  <p:clrMapOvr>
-    <a:overrideClrMapping bg1="dk1" tx1="lt1" bg2="dk2" tx2="lt2" accent1="accent1" accent2="accent2" accent3="accent3" accent4="accent4" accent5="accent5" accent6="accent6" hlink="hlink" folHlink="folHlink"/>
-  </p:clrMapOvr>
-</p:sld>
-</file>
-
-<file path=ppt/slides/slide22.xml><?xml version="1.0" encoding="utf-8"?>
-<p:sld xmlns:a="http://schemas.openxmlformats.org/drawingml/2006/main" xmlns:r="http://schemas.openxmlformats.org/officeDocument/2006/relationships" xmlns:p="http://schemas.openxmlformats.org/presentationml/2006/main">
-  <p:cSld>
-    <p:bg>
-      <p:bgPr>
-        <a:solidFill>
-          <a:srgbClr val="395583"/>
-        </a:solidFill>
-        <a:effectLst/>
-      </p:bgPr>
-    </p:bg>
-    <p:spTree>
-      <p:nvGrpSpPr>
-        <p:cNvPr id="1" name=""/>
-        <p:cNvGrpSpPr/>
-        <p:nvPr/>
-      </p:nvGrpSpPr>
-      <p:grpSpPr>
-        <a:xfrm>
-          <a:off x="0" y="0"/>
-          <a:ext cx="0" cy="0"/>
-          <a:chOff x="0" y="0"/>
-          <a:chExt cx="0" cy="0"/>
-        </a:xfrm>
-      </p:grpSpPr>
-      <p:sp>
-        <p:nvSpPr>
-          <p:cNvPr id="25" name="Rectangle 24">
-            <a:extLst>
-              <a:ext uri="{FF2B5EF4-FFF2-40B4-BE49-F238E27FC236}">
-                <a16:creationId xmlns:a16="http://schemas.microsoft.com/office/drawing/2014/main" id="{A6792F05-2FD4-4F18-815E-15391E8B4A0E}"/>
-              </a:ext>
-              <a:ext uri="{C183D7F6-B498-43B3-948B-1728B52AA6E4}">
-                <adec:decorative xmlns:adec="http://schemas.microsoft.com/office/drawing/2017/decorative" val="1"/>
-              </a:ext>
-            </a:extLst>
-          </p:cNvPr>
-          <p:cNvSpPr>
-            <a:spLocks noGrp="1" noRot="1" noChangeAspect="1" noMove="1" noResize="1" noEditPoints="1" noAdjustHandles="1" noChangeArrowheads="1" noChangeShapeType="1" noTextEdit="1"/>
-          </p:cNvSpPr>
-          <p:nvPr>
-            <p:extLst>
-              <p:ext uri="{386F3935-93C4-4BCD-93E2-E3B085C9AB24}">
-                <p16:designElem xmlns:p16="http://schemas.microsoft.com/office/powerpoint/2015/main" val="1"/>
-              </p:ext>
-            </p:extLst>
-          </p:nvPr>
-        </p:nvSpPr>
-        <p:spPr>
-          <a:xfrm>
-            <a:off x="0" y="0"/>
-            <a:ext cx="12191999" cy="6858000"/>
-          </a:xfrm>
-          <a:prstGeom prst="rect">
-            <a:avLst/>
-          </a:prstGeom>
-          <a:solidFill>
-            <a:srgbClr val="395583"/>
-          </a:solidFill>
-          <a:ln>
-            <a:noFill/>
-          </a:ln>
-        </p:spPr>
-        <p:style>
-          <a:lnRef idx="2">
-            <a:schemeClr val="accent1">
-              <a:shade val="50000"/>
-            </a:schemeClr>
-          </a:lnRef>
-          <a:fillRef idx="1">
-            <a:schemeClr val="accent1"/>
-          </a:fillRef>
-          <a:effectRef idx="0">
-            <a:schemeClr val="accent1"/>
-          </a:effectRef>
-          <a:fontRef idx="minor">
-            <a:schemeClr val="lt1"/>
-          </a:fontRef>
-        </p:style>
-        <p:txBody>
-          <a:bodyPr rtlCol="0" anchor="ctr"/>
-          <a:lstStyle/>
-          <a:p>
-            <a:pPr algn="ctr"/>
-            <a:endParaRPr lang="en-US"/>
-          </a:p>
-        </p:txBody>
-      </p:sp>
-      <p:sp>
-        <p:nvSpPr>
-          <p:cNvPr id="2" name="Title 1">
-            <a:extLst>
-              <a:ext uri="{FF2B5EF4-FFF2-40B4-BE49-F238E27FC236}">
-                <a16:creationId xmlns:a16="http://schemas.microsoft.com/office/drawing/2014/main" id="{2589AFCC-0FF0-498C-B11F-8990DF0DAAA5}"/>
-              </a:ext>
-            </a:extLst>
-          </p:cNvPr>
-          <p:cNvSpPr>
-            <a:spLocks noGrp="1"/>
-          </p:cNvSpPr>
-          <p:nvPr>
-            <p:ph type="title"/>
-          </p:nvPr>
-        </p:nvSpPr>
-        <p:spPr>
-          <a:xfrm>
-            <a:off x="838200" y="365125"/>
-            <a:ext cx="10515600" cy="1325563"/>
-          </a:xfrm>
-        </p:spPr>
-        <p:txBody>
-          <a:bodyPr>
-            <a:normAutofit/>
-          </a:bodyPr>
-          <a:lstStyle/>
-          <a:p>
-            <a:r>
-              <a:rPr lang="en-US" b="1" dirty="0">
-                <a:latin typeface="Selawik Semibold" panose="020B0604020202020204" pitchFamily="34" charset="0"/>
-              </a:rPr>
-              <a:t>Analytics Across the Organizations</a:t>
-            </a:r>
-          </a:p>
-        </p:txBody>
-      </p:sp>
-      <p:sp>
-        <p:nvSpPr>
-          <p:cNvPr id="9" name="Content Placeholder 8">
-            <a:extLst>
-              <a:ext uri="{FF2B5EF4-FFF2-40B4-BE49-F238E27FC236}">
-                <a16:creationId xmlns:a16="http://schemas.microsoft.com/office/drawing/2014/main" id="{2D995594-59F2-4020-AB6F-751BAE84ADB3}"/>
-              </a:ext>
-            </a:extLst>
-          </p:cNvPr>
-          <p:cNvSpPr>
-            <a:spLocks noGrp="1"/>
-          </p:cNvSpPr>
-          <p:nvPr>
-            <p:ph idx="1"/>
-          </p:nvPr>
-        </p:nvSpPr>
-        <p:spPr>
-          <a:xfrm>
-            <a:off x="838200" y="2021249"/>
-            <a:ext cx="6994712" cy="4155713"/>
-          </a:xfrm>
-        </p:spPr>
-        <p:txBody>
-          <a:bodyPr>
-            <a:normAutofit/>
-          </a:bodyPr>
-          <a:lstStyle/>
-          <a:p>
-            <a:r>
-              <a:rPr lang="en-US" sz="2400" dirty="0">
-                <a:latin typeface="Selawik Semibold" panose="020B0702040204020203" pitchFamily="34" charset="0"/>
-              </a:rPr>
-              <a:t>How Much Data is Centralized?</a:t>
-            </a:r>
-          </a:p>
-          <a:p>
-            <a:pPr lvl="1"/>
-            <a:r>
-              <a:rPr lang="en-US" sz="2000" dirty="0">
-                <a:latin typeface="Selawik Semibold" panose="020B0702040204020203" pitchFamily="34" charset="0"/>
-              </a:rPr>
-              <a:t>All (31.3%)</a:t>
-            </a:r>
-          </a:p>
-          <a:p>
-            <a:pPr lvl="1"/>
-            <a:r>
-              <a:rPr lang="en-US" sz="2000" dirty="0">
-                <a:latin typeface="Selawik Semibold" panose="020B0702040204020203" pitchFamily="34" charset="0"/>
-              </a:rPr>
-              <a:t>Most (37.4%)</a:t>
-            </a:r>
-          </a:p>
-          <a:p>
-            <a:pPr lvl="1"/>
-            <a:r>
-              <a:rPr lang="en-US" sz="2000" dirty="0">
-                <a:latin typeface="Selawik Semibold" panose="020B0702040204020203" pitchFamily="34" charset="0"/>
-              </a:rPr>
-              <a:t>Some (31.3%)</a:t>
-            </a:r>
-          </a:p>
-          <a:p>
-            <a:pPr lvl="1"/>
-            <a:endParaRPr lang="en-US" sz="2000" dirty="0">
-              <a:latin typeface="Selawik Semibold" panose="020B0702040204020203" pitchFamily="34" charset="0"/>
-            </a:endParaRPr>
-          </a:p>
-          <a:p>
-            <a:r>
-              <a:rPr lang="en-US" sz="2400" dirty="0">
-                <a:latin typeface="Selawik Semibold" panose="020B0702040204020203" pitchFamily="34" charset="0"/>
-              </a:rPr>
-              <a:t>How Much Data is Dependent on One Person?</a:t>
-            </a:r>
-          </a:p>
-          <a:p>
-            <a:pPr lvl="1"/>
-            <a:r>
-              <a:rPr lang="en-US" sz="2000" dirty="0">
-                <a:latin typeface="Selawik Semibold" panose="020B0702040204020203" pitchFamily="34" charset="0"/>
-              </a:rPr>
-              <a:t>Some (50.0%)</a:t>
-            </a:r>
-          </a:p>
-          <a:p>
-            <a:pPr lvl="1"/>
-            <a:r>
-              <a:rPr lang="en-US" sz="2000" dirty="0">
-                <a:latin typeface="Selawik Semibold" panose="020B0702040204020203" pitchFamily="34" charset="0"/>
-              </a:rPr>
-              <a:t>Most (43.7%)</a:t>
-            </a:r>
-          </a:p>
-          <a:p>
-            <a:pPr lvl="1"/>
-            <a:r>
-              <a:rPr lang="en-US" sz="2000" dirty="0">
-                <a:latin typeface="Selawik Semibold" panose="020B0702040204020203" pitchFamily="34" charset="0"/>
-              </a:rPr>
-              <a:t>All Data Centralized (6.3%)</a:t>
-            </a:r>
-          </a:p>
-        </p:txBody>
-      </p:sp>
-      <p:pic>
-        <p:nvPicPr>
-          <p:cNvPr id="4" name="Picture 3" descr="A drawing of a cartoon character&#10;&#10;Description automatically generated">
-            <a:extLst>
-              <a:ext uri="{FF2B5EF4-FFF2-40B4-BE49-F238E27FC236}">
-                <a16:creationId xmlns:a16="http://schemas.microsoft.com/office/drawing/2014/main" id="{A7FDC859-D890-4904-9C64-27F43DA90453}"/>
-              </a:ext>
-            </a:extLst>
-          </p:cNvPr>
-          <p:cNvPicPr>
-            <a:picLocks noChangeAspect="1"/>
-          </p:cNvPicPr>
-          <p:nvPr/>
-        </p:nvPicPr>
-        <p:blipFill rotWithShape="1">
-          <a:blip r:embed="rId2">
-            <a:extLst>
-              <a:ext uri="{28A0092B-C50C-407E-A947-70E740481C1C}">
-                <a14:useLocalDpi xmlns:a14="http://schemas.microsoft.com/office/drawing/2010/main" val="0"/>
-              </a:ext>
-            </a:extLst>
-          </a:blip>
-          <a:srcRect t="5616" r="2" b="2"/>
-          <a:stretch/>
-        </p:blipFill>
-        <p:spPr>
-          <a:xfrm>
-            <a:off x="7471144" y="1700078"/>
-            <a:ext cx="4720855" cy="2583792"/>
-          </a:xfrm>
-          <a:custGeom>
-            <a:avLst/>
-            <a:gdLst>
-              <a:gd name="connsiteX0" fmla="*/ 0 w 5475077"/>
-              <a:gd name="connsiteY0" fmla="*/ 0 h 2583792"/>
-              <a:gd name="connsiteX1" fmla="*/ 5475077 w 5475077"/>
-              <a:gd name="connsiteY1" fmla="*/ 0 h 2583792"/>
-              <a:gd name="connsiteX2" fmla="*/ 5475077 w 5475077"/>
-              <a:gd name="connsiteY2" fmla="*/ 2583792 h 2583792"/>
-              <a:gd name="connsiteX3" fmla="*/ 1197192 w 5475077"/>
-              <a:gd name="connsiteY3" fmla="*/ 2583792 h 2583792"/>
-            </a:gdLst>
-            <a:ahLst/>
-            <a:cxnLst>
-              <a:cxn ang="0">
-                <a:pos x="connsiteX0" y="connsiteY0"/>
-              </a:cxn>
-              <a:cxn ang="0">
-                <a:pos x="connsiteX1" y="connsiteY1"/>
-              </a:cxn>
-              <a:cxn ang="0">
-                <a:pos x="connsiteX2" y="connsiteY2"/>
-              </a:cxn>
-              <a:cxn ang="0">
-                <a:pos x="connsiteX3" y="connsiteY3"/>
-              </a:cxn>
-            </a:cxnLst>
-            <a:rect l="l" t="t" r="r" b="b"/>
-            <a:pathLst>
-              <a:path w="5475077" h="2583792">
-                <a:moveTo>
-                  <a:pt x="0" y="0"/>
-                </a:moveTo>
-                <a:lnTo>
-                  <a:pt x="5475077" y="0"/>
-                </a:lnTo>
-                <a:lnTo>
-                  <a:pt x="5475077" y="2583792"/>
-                </a:lnTo>
-                <a:lnTo>
-                  <a:pt x="1197192" y="2583792"/>
-                </a:lnTo>
-                <a:close/>
-              </a:path>
-            </a:pathLst>
-          </a:custGeom>
-        </p:spPr>
-      </p:pic>
-      <p:pic>
-        <p:nvPicPr>
-          <p:cNvPr id="5" name="Content Placeholder 4" descr="A picture containing indoor&#10;&#10;Description automatically generated">
-            <a:extLst>
-              <a:ext uri="{FF2B5EF4-FFF2-40B4-BE49-F238E27FC236}">
-                <a16:creationId xmlns:a16="http://schemas.microsoft.com/office/drawing/2014/main" id="{A58F0E55-21F3-485B-A07F-1CE74177BDD2}"/>
-              </a:ext>
-            </a:extLst>
-          </p:cNvPr>
-          <p:cNvPicPr>
-            <a:picLocks noChangeAspect="1"/>
-          </p:cNvPicPr>
-          <p:nvPr/>
-        </p:nvPicPr>
-        <p:blipFill rotWithShape="1">
-          <a:blip r:embed="rId3">
-            <a:extLst>
-              <a:ext uri="{28A0092B-C50C-407E-A947-70E740481C1C}">
-                <a14:useLocalDpi xmlns:a14="http://schemas.microsoft.com/office/drawing/2010/main" val="0"/>
-              </a:ext>
-            </a:extLst>
-          </a:blip>
-          <a:srcRect t="5300" r="3" b="6859"/>
-          <a:stretch/>
-        </p:blipFill>
-        <p:spPr>
-          <a:xfrm>
-            <a:off x="8491869" y="4283870"/>
-            <a:ext cx="3700129" cy="2583520"/>
-          </a:xfrm>
-          <a:custGeom>
-            <a:avLst/>
-            <a:gdLst>
-              <a:gd name="connsiteX0" fmla="*/ 0 w 4277884"/>
-              <a:gd name="connsiteY0" fmla="*/ 0 h 2583520"/>
-              <a:gd name="connsiteX1" fmla="*/ 4277884 w 4277884"/>
-              <a:gd name="connsiteY1" fmla="*/ 0 h 2583520"/>
-              <a:gd name="connsiteX2" fmla="*/ 4277884 w 4277884"/>
-              <a:gd name="connsiteY2" fmla="*/ 2583520 h 2583520"/>
-              <a:gd name="connsiteX3" fmla="*/ 1192437 w 4277884"/>
-              <a:gd name="connsiteY3" fmla="*/ 2583520 h 2583520"/>
-              <a:gd name="connsiteX4" fmla="*/ 1188085 w 4277884"/>
-              <a:gd name="connsiteY4" fmla="*/ 2574129 h 2583520"/>
-              <a:gd name="connsiteX5" fmla="*/ 1192715 w 4277884"/>
-              <a:gd name="connsiteY5" fmla="*/ 2574129 h 2583520"/>
-            </a:gdLst>
-            <a:ahLst/>
-            <a:cxnLst>
-              <a:cxn ang="0">
-                <a:pos x="connsiteX0" y="connsiteY0"/>
-              </a:cxn>
-              <a:cxn ang="0">
-                <a:pos x="connsiteX1" y="connsiteY1"/>
-              </a:cxn>
-              <a:cxn ang="0">
-                <a:pos x="connsiteX2" y="connsiteY2"/>
-              </a:cxn>
-              <a:cxn ang="0">
-                <a:pos x="connsiteX3" y="connsiteY3"/>
-              </a:cxn>
-              <a:cxn ang="0">
-                <a:pos x="connsiteX4" y="connsiteY4"/>
-              </a:cxn>
-              <a:cxn ang="0">
-                <a:pos x="connsiteX5" y="connsiteY5"/>
-              </a:cxn>
-            </a:cxnLst>
-            <a:rect l="l" t="t" r="r" b="b"/>
-            <a:pathLst>
-              <a:path w="4277884" h="2583520">
-                <a:moveTo>
-                  <a:pt x="0" y="0"/>
-                </a:moveTo>
-                <a:lnTo>
-                  <a:pt x="4277884" y="0"/>
-                </a:lnTo>
-                <a:lnTo>
-                  <a:pt x="4277884" y="2583520"/>
-                </a:lnTo>
-                <a:lnTo>
-                  <a:pt x="1192437" y="2583520"/>
-                </a:lnTo>
-                <a:lnTo>
-                  <a:pt x="1188085" y="2574129"/>
-                </a:lnTo>
-                <a:lnTo>
-                  <a:pt x="1192715" y="2574129"/>
-                </a:lnTo>
-                <a:close/>
-              </a:path>
-            </a:pathLst>
-          </a:custGeom>
-        </p:spPr>
-      </p:pic>
-      <p:sp>
-        <p:nvSpPr>
-          <p:cNvPr id="6" name="Rectangle 5">
-            <a:extLst>
-              <a:ext uri="{FF2B5EF4-FFF2-40B4-BE49-F238E27FC236}">
-                <a16:creationId xmlns:a16="http://schemas.microsoft.com/office/drawing/2014/main" id="{A2901312-C3C2-4CEC-80EF-823AB4FBB726}"/>
-              </a:ext>
-            </a:extLst>
-          </p:cNvPr>
-          <p:cNvSpPr/>
-          <p:nvPr/>
-        </p:nvSpPr>
-        <p:spPr>
-          <a:xfrm>
-            <a:off x="-1" y="1608918"/>
-            <a:ext cx="12191999" cy="91160"/>
-          </a:xfrm>
-          <a:prstGeom prst="rect">
-            <a:avLst/>
-          </a:prstGeom>
-          <a:solidFill>
-            <a:schemeClr val="bg1"/>
-          </a:solidFill>
-          <a:ln>
-            <a:noFill/>
-          </a:ln>
-        </p:spPr>
-        <p:style>
-          <a:lnRef idx="2">
-            <a:schemeClr val="accent1">
-              <a:shade val="50000"/>
-            </a:schemeClr>
-          </a:lnRef>
-          <a:fillRef idx="1">
-            <a:schemeClr val="accent1"/>
-          </a:fillRef>
-          <a:effectRef idx="0">
-            <a:schemeClr val="accent1"/>
-          </a:effectRef>
-          <a:fontRef idx="minor">
-            <a:schemeClr val="lt1"/>
-          </a:fontRef>
-        </p:style>
-        <p:txBody>
-          <a:bodyPr rtlCol="0" anchor="ctr"/>
-          <a:lstStyle/>
-          <a:p>
-            <a:pPr algn="ctr"/>
-            <a:endParaRPr lang="en-US">
-              <a:solidFill>
-                <a:srgbClr val="DB5B5C"/>
-              </a:solidFill>
-            </a:endParaRPr>
-          </a:p>
-        </p:txBody>
-      </p:sp>
-      <p:sp>
-        <p:nvSpPr>
-          <p:cNvPr id="15" name="Rectangle 14">
-            <a:extLst>
-              <a:ext uri="{FF2B5EF4-FFF2-40B4-BE49-F238E27FC236}">
-                <a16:creationId xmlns:a16="http://schemas.microsoft.com/office/drawing/2014/main" id="{AD0A7C9C-CA2C-4B9B-A125-2D09D5573B44}"/>
-              </a:ext>
-            </a:extLst>
-          </p:cNvPr>
-          <p:cNvSpPr/>
-          <p:nvPr/>
-        </p:nvSpPr>
-        <p:spPr>
-          <a:xfrm>
-            <a:off x="1" y="6677247"/>
-            <a:ext cx="12191999" cy="190143"/>
-          </a:xfrm>
-          <a:prstGeom prst="rect">
-            <a:avLst/>
-          </a:prstGeom>
-          <a:solidFill>
-            <a:schemeClr val="bg1"/>
-          </a:solidFill>
-          <a:ln>
-            <a:noFill/>
-          </a:ln>
-        </p:spPr>
-        <p:style>
-          <a:lnRef idx="2">
-            <a:schemeClr val="accent1">
-              <a:shade val="50000"/>
-            </a:schemeClr>
-          </a:lnRef>
-          <a:fillRef idx="1">
-            <a:schemeClr val="accent1"/>
-          </a:fillRef>
-          <a:effectRef idx="0">
-            <a:schemeClr val="accent1"/>
-          </a:effectRef>
-          <a:fontRef idx="minor">
-            <a:schemeClr val="lt1"/>
-          </a:fontRef>
-        </p:style>
-        <p:txBody>
-          <a:bodyPr rtlCol="0" anchor="ctr"/>
-          <a:lstStyle/>
-          <a:p>
-            <a:pPr algn="ctr"/>
-            <a:endParaRPr lang="en-US">
-              <a:solidFill>
-                <a:srgbClr val="DB5B5C"/>
-              </a:solidFill>
-            </a:endParaRPr>
-          </a:p>
-        </p:txBody>
-      </p:sp>
-      <p:sp>
-        <p:nvSpPr>
-          <p:cNvPr id="16" name="Rectangle 15">
-            <a:extLst>
-              <a:ext uri="{FF2B5EF4-FFF2-40B4-BE49-F238E27FC236}">
-                <a16:creationId xmlns:a16="http://schemas.microsoft.com/office/drawing/2014/main" id="{74A085FC-1866-46D4-97F7-51AA45E48D4F}"/>
-              </a:ext>
-            </a:extLst>
-          </p:cNvPr>
-          <p:cNvSpPr/>
-          <p:nvPr/>
-        </p:nvSpPr>
-        <p:spPr>
-          <a:xfrm rot="4092292">
-            <a:off x="5790668" y="4094517"/>
-            <a:ext cx="5446699" cy="137038"/>
-          </a:xfrm>
-          <a:prstGeom prst="rect">
-            <a:avLst/>
-          </a:prstGeom>
-          <a:solidFill>
-            <a:schemeClr val="bg1"/>
-          </a:solidFill>
-          <a:ln>
-            <a:noFill/>
-          </a:ln>
-        </p:spPr>
-        <p:style>
-          <a:lnRef idx="2">
-            <a:schemeClr val="accent1">
-              <a:shade val="50000"/>
-            </a:schemeClr>
-          </a:lnRef>
-          <a:fillRef idx="1">
-            <a:schemeClr val="accent1"/>
-          </a:fillRef>
-          <a:effectRef idx="0">
-            <a:schemeClr val="accent1"/>
-          </a:effectRef>
-          <a:fontRef idx="minor">
-            <a:schemeClr val="lt1"/>
-          </a:fontRef>
-        </p:style>
-        <p:txBody>
-          <a:bodyPr rtlCol="0" anchor="ctr"/>
-          <a:lstStyle/>
-          <a:p>
-            <a:pPr algn="ctr"/>
-            <a:endParaRPr lang="en-US">
-              <a:solidFill>
-                <a:srgbClr val="DB5B5C"/>
-              </a:solidFill>
-            </a:endParaRPr>
-          </a:p>
-        </p:txBody>
-      </p:sp>
-    </p:spTree>
-    <p:extLst>
-      <p:ext uri="{BB962C8B-B14F-4D97-AF65-F5344CB8AC3E}">
-        <p14:creationId xmlns:p14="http://schemas.microsoft.com/office/powerpoint/2010/main" val="2318904332"/>
-      </p:ext>
-    </p:extLst>
-  </p:cSld>
-  <p:clrMapOvr>
-    <a:overrideClrMapping bg1="dk1" tx1="lt1" bg2="dk2" tx2="lt2" accent1="accent1" accent2="accent2" accent3="accent3" accent4="accent4" accent5="accent5" accent6="accent6" hlink="hlink" folHlink="folHlink"/>
-  </p:clrMapOvr>
-</p:sld>
-</file>
-
-<file path=ppt/slides/slide23.xml><?xml version="1.0" encoding="utf-8"?>
-<p:sld xmlns:a="http://schemas.openxmlformats.org/drawingml/2006/main" xmlns:r="http://schemas.openxmlformats.org/officeDocument/2006/relationships" xmlns:p="http://schemas.openxmlformats.org/presentationml/2006/main">
-  <p:cSld>
-    <p:bg>
-      <p:bgPr>
-        <a:solidFill>
-          <a:srgbClr val="395583"/>
-        </a:solidFill>
-        <a:effectLst/>
-      </p:bgPr>
-    </p:bg>
-    <p:spTree>
-      <p:nvGrpSpPr>
-        <p:cNvPr id="1" name=""/>
-        <p:cNvGrpSpPr/>
-        <p:nvPr/>
-      </p:nvGrpSpPr>
-      <p:grpSpPr>
-        <a:xfrm>
-          <a:off x="0" y="0"/>
-          <a:ext cx="0" cy="0"/>
-          <a:chOff x="0" y="0"/>
-          <a:chExt cx="0" cy="0"/>
-        </a:xfrm>
-      </p:grpSpPr>
-      <p:sp>
-        <p:nvSpPr>
-          <p:cNvPr id="25" name="Rectangle 24">
-            <a:extLst>
-              <a:ext uri="{FF2B5EF4-FFF2-40B4-BE49-F238E27FC236}">
-                <a16:creationId xmlns:a16="http://schemas.microsoft.com/office/drawing/2014/main" id="{A6792F05-2FD4-4F18-815E-15391E8B4A0E}"/>
-              </a:ext>
-              <a:ext uri="{C183D7F6-B498-43B3-948B-1728B52AA6E4}">
-                <adec:decorative xmlns:adec="http://schemas.microsoft.com/office/drawing/2017/decorative" val="1"/>
-              </a:ext>
-            </a:extLst>
-          </p:cNvPr>
-          <p:cNvSpPr>
-            <a:spLocks noGrp="1" noRot="1" noChangeAspect="1" noMove="1" noResize="1" noEditPoints="1" noAdjustHandles="1" noChangeArrowheads="1" noChangeShapeType="1" noTextEdit="1"/>
-          </p:cNvSpPr>
-          <p:nvPr>
-            <p:extLst>
-              <p:ext uri="{386F3935-93C4-4BCD-93E2-E3B085C9AB24}">
-                <p16:designElem xmlns:p16="http://schemas.microsoft.com/office/powerpoint/2015/main" val="1"/>
-              </p:ext>
-            </p:extLst>
-          </p:nvPr>
-        </p:nvSpPr>
-        <p:spPr>
-          <a:xfrm>
-            <a:off x="0" y="0"/>
-            <a:ext cx="12191999" cy="6858000"/>
-          </a:xfrm>
-          <a:prstGeom prst="rect">
-            <a:avLst/>
-          </a:prstGeom>
-          <a:solidFill>
-            <a:srgbClr val="395583"/>
-          </a:solidFill>
-          <a:ln>
-            <a:noFill/>
-          </a:ln>
-        </p:spPr>
-        <p:style>
-          <a:lnRef idx="2">
-            <a:schemeClr val="accent1">
-              <a:shade val="50000"/>
-            </a:schemeClr>
-          </a:lnRef>
-          <a:fillRef idx="1">
-            <a:schemeClr val="accent1"/>
-          </a:fillRef>
-          <a:effectRef idx="0">
-            <a:schemeClr val="accent1"/>
-          </a:effectRef>
-          <a:fontRef idx="minor">
-            <a:schemeClr val="lt1"/>
-          </a:fontRef>
-        </p:style>
-        <p:txBody>
-          <a:bodyPr rtlCol="0" anchor="ctr"/>
-          <a:lstStyle/>
-          <a:p>
-            <a:pPr algn="ctr"/>
-            <a:endParaRPr lang="en-US"/>
-          </a:p>
-        </p:txBody>
-      </p:sp>
-      <p:sp>
-        <p:nvSpPr>
-          <p:cNvPr id="2" name="Title 1">
-            <a:extLst>
-              <a:ext uri="{FF2B5EF4-FFF2-40B4-BE49-F238E27FC236}">
-                <a16:creationId xmlns:a16="http://schemas.microsoft.com/office/drawing/2014/main" id="{2589AFCC-0FF0-498C-B11F-8990DF0DAAA5}"/>
-              </a:ext>
-            </a:extLst>
-          </p:cNvPr>
-          <p:cNvSpPr>
-            <a:spLocks noGrp="1"/>
-          </p:cNvSpPr>
-          <p:nvPr>
-            <p:ph type="title"/>
-          </p:nvPr>
-        </p:nvSpPr>
-        <p:spPr>
-          <a:xfrm>
-            <a:off x="838200" y="365125"/>
-            <a:ext cx="10515600" cy="1325563"/>
-          </a:xfrm>
-        </p:spPr>
-        <p:txBody>
-          <a:bodyPr>
-            <a:normAutofit/>
-          </a:bodyPr>
-          <a:lstStyle/>
-          <a:p>
-            <a:r>
-              <a:rPr lang="en-US" b="1" dirty="0">
-                <a:latin typeface="Selawik Semibold" panose="020B0604020202020204" pitchFamily="34" charset="0"/>
-              </a:rPr>
-              <a:t>Analytics Across the Organizations</a:t>
-            </a:r>
-          </a:p>
-        </p:txBody>
-      </p:sp>
-      <p:sp>
-        <p:nvSpPr>
-          <p:cNvPr id="9" name="Content Placeholder 8">
-            <a:extLst>
-              <a:ext uri="{FF2B5EF4-FFF2-40B4-BE49-F238E27FC236}">
-                <a16:creationId xmlns:a16="http://schemas.microsoft.com/office/drawing/2014/main" id="{2D995594-59F2-4020-AB6F-751BAE84ADB3}"/>
-              </a:ext>
-            </a:extLst>
-          </p:cNvPr>
-          <p:cNvSpPr>
-            <a:spLocks noGrp="1"/>
-          </p:cNvSpPr>
-          <p:nvPr>
-            <p:ph idx="1"/>
-          </p:nvPr>
-        </p:nvSpPr>
-        <p:spPr>
-          <a:xfrm>
-            <a:off x="838199" y="2021249"/>
-            <a:ext cx="7653667" cy="4366104"/>
-          </a:xfrm>
-        </p:spPr>
-        <p:txBody>
-          <a:bodyPr>
-            <a:normAutofit/>
-          </a:bodyPr>
-          <a:lstStyle/>
-          <a:p>
-            <a:r>
-              <a:rPr lang="en-US" sz="2400" dirty="0">
-                <a:latin typeface="Selawik Semibold" panose="020B0702040204020203" pitchFamily="34" charset="0"/>
-              </a:rPr>
-              <a:t>Is Data Checked for Errors?</a:t>
-            </a:r>
-          </a:p>
-          <a:p>
-            <a:pPr lvl="1"/>
-            <a:r>
-              <a:rPr lang="en-US" sz="2000" dirty="0">
-                <a:latin typeface="Selawik Semibold" panose="020B0702040204020203" pitchFamily="34" charset="0"/>
-              </a:rPr>
-              <a:t>Always (31.3%)</a:t>
-            </a:r>
-          </a:p>
-          <a:p>
-            <a:pPr lvl="1"/>
-            <a:r>
-              <a:rPr lang="en-US" sz="2000" dirty="0">
-                <a:latin typeface="Selawik Semibold" panose="020B0702040204020203" pitchFamily="34" charset="0"/>
-              </a:rPr>
-              <a:t>Usually (37.5%)</a:t>
-            </a:r>
-          </a:p>
-          <a:p>
-            <a:pPr lvl="1"/>
-            <a:r>
-              <a:rPr lang="en-US" sz="2000" dirty="0">
-                <a:latin typeface="Selawik Semibold" panose="020B0702040204020203" pitchFamily="34" charset="0"/>
-              </a:rPr>
-              <a:t>Sometimes (18.8%)</a:t>
-            </a:r>
-          </a:p>
-          <a:p>
-            <a:pPr lvl="1"/>
-            <a:r>
-              <a:rPr lang="en-US" sz="2000" dirty="0">
-                <a:latin typeface="Selawik Semibold" panose="020B0702040204020203" pitchFamily="34" charset="0"/>
-              </a:rPr>
-              <a:t>Occasionally (6.1%)</a:t>
-            </a:r>
-          </a:p>
-          <a:p>
-            <a:pPr lvl="1"/>
-            <a:r>
-              <a:rPr lang="en-US" sz="2000" dirty="0">
-                <a:latin typeface="Selawik Semibold" panose="020B0702040204020203" pitchFamily="34" charset="0"/>
-              </a:rPr>
-              <a:t>Rarely (6.3%)</a:t>
-            </a:r>
-          </a:p>
-          <a:p>
-            <a:pPr lvl="1"/>
-            <a:endParaRPr lang="en-US" sz="2000" dirty="0">
-              <a:latin typeface="Selawik Semibold" panose="020B0702040204020203" pitchFamily="34" charset="0"/>
-            </a:endParaRPr>
-          </a:p>
-          <a:p>
-            <a:r>
-              <a:rPr lang="en-US" sz="2400" dirty="0">
-                <a:latin typeface="Selawik Semibold" panose="020B0702040204020203" pitchFamily="34" charset="0"/>
-              </a:rPr>
-              <a:t>How Many Database Programmers are Employed?</a:t>
-            </a:r>
-          </a:p>
-          <a:p>
-            <a:pPr lvl="1"/>
-            <a:r>
-              <a:rPr lang="en-US" sz="2000" dirty="0">
-                <a:latin typeface="Selawik Semibold" panose="020B0702040204020203" pitchFamily="34" charset="0"/>
-              </a:rPr>
-              <a:t>0 (37.5%)</a:t>
-            </a:r>
-          </a:p>
-          <a:p>
-            <a:pPr lvl="1"/>
-            <a:r>
-              <a:rPr lang="en-US" sz="2000" dirty="0">
-                <a:latin typeface="Selawik Semibold" panose="020B0702040204020203" pitchFamily="34" charset="0"/>
-              </a:rPr>
-              <a:t>1-2 (50.0%)</a:t>
-            </a:r>
-          </a:p>
-          <a:p>
-            <a:pPr lvl="1"/>
-            <a:r>
-              <a:rPr lang="en-US" sz="2000" dirty="0">
-                <a:latin typeface="Selawik Semibold" panose="020B0702040204020203" pitchFamily="34" charset="0"/>
-              </a:rPr>
-              <a:t>3-4 (0.0%)</a:t>
-            </a:r>
-          </a:p>
-          <a:p>
-            <a:pPr lvl="1"/>
-            <a:r>
-              <a:rPr lang="en-US" sz="2000" dirty="0">
-                <a:latin typeface="Selawik Semibold" panose="020B0702040204020203" pitchFamily="34" charset="0"/>
-              </a:rPr>
-              <a:t>&gt;5 (12.5%)</a:t>
-            </a:r>
-          </a:p>
-        </p:txBody>
-      </p:sp>
-      <p:pic>
-        <p:nvPicPr>
-          <p:cNvPr id="4" name="Picture 3" descr="A drawing of a cartoon character&#10;&#10;Description automatically generated">
-            <a:extLst>
-              <a:ext uri="{FF2B5EF4-FFF2-40B4-BE49-F238E27FC236}">
-                <a16:creationId xmlns:a16="http://schemas.microsoft.com/office/drawing/2014/main" id="{A7FDC859-D890-4904-9C64-27F43DA90453}"/>
-              </a:ext>
-            </a:extLst>
-          </p:cNvPr>
-          <p:cNvPicPr>
-            <a:picLocks noChangeAspect="1"/>
-          </p:cNvPicPr>
-          <p:nvPr/>
-        </p:nvPicPr>
-        <p:blipFill rotWithShape="1">
-          <a:blip r:embed="rId2">
-            <a:extLst>
-              <a:ext uri="{28A0092B-C50C-407E-A947-70E740481C1C}">
-                <a14:useLocalDpi xmlns:a14="http://schemas.microsoft.com/office/drawing/2010/main" val="0"/>
-              </a:ext>
-            </a:extLst>
-          </a:blip>
-          <a:srcRect t="5616" r="2" b="2"/>
-          <a:stretch/>
-        </p:blipFill>
-        <p:spPr>
-          <a:xfrm>
-            <a:off x="7471144" y="1700078"/>
-            <a:ext cx="4720855" cy="2583792"/>
-          </a:xfrm>
-          <a:custGeom>
-            <a:avLst/>
-            <a:gdLst>
-              <a:gd name="connsiteX0" fmla="*/ 0 w 5475077"/>
-              <a:gd name="connsiteY0" fmla="*/ 0 h 2583792"/>
-              <a:gd name="connsiteX1" fmla="*/ 5475077 w 5475077"/>
-              <a:gd name="connsiteY1" fmla="*/ 0 h 2583792"/>
-              <a:gd name="connsiteX2" fmla="*/ 5475077 w 5475077"/>
-              <a:gd name="connsiteY2" fmla="*/ 2583792 h 2583792"/>
-              <a:gd name="connsiteX3" fmla="*/ 1197192 w 5475077"/>
-              <a:gd name="connsiteY3" fmla="*/ 2583792 h 2583792"/>
-            </a:gdLst>
-            <a:ahLst/>
-            <a:cxnLst>
-              <a:cxn ang="0">
-                <a:pos x="connsiteX0" y="connsiteY0"/>
-              </a:cxn>
-              <a:cxn ang="0">
-                <a:pos x="connsiteX1" y="connsiteY1"/>
-              </a:cxn>
-              <a:cxn ang="0">
-                <a:pos x="connsiteX2" y="connsiteY2"/>
-              </a:cxn>
-              <a:cxn ang="0">
-                <a:pos x="connsiteX3" y="connsiteY3"/>
-              </a:cxn>
-            </a:cxnLst>
-            <a:rect l="l" t="t" r="r" b="b"/>
-            <a:pathLst>
-              <a:path w="5475077" h="2583792">
-                <a:moveTo>
-                  <a:pt x="0" y="0"/>
-                </a:moveTo>
-                <a:lnTo>
-                  <a:pt x="5475077" y="0"/>
-                </a:lnTo>
-                <a:lnTo>
-                  <a:pt x="5475077" y="2583792"/>
-                </a:lnTo>
-                <a:lnTo>
-                  <a:pt x="1197192" y="2583792"/>
-                </a:lnTo>
-                <a:close/>
-              </a:path>
-            </a:pathLst>
-          </a:custGeom>
-        </p:spPr>
-      </p:pic>
-      <p:pic>
-        <p:nvPicPr>
-          <p:cNvPr id="5" name="Content Placeholder 4" descr="A picture containing indoor&#10;&#10;Description automatically generated">
-            <a:extLst>
-              <a:ext uri="{FF2B5EF4-FFF2-40B4-BE49-F238E27FC236}">
-                <a16:creationId xmlns:a16="http://schemas.microsoft.com/office/drawing/2014/main" id="{A58F0E55-21F3-485B-A07F-1CE74177BDD2}"/>
-              </a:ext>
-            </a:extLst>
-          </p:cNvPr>
-          <p:cNvPicPr>
-            <a:picLocks noChangeAspect="1"/>
-          </p:cNvPicPr>
-          <p:nvPr/>
-        </p:nvPicPr>
-        <p:blipFill rotWithShape="1">
-          <a:blip r:embed="rId3">
-            <a:extLst>
-              <a:ext uri="{28A0092B-C50C-407E-A947-70E740481C1C}">
-                <a14:useLocalDpi xmlns:a14="http://schemas.microsoft.com/office/drawing/2010/main" val="0"/>
-              </a:ext>
-            </a:extLst>
-          </a:blip>
-          <a:srcRect t="5300" r="3" b="6859"/>
-          <a:stretch/>
-        </p:blipFill>
-        <p:spPr>
-          <a:xfrm>
-            <a:off x="8491869" y="4283870"/>
-            <a:ext cx="3700129" cy="2583520"/>
-          </a:xfrm>
-          <a:custGeom>
-            <a:avLst/>
-            <a:gdLst>
-              <a:gd name="connsiteX0" fmla="*/ 0 w 4277884"/>
-              <a:gd name="connsiteY0" fmla="*/ 0 h 2583520"/>
-              <a:gd name="connsiteX1" fmla="*/ 4277884 w 4277884"/>
-              <a:gd name="connsiteY1" fmla="*/ 0 h 2583520"/>
-              <a:gd name="connsiteX2" fmla="*/ 4277884 w 4277884"/>
-              <a:gd name="connsiteY2" fmla="*/ 2583520 h 2583520"/>
-              <a:gd name="connsiteX3" fmla="*/ 1192437 w 4277884"/>
-              <a:gd name="connsiteY3" fmla="*/ 2583520 h 2583520"/>
-              <a:gd name="connsiteX4" fmla="*/ 1188085 w 4277884"/>
-              <a:gd name="connsiteY4" fmla="*/ 2574129 h 2583520"/>
-              <a:gd name="connsiteX5" fmla="*/ 1192715 w 4277884"/>
-              <a:gd name="connsiteY5" fmla="*/ 2574129 h 2583520"/>
-            </a:gdLst>
-            <a:ahLst/>
-            <a:cxnLst>
-              <a:cxn ang="0">
-                <a:pos x="connsiteX0" y="connsiteY0"/>
-              </a:cxn>
-              <a:cxn ang="0">
-                <a:pos x="connsiteX1" y="connsiteY1"/>
-              </a:cxn>
-              <a:cxn ang="0">
-                <a:pos x="connsiteX2" y="connsiteY2"/>
-              </a:cxn>
-              <a:cxn ang="0">
-                <a:pos x="connsiteX3" y="connsiteY3"/>
-              </a:cxn>
-              <a:cxn ang="0">
-                <a:pos x="connsiteX4" y="connsiteY4"/>
-              </a:cxn>
-              <a:cxn ang="0">
-                <a:pos x="connsiteX5" y="connsiteY5"/>
-              </a:cxn>
-            </a:cxnLst>
-            <a:rect l="l" t="t" r="r" b="b"/>
-            <a:pathLst>
-              <a:path w="4277884" h="2583520">
-                <a:moveTo>
-                  <a:pt x="0" y="0"/>
-                </a:moveTo>
-                <a:lnTo>
-                  <a:pt x="4277884" y="0"/>
-                </a:lnTo>
-                <a:lnTo>
-                  <a:pt x="4277884" y="2583520"/>
-                </a:lnTo>
-                <a:lnTo>
-                  <a:pt x="1192437" y="2583520"/>
-                </a:lnTo>
-                <a:lnTo>
-                  <a:pt x="1188085" y="2574129"/>
-                </a:lnTo>
-                <a:lnTo>
-                  <a:pt x="1192715" y="2574129"/>
-                </a:lnTo>
-                <a:close/>
-              </a:path>
-            </a:pathLst>
-          </a:custGeom>
-        </p:spPr>
-      </p:pic>
-      <p:sp>
-        <p:nvSpPr>
-          <p:cNvPr id="6" name="Rectangle 5">
-            <a:extLst>
-              <a:ext uri="{FF2B5EF4-FFF2-40B4-BE49-F238E27FC236}">
-                <a16:creationId xmlns:a16="http://schemas.microsoft.com/office/drawing/2014/main" id="{A2901312-C3C2-4CEC-80EF-823AB4FBB726}"/>
-              </a:ext>
-            </a:extLst>
-          </p:cNvPr>
-          <p:cNvSpPr/>
-          <p:nvPr/>
-        </p:nvSpPr>
-        <p:spPr>
-          <a:xfrm>
-            <a:off x="-1" y="1608918"/>
-            <a:ext cx="12191999" cy="91160"/>
-          </a:xfrm>
-          <a:prstGeom prst="rect">
-            <a:avLst/>
-          </a:prstGeom>
-          <a:solidFill>
-            <a:schemeClr val="bg1"/>
-          </a:solidFill>
-          <a:ln>
-            <a:noFill/>
-          </a:ln>
-        </p:spPr>
-        <p:style>
-          <a:lnRef idx="2">
-            <a:schemeClr val="accent1">
-              <a:shade val="50000"/>
-            </a:schemeClr>
-          </a:lnRef>
-          <a:fillRef idx="1">
-            <a:schemeClr val="accent1"/>
-          </a:fillRef>
-          <a:effectRef idx="0">
-            <a:schemeClr val="accent1"/>
-          </a:effectRef>
-          <a:fontRef idx="minor">
-            <a:schemeClr val="lt1"/>
-          </a:fontRef>
-        </p:style>
-        <p:txBody>
-          <a:bodyPr rtlCol="0" anchor="ctr"/>
-          <a:lstStyle/>
-          <a:p>
-            <a:pPr algn="ctr"/>
-            <a:endParaRPr lang="en-US">
-              <a:solidFill>
-                <a:srgbClr val="DB5B5C"/>
-              </a:solidFill>
-            </a:endParaRPr>
-          </a:p>
-        </p:txBody>
-      </p:sp>
-      <p:sp>
-        <p:nvSpPr>
-          <p:cNvPr id="15" name="Rectangle 14">
-            <a:extLst>
-              <a:ext uri="{FF2B5EF4-FFF2-40B4-BE49-F238E27FC236}">
-                <a16:creationId xmlns:a16="http://schemas.microsoft.com/office/drawing/2014/main" id="{AD0A7C9C-CA2C-4B9B-A125-2D09D5573B44}"/>
-              </a:ext>
-            </a:extLst>
-          </p:cNvPr>
-          <p:cNvSpPr/>
-          <p:nvPr/>
-        </p:nvSpPr>
-        <p:spPr>
-          <a:xfrm>
-            <a:off x="1" y="6677247"/>
-            <a:ext cx="12191999" cy="190143"/>
-          </a:xfrm>
-          <a:prstGeom prst="rect">
-            <a:avLst/>
-          </a:prstGeom>
-          <a:solidFill>
-            <a:schemeClr val="bg1"/>
-          </a:solidFill>
-          <a:ln>
-            <a:noFill/>
-          </a:ln>
-        </p:spPr>
-        <p:style>
-          <a:lnRef idx="2">
-            <a:schemeClr val="accent1">
-              <a:shade val="50000"/>
-            </a:schemeClr>
-          </a:lnRef>
-          <a:fillRef idx="1">
-            <a:schemeClr val="accent1"/>
-          </a:fillRef>
-          <a:effectRef idx="0">
-            <a:schemeClr val="accent1"/>
-          </a:effectRef>
-          <a:fontRef idx="minor">
-            <a:schemeClr val="lt1"/>
-          </a:fontRef>
-        </p:style>
-        <p:txBody>
-          <a:bodyPr rtlCol="0" anchor="ctr"/>
-          <a:lstStyle/>
-          <a:p>
-            <a:pPr algn="ctr"/>
-            <a:endParaRPr lang="en-US">
-              <a:solidFill>
-                <a:srgbClr val="DB5B5C"/>
-              </a:solidFill>
-            </a:endParaRPr>
-          </a:p>
-        </p:txBody>
-      </p:sp>
-      <p:sp>
-        <p:nvSpPr>
-          <p:cNvPr id="16" name="Rectangle 15">
-            <a:extLst>
-              <a:ext uri="{FF2B5EF4-FFF2-40B4-BE49-F238E27FC236}">
-                <a16:creationId xmlns:a16="http://schemas.microsoft.com/office/drawing/2014/main" id="{74A085FC-1866-46D4-97F7-51AA45E48D4F}"/>
-              </a:ext>
-            </a:extLst>
-          </p:cNvPr>
-          <p:cNvSpPr/>
-          <p:nvPr/>
-        </p:nvSpPr>
-        <p:spPr>
-          <a:xfrm rot="4092292">
-            <a:off x="5790668" y="4094517"/>
-            <a:ext cx="5446699" cy="137038"/>
-          </a:xfrm>
-          <a:prstGeom prst="rect">
-            <a:avLst/>
-          </a:prstGeom>
-          <a:solidFill>
-            <a:schemeClr val="bg1"/>
-          </a:solidFill>
-          <a:ln>
-            <a:noFill/>
-          </a:ln>
-        </p:spPr>
-        <p:style>
-          <a:lnRef idx="2">
-            <a:schemeClr val="accent1">
-              <a:shade val="50000"/>
-            </a:schemeClr>
-          </a:lnRef>
-          <a:fillRef idx="1">
-            <a:schemeClr val="accent1"/>
-          </a:fillRef>
-          <a:effectRef idx="0">
-            <a:schemeClr val="accent1"/>
-          </a:effectRef>
-          <a:fontRef idx="minor">
-            <a:schemeClr val="lt1"/>
-          </a:fontRef>
-        </p:style>
-        <p:txBody>
-          <a:bodyPr rtlCol="0" anchor="ctr"/>
-          <a:lstStyle/>
-          <a:p>
-            <a:pPr algn="ctr"/>
-            <a:endParaRPr lang="en-US">
-              <a:solidFill>
-                <a:srgbClr val="DB5B5C"/>
-              </a:solidFill>
-            </a:endParaRPr>
-          </a:p>
-        </p:txBody>
-      </p:sp>
-    </p:spTree>
-    <p:extLst>
-      <p:ext uri="{BB962C8B-B14F-4D97-AF65-F5344CB8AC3E}">
-        <p14:creationId xmlns:p14="http://schemas.microsoft.com/office/powerpoint/2010/main" val="844394623"/>
-      </p:ext>
-    </p:extLst>
-  </p:cSld>
-  <p:clrMapOvr>
-    <a:overrideClrMapping bg1="dk1" tx1="lt1" bg2="dk2" tx2="lt2" accent1="accent1" accent2="accent2" accent3="accent3" accent4="accent4" accent5="accent5" accent6="accent6" hlink="hlink" folHlink="folHlink"/>
-  </p:clrMapOvr>
-</p:sld>
-</file>
-
-<file path=ppt/slides/slide24.xml><?xml version="1.0" encoding="utf-8"?>
-<p:sld xmlns:a="http://schemas.openxmlformats.org/drawingml/2006/main" xmlns:r="http://schemas.openxmlformats.org/officeDocument/2006/relationships" xmlns:p="http://schemas.openxmlformats.org/presentationml/2006/main">
-  <p:cSld>
-    <p:bg>
-      <p:bgPr>
-        <a:solidFill>
-          <a:srgbClr val="395583"/>
-        </a:solidFill>
-        <a:effectLst/>
-      </p:bgPr>
-    </p:bg>
-    <p:spTree>
-      <p:nvGrpSpPr>
-        <p:cNvPr id="1" name=""/>
-        <p:cNvGrpSpPr/>
-        <p:nvPr/>
-      </p:nvGrpSpPr>
-      <p:grpSpPr>
-        <a:xfrm>
-          <a:off x="0" y="0"/>
-          <a:ext cx="0" cy="0"/>
-          <a:chOff x="0" y="0"/>
-          <a:chExt cx="0" cy="0"/>
-        </a:xfrm>
-      </p:grpSpPr>
-      <p:sp>
-        <p:nvSpPr>
-          <p:cNvPr id="25" name="Rectangle 24">
-            <a:extLst>
-              <a:ext uri="{FF2B5EF4-FFF2-40B4-BE49-F238E27FC236}">
-                <a16:creationId xmlns:a16="http://schemas.microsoft.com/office/drawing/2014/main" id="{A6792F05-2FD4-4F18-815E-15391E8B4A0E}"/>
-              </a:ext>
-              <a:ext uri="{C183D7F6-B498-43B3-948B-1728B52AA6E4}">
-                <adec:decorative xmlns:adec="http://schemas.microsoft.com/office/drawing/2017/decorative" val="1"/>
-              </a:ext>
-            </a:extLst>
-          </p:cNvPr>
-          <p:cNvSpPr>
-            <a:spLocks noGrp="1" noRot="1" noChangeAspect="1" noMove="1" noResize="1" noEditPoints="1" noAdjustHandles="1" noChangeArrowheads="1" noChangeShapeType="1" noTextEdit="1"/>
-          </p:cNvSpPr>
-          <p:nvPr>
-            <p:extLst>
-              <p:ext uri="{386F3935-93C4-4BCD-93E2-E3B085C9AB24}">
-                <p16:designElem xmlns:p16="http://schemas.microsoft.com/office/powerpoint/2015/main" val="1"/>
-              </p:ext>
-            </p:extLst>
-          </p:nvPr>
-        </p:nvSpPr>
-        <p:spPr>
-          <a:xfrm>
-            <a:off x="0" y="0"/>
-            <a:ext cx="12191999" cy="6858000"/>
-          </a:xfrm>
-          <a:prstGeom prst="rect">
-            <a:avLst/>
-          </a:prstGeom>
-          <a:solidFill>
-            <a:srgbClr val="395583"/>
-          </a:solidFill>
-          <a:ln>
-            <a:noFill/>
-          </a:ln>
-        </p:spPr>
-        <p:style>
-          <a:lnRef idx="2">
-            <a:schemeClr val="accent1">
-              <a:shade val="50000"/>
-            </a:schemeClr>
-          </a:lnRef>
-          <a:fillRef idx="1">
-            <a:schemeClr val="accent1"/>
-          </a:fillRef>
-          <a:effectRef idx="0">
-            <a:schemeClr val="accent1"/>
-          </a:effectRef>
-          <a:fontRef idx="minor">
-            <a:schemeClr val="lt1"/>
-          </a:fontRef>
-        </p:style>
-        <p:txBody>
-          <a:bodyPr rtlCol="0" anchor="ctr"/>
-          <a:lstStyle/>
-          <a:p>
-            <a:pPr algn="ctr"/>
-            <a:endParaRPr lang="en-US"/>
-          </a:p>
-        </p:txBody>
-      </p:sp>
-      <p:sp>
-        <p:nvSpPr>
-          <p:cNvPr id="2" name="Title 1">
-            <a:extLst>
-              <a:ext uri="{FF2B5EF4-FFF2-40B4-BE49-F238E27FC236}">
-                <a16:creationId xmlns:a16="http://schemas.microsoft.com/office/drawing/2014/main" id="{2589AFCC-0FF0-498C-B11F-8990DF0DAAA5}"/>
-              </a:ext>
-            </a:extLst>
-          </p:cNvPr>
-          <p:cNvSpPr>
-            <a:spLocks noGrp="1"/>
-          </p:cNvSpPr>
-          <p:nvPr>
-            <p:ph type="title"/>
-          </p:nvPr>
-        </p:nvSpPr>
-        <p:spPr>
-          <a:xfrm>
-            <a:off x="838200" y="365125"/>
-            <a:ext cx="10515600" cy="1325563"/>
-          </a:xfrm>
-        </p:spPr>
-        <p:txBody>
-          <a:bodyPr>
-            <a:normAutofit/>
-          </a:bodyPr>
-          <a:lstStyle/>
-          <a:p>
-            <a:r>
-              <a:rPr lang="en-US" b="1" dirty="0">
-                <a:latin typeface="Selawik Semibold" panose="020B0604020202020204" pitchFamily="34" charset="0"/>
-              </a:rPr>
-              <a:t>Analytics Across the Organizations</a:t>
-            </a:r>
-          </a:p>
-        </p:txBody>
-      </p:sp>
-      <p:sp>
-        <p:nvSpPr>
-          <p:cNvPr id="9" name="Content Placeholder 8">
-            <a:extLst>
-              <a:ext uri="{FF2B5EF4-FFF2-40B4-BE49-F238E27FC236}">
-                <a16:creationId xmlns:a16="http://schemas.microsoft.com/office/drawing/2014/main" id="{2D995594-59F2-4020-AB6F-751BAE84ADB3}"/>
-              </a:ext>
-            </a:extLst>
-          </p:cNvPr>
-          <p:cNvSpPr>
-            <a:spLocks noGrp="1"/>
-          </p:cNvSpPr>
-          <p:nvPr>
-            <p:ph idx="1"/>
-          </p:nvPr>
-        </p:nvSpPr>
-        <p:spPr>
-          <a:xfrm>
-            <a:off x="838199" y="2021249"/>
-            <a:ext cx="7653667" cy="4366104"/>
-          </a:xfrm>
-        </p:spPr>
-        <p:txBody>
-          <a:bodyPr>
-            <a:normAutofit/>
-          </a:bodyPr>
-          <a:lstStyle/>
-          <a:p>
-            <a:r>
-              <a:rPr lang="en-US" sz="2400" dirty="0">
-                <a:latin typeface="Selawik Semibold" panose="020B0702040204020203" pitchFamily="34" charset="0"/>
-              </a:rPr>
-              <a:t>How Many Statistical Analysts are Employed?</a:t>
-            </a:r>
-          </a:p>
-          <a:p>
-            <a:pPr lvl="1"/>
-            <a:r>
-              <a:rPr lang="en-US" sz="2000" dirty="0">
-                <a:latin typeface="Selawik Semibold" panose="020B0702040204020203" pitchFamily="34" charset="0"/>
-              </a:rPr>
-              <a:t>0 (20.0%)</a:t>
-            </a:r>
-          </a:p>
-          <a:p>
-            <a:pPr lvl="1"/>
-            <a:r>
-              <a:rPr lang="en-US" sz="2000" dirty="0">
-                <a:latin typeface="Selawik Semibold" panose="020B0702040204020203" pitchFamily="34" charset="0"/>
-              </a:rPr>
-              <a:t>1-2 (66.6%)</a:t>
-            </a:r>
-          </a:p>
-          <a:p>
-            <a:pPr lvl="1"/>
-            <a:r>
-              <a:rPr lang="en-US" sz="2000" dirty="0">
-                <a:latin typeface="Selawik Semibold" panose="020B0702040204020203" pitchFamily="34" charset="0"/>
-              </a:rPr>
-              <a:t>3-4 (0.0%)</a:t>
-            </a:r>
-          </a:p>
-          <a:p>
-            <a:pPr lvl="1"/>
-            <a:r>
-              <a:rPr lang="en-US" sz="2000" dirty="0">
-                <a:latin typeface="Selawik Semibold" panose="020B0702040204020203" pitchFamily="34" charset="0"/>
-              </a:rPr>
-              <a:t>&gt;5 (13.3%)</a:t>
-            </a:r>
-          </a:p>
-          <a:p>
-            <a:pPr lvl="1"/>
-            <a:endParaRPr lang="en-US" sz="2000" dirty="0">
-              <a:latin typeface="Selawik Semibold" panose="020B0702040204020203" pitchFamily="34" charset="0"/>
-            </a:endParaRPr>
-          </a:p>
-          <a:p>
-            <a:r>
-              <a:rPr lang="en-US" sz="2400" dirty="0">
-                <a:latin typeface="Selawik Semibold" panose="020B0702040204020203" pitchFamily="34" charset="0"/>
-              </a:rPr>
-              <a:t>Roadblock: Difficulty Identifying Strong Applicant</a:t>
-            </a:r>
-          </a:p>
-          <a:p>
-            <a:endParaRPr lang="en-US" sz="2400" dirty="0">
-              <a:latin typeface="Selawik Semibold" panose="020B0702040204020203" pitchFamily="34" charset="0"/>
-            </a:endParaRPr>
-          </a:p>
-          <a:p>
-            <a:r>
-              <a:rPr lang="en-US" sz="2400" dirty="0">
-                <a:latin typeface="Selawik Semibold" panose="020B0702040204020203" pitchFamily="34" charset="0"/>
-              </a:rPr>
-              <a:t>Difficulty in Both Hiring and Evaluating</a:t>
-            </a:r>
-          </a:p>
-          <a:p>
-            <a:endParaRPr lang="en-US" sz="2400" dirty="0">
-              <a:latin typeface="Selawik Semibold" panose="020B0702040204020203" pitchFamily="34" charset="0"/>
-            </a:endParaRPr>
-          </a:p>
-        </p:txBody>
-      </p:sp>
-      <p:pic>
-        <p:nvPicPr>
-          <p:cNvPr id="4" name="Picture 3" descr="A drawing of a cartoon character&#10;&#10;Description automatically generated">
-            <a:extLst>
-              <a:ext uri="{FF2B5EF4-FFF2-40B4-BE49-F238E27FC236}">
-                <a16:creationId xmlns:a16="http://schemas.microsoft.com/office/drawing/2014/main" id="{A7FDC859-D890-4904-9C64-27F43DA90453}"/>
-              </a:ext>
-            </a:extLst>
-          </p:cNvPr>
-          <p:cNvPicPr>
-            <a:picLocks noChangeAspect="1"/>
-          </p:cNvPicPr>
-          <p:nvPr/>
-        </p:nvPicPr>
-        <p:blipFill rotWithShape="1">
-          <a:blip r:embed="rId2">
-            <a:extLst>
-              <a:ext uri="{28A0092B-C50C-407E-A947-70E740481C1C}">
-                <a14:useLocalDpi xmlns:a14="http://schemas.microsoft.com/office/drawing/2010/main" val="0"/>
-              </a:ext>
-            </a:extLst>
-          </a:blip>
-          <a:srcRect t="5616" r="2" b="2"/>
-          <a:stretch/>
-        </p:blipFill>
-        <p:spPr>
-          <a:xfrm>
-            <a:off x="7471144" y="1700078"/>
-            <a:ext cx="4720855" cy="2583792"/>
-          </a:xfrm>
-          <a:custGeom>
-            <a:avLst/>
-            <a:gdLst>
-              <a:gd name="connsiteX0" fmla="*/ 0 w 5475077"/>
-              <a:gd name="connsiteY0" fmla="*/ 0 h 2583792"/>
-              <a:gd name="connsiteX1" fmla="*/ 5475077 w 5475077"/>
-              <a:gd name="connsiteY1" fmla="*/ 0 h 2583792"/>
-              <a:gd name="connsiteX2" fmla="*/ 5475077 w 5475077"/>
-              <a:gd name="connsiteY2" fmla="*/ 2583792 h 2583792"/>
-              <a:gd name="connsiteX3" fmla="*/ 1197192 w 5475077"/>
-              <a:gd name="connsiteY3" fmla="*/ 2583792 h 2583792"/>
-            </a:gdLst>
-            <a:ahLst/>
-            <a:cxnLst>
-              <a:cxn ang="0">
-                <a:pos x="connsiteX0" y="connsiteY0"/>
-              </a:cxn>
-              <a:cxn ang="0">
-                <a:pos x="connsiteX1" y="connsiteY1"/>
-              </a:cxn>
-              <a:cxn ang="0">
-                <a:pos x="connsiteX2" y="connsiteY2"/>
-              </a:cxn>
-              <a:cxn ang="0">
-                <a:pos x="connsiteX3" y="connsiteY3"/>
-              </a:cxn>
-            </a:cxnLst>
-            <a:rect l="l" t="t" r="r" b="b"/>
-            <a:pathLst>
-              <a:path w="5475077" h="2583792">
-                <a:moveTo>
-                  <a:pt x="0" y="0"/>
-                </a:moveTo>
-                <a:lnTo>
-                  <a:pt x="5475077" y="0"/>
-                </a:lnTo>
-                <a:lnTo>
-                  <a:pt x="5475077" y="2583792"/>
-                </a:lnTo>
-                <a:lnTo>
-                  <a:pt x="1197192" y="2583792"/>
-                </a:lnTo>
-                <a:close/>
-              </a:path>
-            </a:pathLst>
-          </a:custGeom>
-        </p:spPr>
-      </p:pic>
-      <p:pic>
-        <p:nvPicPr>
-          <p:cNvPr id="5" name="Content Placeholder 4" descr="A picture containing indoor&#10;&#10;Description automatically generated">
-            <a:extLst>
-              <a:ext uri="{FF2B5EF4-FFF2-40B4-BE49-F238E27FC236}">
-                <a16:creationId xmlns:a16="http://schemas.microsoft.com/office/drawing/2014/main" id="{A58F0E55-21F3-485B-A07F-1CE74177BDD2}"/>
-              </a:ext>
-            </a:extLst>
-          </p:cNvPr>
-          <p:cNvPicPr>
-            <a:picLocks noChangeAspect="1"/>
-          </p:cNvPicPr>
-          <p:nvPr/>
-        </p:nvPicPr>
-        <p:blipFill rotWithShape="1">
-          <a:blip r:embed="rId3">
-            <a:extLst>
-              <a:ext uri="{28A0092B-C50C-407E-A947-70E740481C1C}">
-                <a14:useLocalDpi xmlns:a14="http://schemas.microsoft.com/office/drawing/2010/main" val="0"/>
-              </a:ext>
-            </a:extLst>
-          </a:blip>
-          <a:srcRect t="5300" r="3" b="6859"/>
-          <a:stretch/>
-        </p:blipFill>
-        <p:spPr>
-          <a:xfrm>
-            <a:off x="8491869" y="4283870"/>
-            <a:ext cx="3700129" cy="2583520"/>
-          </a:xfrm>
-          <a:custGeom>
-            <a:avLst/>
-            <a:gdLst>
-              <a:gd name="connsiteX0" fmla="*/ 0 w 4277884"/>
-              <a:gd name="connsiteY0" fmla="*/ 0 h 2583520"/>
-              <a:gd name="connsiteX1" fmla="*/ 4277884 w 4277884"/>
-              <a:gd name="connsiteY1" fmla="*/ 0 h 2583520"/>
-              <a:gd name="connsiteX2" fmla="*/ 4277884 w 4277884"/>
-              <a:gd name="connsiteY2" fmla="*/ 2583520 h 2583520"/>
-              <a:gd name="connsiteX3" fmla="*/ 1192437 w 4277884"/>
-              <a:gd name="connsiteY3" fmla="*/ 2583520 h 2583520"/>
-              <a:gd name="connsiteX4" fmla="*/ 1188085 w 4277884"/>
-              <a:gd name="connsiteY4" fmla="*/ 2574129 h 2583520"/>
-              <a:gd name="connsiteX5" fmla="*/ 1192715 w 4277884"/>
-              <a:gd name="connsiteY5" fmla="*/ 2574129 h 2583520"/>
-            </a:gdLst>
-            <a:ahLst/>
-            <a:cxnLst>
-              <a:cxn ang="0">
-                <a:pos x="connsiteX0" y="connsiteY0"/>
-              </a:cxn>
-              <a:cxn ang="0">
-                <a:pos x="connsiteX1" y="connsiteY1"/>
-              </a:cxn>
-              <a:cxn ang="0">
-                <a:pos x="connsiteX2" y="connsiteY2"/>
-              </a:cxn>
-              <a:cxn ang="0">
-                <a:pos x="connsiteX3" y="connsiteY3"/>
-              </a:cxn>
-              <a:cxn ang="0">
-                <a:pos x="connsiteX4" y="connsiteY4"/>
-              </a:cxn>
-              <a:cxn ang="0">
-                <a:pos x="connsiteX5" y="connsiteY5"/>
-              </a:cxn>
-            </a:cxnLst>
-            <a:rect l="l" t="t" r="r" b="b"/>
-            <a:pathLst>
-              <a:path w="4277884" h="2583520">
-                <a:moveTo>
-                  <a:pt x="0" y="0"/>
-                </a:moveTo>
-                <a:lnTo>
-                  <a:pt x="4277884" y="0"/>
-                </a:lnTo>
-                <a:lnTo>
-                  <a:pt x="4277884" y="2583520"/>
-                </a:lnTo>
-                <a:lnTo>
-                  <a:pt x="1192437" y="2583520"/>
-                </a:lnTo>
-                <a:lnTo>
-                  <a:pt x="1188085" y="2574129"/>
-                </a:lnTo>
-                <a:lnTo>
-                  <a:pt x="1192715" y="2574129"/>
-                </a:lnTo>
-                <a:close/>
-              </a:path>
-            </a:pathLst>
-          </a:custGeom>
-        </p:spPr>
-      </p:pic>
-      <p:sp>
-        <p:nvSpPr>
-          <p:cNvPr id="6" name="Rectangle 5">
-            <a:extLst>
-              <a:ext uri="{FF2B5EF4-FFF2-40B4-BE49-F238E27FC236}">
-                <a16:creationId xmlns:a16="http://schemas.microsoft.com/office/drawing/2014/main" id="{A2901312-C3C2-4CEC-80EF-823AB4FBB726}"/>
-              </a:ext>
-            </a:extLst>
-          </p:cNvPr>
-          <p:cNvSpPr/>
-          <p:nvPr/>
-        </p:nvSpPr>
-        <p:spPr>
-          <a:xfrm>
-            <a:off x="-1" y="1608918"/>
-            <a:ext cx="12191999" cy="91160"/>
-          </a:xfrm>
-          <a:prstGeom prst="rect">
-            <a:avLst/>
-          </a:prstGeom>
-          <a:solidFill>
-            <a:schemeClr val="bg1"/>
-          </a:solidFill>
-          <a:ln>
-            <a:noFill/>
-          </a:ln>
-        </p:spPr>
-        <p:style>
-          <a:lnRef idx="2">
-            <a:schemeClr val="accent1">
-              <a:shade val="50000"/>
-            </a:schemeClr>
-          </a:lnRef>
-          <a:fillRef idx="1">
-            <a:schemeClr val="accent1"/>
-          </a:fillRef>
-          <a:effectRef idx="0">
-            <a:schemeClr val="accent1"/>
-          </a:effectRef>
-          <a:fontRef idx="minor">
-            <a:schemeClr val="lt1"/>
-          </a:fontRef>
-        </p:style>
-        <p:txBody>
-          <a:bodyPr rtlCol="0" anchor="ctr"/>
-          <a:lstStyle/>
-          <a:p>
-            <a:pPr algn="ctr"/>
-            <a:endParaRPr lang="en-US">
-              <a:solidFill>
-                <a:srgbClr val="DB5B5C"/>
-              </a:solidFill>
-            </a:endParaRPr>
-          </a:p>
-        </p:txBody>
-      </p:sp>
-      <p:sp>
-        <p:nvSpPr>
-          <p:cNvPr id="15" name="Rectangle 14">
-            <a:extLst>
-              <a:ext uri="{FF2B5EF4-FFF2-40B4-BE49-F238E27FC236}">
-                <a16:creationId xmlns:a16="http://schemas.microsoft.com/office/drawing/2014/main" id="{AD0A7C9C-CA2C-4B9B-A125-2D09D5573B44}"/>
-              </a:ext>
-            </a:extLst>
-          </p:cNvPr>
-          <p:cNvSpPr/>
-          <p:nvPr/>
-        </p:nvSpPr>
-        <p:spPr>
-          <a:xfrm>
-            <a:off x="1" y="6677247"/>
-            <a:ext cx="12191999" cy="190143"/>
-          </a:xfrm>
-          <a:prstGeom prst="rect">
-            <a:avLst/>
-          </a:prstGeom>
-          <a:solidFill>
-            <a:schemeClr val="bg1"/>
-          </a:solidFill>
-          <a:ln>
-            <a:noFill/>
-          </a:ln>
-        </p:spPr>
-        <p:style>
-          <a:lnRef idx="2">
-            <a:schemeClr val="accent1">
-              <a:shade val="50000"/>
-            </a:schemeClr>
-          </a:lnRef>
-          <a:fillRef idx="1">
-            <a:schemeClr val="accent1"/>
-          </a:fillRef>
-          <a:effectRef idx="0">
-            <a:schemeClr val="accent1"/>
-          </a:effectRef>
-          <a:fontRef idx="minor">
-            <a:schemeClr val="lt1"/>
-          </a:fontRef>
-        </p:style>
-        <p:txBody>
-          <a:bodyPr rtlCol="0" anchor="ctr"/>
-          <a:lstStyle/>
-          <a:p>
-            <a:pPr algn="ctr"/>
-            <a:endParaRPr lang="en-US">
-              <a:solidFill>
-                <a:srgbClr val="DB5B5C"/>
-              </a:solidFill>
-            </a:endParaRPr>
-          </a:p>
-        </p:txBody>
-      </p:sp>
-      <p:sp>
-        <p:nvSpPr>
-          <p:cNvPr id="16" name="Rectangle 15">
-            <a:extLst>
-              <a:ext uri="{FF2B5EF4-FFF2-40B4-BE49-F238E27FC236}">
-                <a16:creationId xmlns:a16="http://schemas.microsoft.com/office/drawing/2014/main" id="{74A085FC-1866-46D4-97F7-51AA45E48D4F}"/>
-              </a:ext>
-            </a:extLst>
-          </p:cNvPr>
-          <p:cNvSpPr/>
-          <p:nvPr/>
-        </p:nvSpPr>
-        <p:spPr>
-          <a:xfrm rot="4092292">
-            <a:off x="5790668" y="4094517"/>
-            <a:ext cx="5446699" cy="137038"/>
-          </a:xfrm>
-          <a:prstGeom prst="rect">
-            <a:avLst/>
-          </a:prstGeom>
-          <a:solidFill>
-            <a:schemeClr val="bg1"/>
-          </a:solidFill>
-          <a:ln>
-            <a:noFill/>
-          </a:ln>
-        </p:spPr>
-        <p:style>
-          <a:lnRef idx="2">
-            <a:schemeClr val="accent1">
-              <a:shade val="50000"/>
-            </a:schemeClr>
-          </a:lnRef>
-          <a:fillRef idx="1">
-            <a:schemeClr val="accent1"/>
-          </a:fillRef>
-          <a:effectRef idx="0">
-            <a:schemeClr val="accent1"/>
-          </a:effectRef>
-          <a:fontRef idx="minor">
-            <a:schemeClr val="lt1"/>
-          </a:fontRef>
-        </p:style>
-        <p:txBody>
-          <a:bodyPr rtlCol="0" anchor="ctr"/>
-          <a:lstStyle/>
-          <a:p>
-            <a:pPr algn="ctr"/>
-            <a:endParaRPr lang="en-US">
-              <a:solidFill>
-                <a:srgbClr val="DB5B5C"/>
-              </a:solidFill>
-            </a:endParaRPr>
-          </a:p>
-        </p:txBody>
-      </p:sp>
-    </p:spTree>
-    <p:extLst>
-      <p:ext uri="{BB962C8B-B14F-4D97-AF65-F5344CB8AC3E}">
-        <p14:creationId xmlns:p14="http://schemas.microsoft.com/office/powerpoint/2010/main" val="1297707072"/>
-      </p:ext>
-    </p:extLst>
-  </p:cSld>
-  <p:clrMapOvr>
-    <a:overrideClrMapping bg1="dk1" tx1="lt1" bg2="dk2" tx2="lt2" accent1="accent1" accent2="accent2" accent3="accent3" accent4="accent4" accent5="accent5" accent6="accent6" hlink="hlink" folHlink="folHlink"/>
-  </p:clrMapOvr>
-</p:sld>
-</file>
-
-<file path=ppt/slides/slide25.xml><?xml version="1.0" encoding="utf-8"?>
-<p:sld xmlns:a="http://schemas.openxmlformats.org/drawingml/2006/main" xmlns:r="http://schemas.openxmlformats.org/officeDocument/2006/relationships" xmlns:p="http://schemas.openxmlformats.org/presentationml/2006/main">
-  <p:cSld>
-    <p:bg>
-      <p:bgPr>
-        <a:solidFill>
-          <a:srgbClr val="395583"/>
-        </a:solidFill>
-        <a:effectLst/>
-      </p:bgPr>
-    </p:bg>
-    <p:spTree>
-      <p:nvGrpSpPr>
-        <p:cNvPr id="1" name=""/>
-        <p:cNvGrpSpPr/>
-        <p:nvPr/>
-      </p:nvGrpSpPr>
-      <p:grpSpPr>
-        <a:xfrm>
-          <a:off x="0" y="0"/>
-          <a:ext cx="0" cy="0"/>
-          <a:chOff x="0" y="0"/>
-          <a:chExt cx="0" cy="0"/>
-        </a:xfrm>
-      </p:grpSpPr>
-      <p:sp>
-        <p:nvSpPr>
-          <p:cNvPr id="25" name="Rectangle 24">
-            <a:extLst>
-              <a:ext uri="{FF2B5EF4-FFF2-40B4-BE49-F238E27FC236}">
-                <a16:creationId xmlns:a16="http://schemas.microsoft.com/office/drawing/2014/main" id="{A6792F05-2FD4-4F18-815E-15391E8B4A0E}"/>
-              </a:ext>
-              <a:ext uri="{C183D7F6-B498-43B3-948B-1728B52AA6E4}">
-                <adec:decorative xmlns:adec="http://schemas.microsoft.com/office/drawing/2017/decorative" val="1"/>
-              </a:ext>
-            </a:extLst>
-          </p:cNvPr>
-          <p:cNvSpPr>
-            <a:spLocks noGrp="1" noRot="1" noChangeAspect="1" noMove="1" noResize="1" noEditPoints="1" noAdjustHandles="1" noChangeArrowheads="1" noChangeShapeType="1" noTextEdit="1"/>
-          </p:cNvSpPr>
-          <p:nvPr>
-            <p:extLst>
-              <p:ext uri="{386F3935-93C4-4BCD-93E2-E3B085C9AB24}">
-                <p16:designElem xmlns:p16="http://schemas.microsoft.com/office/powerpoint/2015/main" val="1"/>
-              </p:ext>
-            </p:extLst>
-          </p:nvPr>
-        </p:nvSpPr>
-        <p:spPr>
-          <a:xfrm>
-            <a:off x="0" y="0"/>
-            <a:ext cx="12191999" cy="6858000"/>
-          </a:xfrm>
-          <a:prstGeom prst="rect">
-            <a:avLst/>
-          </a:prstGeom>
-          <a:solidFill>
-            <a:srgbClr val="395583"/>
-          </a:solidFill>
-          <a:ln>
-            <a:noFill/>
-          </a:ln>
-        </p:spPr>
-        <p:style>
-          <a:lnRef idx="2">
-            <a:schemeClr val="accent1">
-              <a:shade val="50000"/>
-            </a:schemeClr>
-          </a:lnRef>
-          <a:fillRef idx="1">
-            <a:schemeClr val="accent1"/>
-          </a:fillRef>
-          <a:effectRef idx="0">
-            <a:schemeClr val="accent1"/>
-          </a:effectRef>
-          <a:fontRef idx="minor">
-            <a:schemeClr val="lt1"/>
-          </a:fontRef>
-        </p:style>
-        <p:txBody>
-          <a:bodyPr rtlCol="0" anchor="ctr"/>
-          <a:lstStyle/>
-          <a:p>
-            <a:pPr algn="ctr"/>
-            <a:endParaRPr lang="en-US"/>
-          </a:p>
-        </p:txBody>
-      </p:sp>
-      <p:sp>
-        <p:nvSpPr>
-          <p:cNvPr id="2" name="Title 1">
-            <a:extLst>
-              <a:ext uri="{FF2B5EF4-FFF2-40B4-BE49-F238E27FC236}">
-                <a16:creationId xmlns:a16="http://schemas.microsoft.com/office/drawing/2014/main" id="{2589AFCC-0FF0-498C-B11F-8990DF0DAAA5}"/>
-              </a:ext>
-            </a:extLst>
-          </p:cNvPr>
-          <p:cNvSpPr>
-            <a:spLocks noGrp="1"/>
-          </p:cNvSpPr>
-          <p:nvPr>
-            <p:ph type="title"/>
-          </p:nvPr>
-        </p:nvSpPr>
-        <p:spPr>
-          <a:xfrm>
-            <a:off x="838200" y="365125"/>
-            <a:ext cx="10515600" cy="1325563"/>
-          </a:xfrm>
-        </p:spPr>
-        <p:txBody>
-          <a:bodyPr>
-            <a:normAutofit/>
-          </a:bodyPr>
-          <a:lstStyle/>
-          <a:p>
-            <a:r>
-              <a:rPr lang="en-US" b="1" dirty="0">
-                <a:latin typeface="Selawik Semibold" panose="020B0604020202020204" pitchFamily="34" charset="0"/>
-              </a:rPr>
-              <a:t>Analytics Across the Organizations</a:t>
-            </a:r>
-          </a:p>
-        </p:txBody>
-      </p:sp>
-      <p:sp>
-        <p:nvSpPr>
-          <p:cNvPr id="9" name="Content Placeholder 8">
-            <a:extLst>
-              <a:ext uri="{FF2B5EF4-FFF2-40B4-BE49-F238E27FC236}">
-                <a16:creationId xmlns:a16="http://schemas.microsoft.com/office/drawing/2014/main" id="{2D995594-59F2-4020-AB6F-751BAE84ADB3}"/>
-              </a:ext>
-            </a:extLst>
-          </p:cNvPr>
-          <p:cNvSpPr>
-            <a:spLocks noGrp="1"/>
-          </p:cNvSpPr>
-          <p:nvPr>
-            <p:ph idx="1"/>
-          </p:nvPr>
-        </p:nvSpPr>
-        <p:spPr>
-          <a:xfrm>
-            <a:off x="838199" y="2021249"/>
-            <a:ext cx="7882219" cy="4366104"/>
-          </a:xfrm>
-        </p:spPr>
-        <p:txBody>
-          <a:bodyPr>
-            <a:normAutofit/>
-          </a:bodyPr>
-          <a:lstStyle/>
-          <a:p>
-            <a:r>
-              <a:rPr lang="en-US" sz="2400" dirty="0">
-                <a:latin typeface="Selawik Semibold" panose="020B0702040204020203" pitchFamily="34" charset="0"/>
-              </a:rPr>
-              <a:t>Clear Process for Hiring/Evaluating Analysts</a:t>
-            </a:r>
-          </a:p>
-          <a:p>
-            <a:pPr lvl="1"/>
-            <a:r>
-              <a:rPr lang="en-US" sz="2000" dirty="0">
-                <a:latin typeface="Selawik Semibold" panose="020B0702040204020203" pitchFamily="34" charset="0"/>
-              </a:rPr>
-              <a:t>Strongly Agree (13.3%/14.3%)</a:t>
-            </a:r>
-          </a:p>
-          <a:p>
-            <a:pPr lvl="1"/>
-            <a:r>
-              <a:rPr lang="en-US" sz="2000" dirty="0">
-                <a:latin typeface="Selawik Semibold" panose="020B0702040204020203" pitchFamily="34" charset="0"/>
-              </a:rPr>
-              <a:t>Somewhat Agree (13.3%/14.3%)</a:t>
-            </a:r>
-          </a:p>
-          <a:p>
-            <a:pPr lvl="1"/>
-            <a:r>
-              <a:rPr lang="en-US" sz="2000" dirty="0">
-                <a:latin typeface="Selawik Semibold" panose="020B0702040204020203" pitchFamily="34" charset="0"/>
-              </a:rPr>
-              <a:t>Neutral (26.7%/28.6%)</a:t>
-            </a:r>
-          </a:p>
-          <a:p>
-            <a:pPr lvl="1"/>
-            <a:r>
-              <a:rPr lang="en-US" sz="2000" dirty="0">
-                <a:latin typeface="Selawik Semibold" panose="020B0702040204020203" pitchFamily="34" charset="0"/>
-              </a:rPr>
-              <a:t>Somewhat Disagree (13.4%/21.4%)</a:t>
-            </a:r>
-          </a:p>
-          <a:p>
-            <a:pPr lvl="1"/>
-            <a:r>
-              <a:rPr lang="en-US" sz="2000" dirty="0">
-                <a:latin typeface="Selawik Semibold" panose="020B0702040204020203" pitchFamily="34" charset="0"/>
-              </a:rPr>
-              <a:t>Strongly Disagree (33.3%/21.4%)</a:t>
-            </a:r>
-          </a:p>
-          <a:p>
-            <a:pPr lvl="1"/>
-            <a:endParaRPr lang="en-US" sz="2000" dirty="0">
-              <a:latin typeface="Selawik Semibold" panose="020B0702040204020203" pitchFamily="34" charset="0"/>
-            </a:endParaRPr>
-          </a:p>
-          <a:p>
-            <a:r>
-              <a:rPr lang="en-US" sz="2400" dirty="0">
-                <a:latin typeface="Selawik Semibold" panose="020B0702040204020203" pitchFamily="34" charset="0"/>
-              </a:rPr>
-              <a:t>Analytic Resources in Line with Strategic Game Plan</a:t>
-            </a:r>
-          </a:p>
-          <a:p>
-            <a:pPr lvl="1"/>
-            <a:r>
-              <a:rPr lang="en-US" sz="2000" dirty="0">
-                <a:latin typeface="Selawik Semibold" panose="020B0702040204020203" pitchFamily="34" charset="0"/>
-              </a:rPr>
-              <a:t>Strongly Agree (26.7%)</a:t>
-            </a:r>
-          </a:p>
-          <a:p>
-            <a:pPr lvl="1"/>
-            <a:r>
-              <a:rPr lang="en-US" sz="2000" dirty="0">
-                <a:latin typeface="Selawik Semibold" panose="020B0702040204020203" pitchFamily="34" charset="0"/>
-              </a:rPr>
-              <a:t>Somewhat Agree (33.3%)</a:t>
-            </a:r>
-          </a:p>
-          <a:p>
-            <a:pPr lvl="1"/>
-            <a:r>
-              <a:rPr lang="en-US" sz="2000" dirty="0">
-                <a:latin typeface="Selawik Semibold" panose="020B0702040204020203" pitchFamily="34" charset="0"/>
-              </a:rPr>
-              <a:t>Neutral (33.3%)</a:t>
-            </a:r>
-          </a:p>
-          <a:p>
-            <a:pPr lvl="1"/>
-            <a:r>
-              <a:rPr lang="en-US" sz="2000" dirty="0">
-                <a:latin typeface="Selawik Semibold" panose="020B0702040204020203" pitchFamily="34" charset="0"/>
-              </a:rPr>
-              <a:t>Strongly Disagree (6.7%)</a:t>
-            </a:r>
-          </a:p>
-          <a:p>
-            <a:endParaRPr lang="en-US" sz="2400" dirty="0">
-              <a:latin typeface="Selawik Semibold" panose="020B0702040204020203" pitchFamily="34" charset="0"/>
-            </a:endParaRPr>
-          </a:p>
-        </p:txBody>
-      </p:sp>
-      <p:pic>
-        <p:nvPicPr>
-          <p:cNvPr id="4" name="Picture 3" descr="A drawing of a cartoon character&#10;&#10;Description automatically generated">
-            <a:extLst>
-              <a:ext uri="{FF2B5EF4-FFF2-40B4-BE49-F238E27FC236}">
-                <a16:creationId xmlns:a16="http://schemas.microsoft.com/office/drawing/2014/main" id="{A7FDC859-D890-4904-9C64-27F43DA90453}"/>
-              </a:ext>
-            </a:extLst>
-          </p:cNvPr>
-          <p:cNvPicPr>
-            <a:picLocks noChangeAspect="1"/>
-          </p:cNvPicPr>
-          <p:nvPr/>
-        </p:nvPicPr>
-        <p:blipFill rotWithShape="1">
-          <a:blip r:embed="rId2">
-            <a:extLst>
-              <a:ext uri="{28A0092B-C50C-407E-A947-70E740481C1C}">
-                <a14:useLocalDpi xmlns:a14="http://schemas.microsoft.com/office/drawing/2010/main" val="0"/>
-              </a:ext>
-            </a:extLst>
-          </a:blip>
-          <a:srcRect t="5616" r="2" b="2"/>
-          <a:stretch/>
-        </p:blipFill>
-        <p:spPr>
-          <a:xfrm>
-            <a:off x="7471144" y="1700078"/>
-            <a:ext cx="4720855" cy="2583792"/>
-          </a:xfrm>
-          <a:custGeom>
-            <a:avLst/>
-            <a:gdLst>
-              <a:gd name="connsiteX0" fmla="*/ 0 w 5475077"/>
-              <a:gd name="connsiteY0" fmla="*/ 0 h 2583792"/>
-              <a:gd name="connsiteX1" fmla="*/ 5475077 w 5475077"/>
-              <a:gd name="connsiteY1" fmla="*/ 0 h 2583792"/>
-              <a:gd name="connsiteX2" fmla="*/ 5475077 w 5475077"/>
-              <a:gd name="connsiteY2" fmla="*/ 2583792 h 2583792"/>
-              <a:gd name="connsiteX3" fmla="*/ 1197192 w 5475077"/>
-              <a:gd name="connsiteY3" fmla="*/ 2583792 h 2583792"/>
-            </a:gdLst>
-            <a:ahLst/>
-            <a:cxnLst>
-              <a:cxn ang="0">
-                <a:pos x="connsiteX0" y="connsiteY0"/>
-              </a:cxn>
-              <a:cxn ang="0">
-                <a:pos x="connsiteX1" y="connsiteY1"/>
-              </a:cxn>
-              <a:cxn ang="0">
-                <a:pos x="connsiteX2" y="connsiteY2"/>
-              </a:cxn>
-              <a:cxn ang="0">
-                <a:pos x="connsiteX3" y="connsiteY3"/>
-              </a:cxn>
-            </a:cxnLst>
-            <a:rect l="l" t="t" r="r" b="b"/>
-            <a:pathLst>
-              <a:path w="5475077" h="2583792">
-                <a:moveTo>
-                  <a:pt x="0" y="0"/>
-                </a:moveTo>
-                <a:lnTo>
-                  <a:pt x="5475077" y="0"/>
-                </a:lnTo>
-                <a:lnTo>
-                  <a:pt x="5475077" y="2583792"/>
-                </a:lnTo>
-                <a:lnTo>
-                  <a:pt x="1197192" y="2583792"/>
-                </a:lnTo>
-                <a:close/>
-              </a:path>
-            </a:pathLst>
-          </a:custGeom>
-        </p:spPr>
-      </p:pic>
-      <p:pic>
-        <p:nvPicPr>
-          <p:cNvPr id="5" name="Content Placeholder 4" descr="A picture containing indoor&#10;&#10;Description automatically generated">
-            <a:extLst>
-              <a:ext uri="{FF2B5EF4-FFF2-40B4-BE49-F238E27FC236}">
-                <a16:creationId xmlns:a16="http://schemas.microsoft.com/office/drawing/2014/main" id="{A58F0E55-21F3-485B-A07F-1CE74177BDD2}"/>
-              </a:ext>
-            </a:extLst>
-          </p:cNvPr>
-          <p:cNvPicPr>
-            <a:picLocks noChangeAspect="1"/>
-          </p:cNvPicPr>
-          <p:nvPr/>
-        </p:nvPicPr>
-        <p:blipFill rotWithShape="1">
-          <a:blip r:embed="rId3">
-            <a:extLst>
-              <a:ext uri="{28A0092B-C50C-407E-A947-70E740481C1C}">
-                <a14:useLocalDpi xmlns:a14="http://schemas.microsoft.com/office/drawing/2010/main" val="0"/>
-              </a:ext>
-            </a:extLst>
-          </a:blip>
-          <a:srcRect t="5300" r="3" b="6859"/>
-          <a:stretch/>
-        </p:blipFill>
-        <p:spPr>
-          <a:xfrm>
-            <a:off x="8491869" y="4283870"/>
-            <a:ext cx="3700129" cy="2583520"/>
-          </a:xfrm>
-          <a:custGeom>
-            <a:avLst/>
-            <a:gdLst>
-              <a:gd name="connsiteX0" fmla="*/ 0 w 4277884"/>
-              <a:gd name="connsiteY0" fmla="*/ 0 h 2583520"/>
-              <a:gd name="connsiteX1" fmla="*/ 4277884 w 4277884"/>
-              <a:gd name="connsiteY1" fmla="*/ 0 h 2583520"/>
-              <a:gd name="connsiteX2" fmla="*/ 4277884 w 4277884"/>
-              <a:gd name="connsiteY2" fmla="*/ 2583520 h 2583520"/>
-              <a:gd name="connsiteX3" fmla="*/ 1192437 w 4277884"/>
-              <a:gd name="connsiteY3" fmla="*/ 2583520 h 2583520"/>
-              <a:gd name="connsiteX4" fmla="*/ 1188085 w 4277884"/>
-              <a:gd name="connsiteY4" fmla="*/ 2574129 h 2583520"/>
-              <a:gd name="connsiteX5" fmla="*/ 1192715 w 4277884"/>
-              <a:gd name="connsiteY5" fmla="*/ 2574129 h 2583520"/>
-            </a:gdLst>
-            <a:ahLst/>
-            <a:cxnLst>
-              <a:cxn ang="0">
-                <a:pos x="connsiteX0" y="connsiteY0"/>
-              </a:cxn>
-              <a:cxn ang="0">
-                <a:pos x="connsiteX1" y="connsiteY1"/>
-              </a:cxn>
-              <a:cxn ang="0">
-                <a:pos x="connsiteX2" y="connsiteY2"/>
-              </a:cxn>
-              <a:cxn ang="0">
-                <a:pos x="connsiteX3" y="connsiteY3"/>
-              </a:cxn>
-              <a:cxn ang="0">
-                <a:pos x="connsiteX4" y="connsiteY4"/>
-              </a:cxn>
-              <a:cxn ang="0">
-                <a:pos x="connsiteX5" y="connsiteY5"/>
-              </a:cxn>
-            </a:cxnLst>
-            <a:rect l="l" t="t" r="r" b="b"/>
-            <a:pathLst>
-              <a:path w="4277884" h="2583520">
-                <a:moveTo>
-                  <a:pt x="0" y="0"/>
-                </a:moveTo>
-                <a:lnTo>
-                  <a:pt x="4277884" y="0"/>
-                </a:lnTo>
-                <a:lnTo>
-                  <a:pt x="4277884" y="2583520"/>
-                </a:lnTo>
-                <a:lnTo>
-                  <a:pt x="1192437" y="2583520"/>
-                </a:lnTo>
-                <a:lnTo>
-                  <a:pt x="1188085" y="2574129"/>
-                </a:lnTo>
-                <a:lnTo>
-                  <a:pt x="1192715" y="2574129"/>
-                </a:lnTo>
-                <a:close/>
-              </a:path>
-            </a:pathLst>
-          </a:custGeom>
-        </p:spPr>
-      </p:pic>
-      <p:sp>
-        <p:nvSpPr>
-          <p:cNvPr id="6" name="Rectangle 5">
-            <a:extLst>
-              <a:ext uri="{FF2B5EF4-FFF2-40B4-BE49-F238E27FC236}">
-                <a16:creationId xmlns:a16="http://schemas.microsoft.com/office/drawing/2014/main" id="{A2901312-C3C2-4CEC-80EF-823AB4FBB726}"/>
-              </a:ext>
-            </a:extLst>
-          </p:cNvPr>
-          <p:cNvSpPr/>
-          <p:nvPr/>
-        </p:nvSpPr>
-        <p:spPr>
-          <a:xfrm>
-            <a:off x="-1" y="1608918"/>
-            <a:ext cx="12191999" cy="91160"/>
-          </a:xfrm>
-          <a:prstGeom prst="rect">
-            <a:avLst/>
-          </a:prstGeom>
-          <a:solidFill>
-            <a:schemeClr val="bg1"/>
-          </a:solidFill>
-          <a:ln>
-            <a:noFill/>
-          </a:ln>
-        </p:spPr>
-        <p:style>
-          <a:lnRef idx="2">
-            <a:schemeClr val="accent1">
-              <a:shade val="50000"/>
-            </a:schemeClr>
-          </a:lnRef>
-          <a:fillRef idx="1">
-            <a:schemeClr val="accent1"/>
-          </a:fillRef>
-          <a:effectRef idx="0">
-            <a:schemeClr val="accent1"/>
-          </a:effectRef>
-          <a:fontRef idx="minor">
-            <a:schemeClr val="lt1"/>
-          </a:fontRef>
-        </p:style>
-        <p:txBody>
-          <a:bodyPr rtlCol="0" anchor="ctr"/>
-          <a:lstStyle/>
-          <a:p>
-            <a:pPr algn="ctr"/>
-            <a:endParaRPr lang="en-US">
-              <a:solidFill>
-                <a:srgbClr val="DB5B5C"/>
-              </a:solidFill>
-            </a:endParaRPr>
-          </a:p>
-        </p:txBody>
-      </p:sp>
-      <p:sp>
-        <p:nvSpPr>
-          <p:cNvPr id="15" name="Rectangle 14">
-            <a:extLst>
-              <a:ext uri="{FF2B5EF4-FFF2-40B4-BE49-F238E27FC236}">
-                <a16:creationId xmlns:a16="http://schemas.microsoft.com/office/drawing/2014/main" id="{AD0A7C9C-CA2C-4B9B-A125-2D09D5573B44}"/>
-              </a:ext>
-            </a:extLst>
-          </p:cNvPr>
-          <p:cNvSpPr/>
-          <p:nvPr/>
-        </p:nvSpPr>
-        <p:spPr>
-          <a:xfrm>
-            <a:off x="1" y="6677247"/>
-            <a:ext cx="12191999" cy="190143"/>
-          </a:xfrm>
-          <a:prstGeom prst="rect">
-            <a:avLst/>
-          </a:prstGeom>
-          <a:solidFill>
-            <a:schemeClr val="bg1"/>
-          </a:solidFill>
-          <a:ln>
-            <a:noFill/>
-          </a:ln>
-        </p:spPr>
-        <p:style>
-          <a:lnRef idx="2">
-            <a:schemeClr val="accent1">
-              <a:shade val="50000"/>
-            </a:schemeClr>
-          </a:lnRef>
-          <a:fillRef idx="1">
-            <a:schemeClr val="accent1"/>
-          </a:fillRef>
-          <a:effectRef idx="0">
-            <a:schemeClr val="accent1"/>
-          </a:effectRef>
-          <a:fontRef idx="minor">
-            <a:schemeClr val="lt1"/>
-          </a:fontRef>
-        </p:style>
-        <p:txBody>
-          <a:bodyPr rtlCol="0" anchor="ctr"/>
-          <a:lstStyle/>
-          <a:p>
-            <a:pPr algn="ctr"/>
-            <a:endParaRPr lang="en-US">
-              <a:solidFill>
-                <a:srgbClr val="DB5B5C"/>
-              </a:solidFill>
-            </a:endParaRPr>
-          </a:p>
-        </p:txBody>
-      </p:sp>
-      <p:sp>
-        <p:nvSpPr>
-          <p:cNvPr id="16" name="Rectangle 15">
-            <a:extLst>
-              <a:ext uri="{FF2B5EF4-FFF2-40B4-BE49-F238E27FC236}">
-                <a16:creationId xmlns:a16="http://schemas.microsoft.com/office/drawing/2014/main" id="{74A085FC-1866-46D4-97F7-51AA45E48D4F}"/>
-              </a:ext>
-            </a:extLst>
-          </p:cNvPr>
-          <p:cNvSpPr/>
-          <p:nvPr/>
-        </p:nvSpPr>
-        <p:spPr>
-          <a:xfrm rot="4092292">
-            <a:off x="5790668" y="4094517"/>
-            <a:ext cx="5446699" cy="137038"/>
-          </a:xfrm>
-          <a:prstGeom prst="rect">
-            <a:avLst/>
-          </a:prstGeom>
-          <a:solidFill>
-            <a:schemeClr val="bg1"/>
-          </a:solidFill>
-          <a:ln>
-            <a:noFill/>
-          </a:ln>
-        </p:spPr>
-        <p:style>
-          <a:lnRef idx="2">
-            <a:schemeClr val="accent1">
-              <a:shade val="50000"/>
-            </a:schemeClr>
-          </a:lnRef>
-          <a:fillRef idx="1">
-            <a:schemeClr val="accent1"/>
-          </a:fillRef>
-          <a:effectRef idx="0">
-            <a:schemeClr val="accent1"/>
-          </a:effectRef>
-          <a:fontRef idx="minor">
-            <a:schemeClr val="lt1"/>
-          </a:fontRef>
-        </p:style>
-        <p:txBody>
-          <a:bodyPr rtlCol="0" anchor="ctr"/>
-          <a:lstStyle/>
-          <a:p>
-            <a:pPr algn="ctr"/>
-            <a:endParaRPr lang="en-US">
-              <a:solidFill>
-                <a:srgbClr val="DB5B5C"/>
-              </a:solidFill>
-            </a:endParaRPr>
-          </a:p>
-        </p:txBody>
-      </p:sp>
-    </p:spTree>
-    <p:extLst>
-      <p:ext uri="{BB962C8B-B14F-4D97-AF65-F5344CB8AC3E}">
-        <p14:creationId xmlns:p14="http://schemas.microsoft.com/office/powerpoint/2010/main" val="2540240952"/>
-      </p:ext>
-    </p:extLst>
-  </p:cSld>
-  <p:clrMapOvr>
-    <a:overrideClrMapping bg1="dk1" tx1="lt1" bg2="dk2" tx2="lt2" accent1="accent1" accent2="accent2" accent3="accent3" accent4="accent4" accent5="accent5" accent6="accent6" hlink="hlink" folHlink="folHlink"/>
-  </p:clrMapOvr>
-</p:sld>
-</file>
-
-<file path=ppt/slides/slide26.xml><?xml version="1.0" encoding="utf-8"?>
-<p:sld xmlns:a="http://schemas.openxmlformats.org/drawingml/2006/main" xmlns:r="http://schemas.openxmlformats.org/officeDocument/2006/relationships" xmlns:p="http://schemas.openxmlformats.org/presentationml/2006/main">
-  <p:cSld>
-    <p:bg>
-      <p:bgPr>
-        <a:solidFill>
-          <a:srgbClr val="395583"/>
-        </a:solidFill>
-        <a:effectLst/>
-      </p:bgPr>
-    </p:bg>
-    <p:spTree>
-      <p:nvGrpSpPr>
-        <p:cNvPr id="1" name=""/>
-        <p:cNvGrpSpPr/>
-        <p:nvPr/>
-      </p:nvGrpSpPr>
-      <p:grpSpPr>
-        <a:xfrm>
-          <a:off x="0" y="0"/>
-          <a:ext cx="0" cy="0"/>
-          <a:chOff x="0" y="0"/>
-          <a:chExt cx="0" cy="0"/>
-        </a:xfrm>
-      </p:grpSpPr>
-      <p:sp>
-        <p:nvSpPr>
           <p:cNvPr id="15" name="Freeform: Shape 14">
             <a:extLst>
               <a:ext uri="{FF2B5EF4-FFF2-40B4-BE49-F238E27FC236}">
@@ -16685,6 +10319,610 @@
     <p:extLst>
       <p:ext uri="{BB962C8B-B14F-4D97-AF65-F5344CB8AC3E}">
         <p14:creationId xmlns:p14="http://schemas.microsoft.com/office/powerpoint/2010/main" val="1593475065"/>
+      </p:ext>
+    </p:extLst>
+  </p:cSld>
+  <p:clrMapOvr>
+    <a:overrideClrMapping bg1="dk1" tx1="lt1" bg2="dk2" tx2="lt2" accent1="accent1" accent2="accent2" accent3="accent3" accent4="accent4" accent5="accent5" accent6="accent6" hlink="hlink" folHlink="folHlink"/>
+  </p:clrMapOvr>
+</p:sld>
+</file>
+
+<file path=ppt/slides/slide2.xml><?xml version="1.0" encoding="utf-8"?>
+<p:sld xmlns:a="http://schemas.openxmlformats.org/drawingml/2006/main" xmlns:r="http://schemas.openxmlformats.org/officeDocument/2006/relationships" xmlns:p="http://schemas.openxmlformats.org/presentationml/2006/main">
+  <p:cSld>
+    <p:bg>
+      <p:bgPr>
+        <a:solidFill>
+          <a:srgbClr val="395583"/>
+        </a:solidFill>
+        <a:effectLst/>
+      </p:bgPr>
+    </p:bg>
+    <p:spTree>
+      <p:nvGrpSpPr>
+        <p:cNvPr id="1" name=""/>
+        <p:cNvGrpSpPr/>
+        <p:nvPr/>
+      </p:nvGrpSpPr>
+      <p:grpSpPr>
+        <a:xfrm>
+          <a:off x="0" y="0"/>
+          <a:ext cx="0" cy="0"/>
+          <a:chOff x="0" y="0"/>
+          <a:chExt cx="0" cy="0"/>
+        </a:xfrm>
+      </p:grpSpPr>
+      <p:sp>
+        <p:nvSpPr>
+          <p:cNvPr id="25" name="Rectangle 24">
+            <a:extLst>
+              <a:ext uri="{FF2B5EF4-FFF2-40B4-BE49-F238E27FC236}">
+                <a16:creationId xmlns:a16="http://schemas.microsoft.com/office/drawing/2014/main" id="{A6792F05-2FD4-4F18-815E-15391E8B4A0E}"/>
+              </a:ext>
+              <a:ext uri="{C183D7F6-B498-43B3-948B-1728B52AA6E4}">
+                <adec:decorative xmlns:adec="http://schemas.microsoft.com/office/drawing/2017/decorative" val="1"/>
+              </a:ext>
+            </a:extLst>
+          </p:cNvPr>
+          <p:cNvSpPr>
+            <a:spLocks noGrp="1" noRot="1" noChangeAspect="1" noMove="1" noResize="1" noEditPoints="1" noAdjustHandles="1" noChangeArrowheads="1" noChangeShapeType="1" noTextEdit="1"/>
+          </p:cNvSpPr>
+          <p:nvPr>
+            <p:extLst>
+              <p:ext uri="{386F3935-93C4-4BCD-93E2-E3B085C9AB24}">
+                <p16:designElem xmlns:p16="http://schemas.microsoft.com/office/powerpoint/2015/main" val="1"/>
+              </p:ext>
+            </p:extLst>
+          </p:nvPr>
+        </p:nvSpPr>
+        <p:spPr>
+          <a:xfrm>
+            <a:off x="0" y="0"/>
+            <a:ext cx="12191999" cy="6858000"/>
+          </a:xfrm>
+          <a:prstGeom prst="rect">
+            <a:avLst/>
+          </a:prstGeom>
+          <a:solidFill>
+            <a:srgbClr val="395583"/>
+          </a:solidFill>
+          <a:ln>
+            <a:noFill/>
+          </a:ln>
+        </p:spPr>
+        <p:style>
+          <a:lnRef idx="2">
+            <a:schemeClr val="accent1">
+              <a:shade val="50000"/>
+            </a:schemeClr>
+          </a:lnRef>
+          <a:fillRef idx="1">
+            <a:schemeClr val="accent1"/>
+          </a:fillRef>
+          <a:effectRef idx="0">
+            <a:schemeClr val="accent1"/>
+          </a:effectRef>
+          <a:fontRef idx="minor">
+            <a:schemeClr val="lt1"/>
+          </a:fontRef>
+        </p:style>
+        <p:txBody>
+          <a:bodyPr rtlCol="0" anchor="ctr"/>
+          <a:lstStyle/>
+          <a:p>
+            <a:pPr algn="ctr"/>
+            <a:endParaRPr lang="en-US"/>
+          </a:p>
+        </p:txBody>
+      </p:sp>
+      <p:sp>
+        <p:nvSpPr>
+          <p:cNvPr id="2" name="Title 1">
+            <a:extLst>
+              <a:ext uri="{FF2B5EF4-FFF2-40B4-BE49-F238E27FC236}">
+                <a16:creationId xmlns:a16="http://schemas.microsoft.com/office/drawing/2014/main" id="{2589AFCC-0FF0-498C-B11F-8990DF0DAAA5}"/>
+              </a:ext>
+            </a:extLst>
+          </p:cNvPr>
+          <p:cNvSpPr>
+            <a:spLocks noGrp="1"/>
+          </p:cNvSpPr>
+          <p:nvPr>
+            <p:ph type="title"/>
+          </p:nvPr>
+        </p:nvSpPr>
+        <p:spPr>
+          <a:xfrm>
+            <a:off x="838200" y="365125"/>
+            <a:ext cx="10515600" cy="1325563"/>
+          </a:xfrm>
+        </p:spPr>
+        <p:txBody>
+          <a:bodyPr>
+            <a:normAutofit/>
+          </a:bodyPr>
+          <a:lstStyle/>
+          <a:p>
+            <a:r>
+              <a:rPr lang="en-US" b="1" dirty="0">
+                <a:latin typeface="Selawik Semibold" panose="020B0604020202020204" pitchFamily="34" charset="0"/>
+              </a:rPr>
+              <a:t>Survey Results: Demographics</a:t>
+            </a:r>
+          </a:p>
+        </p:txBody>
+      </p:sp>
+      <p:sp>
+        <p:nvSpPr>
+          <p:cNvPr id="9" name="Content Placeholder 8">
+            <a:extLst>
+              <a:ext uri="{FF2B5EF4-FFF2-40B4-BE49-F238E27FC236}">
+                <a16:creationId xmlns:a16="http://schemas.microsoft.com/office/drawing/2014/main" id="{2D995594-59F2-4020-AB6F-751BAE84ADB3}"/>
+              </a:ext>
+            </a:extLst>
+          </p:cNvPr>
+          <p:cNvSpPr>
+            <a:spLocks noGrp="1"/>
+          </p:cNvSpPr>
+          <p:nvPr>
+            <p:ph idx="1"/>
+          </p:nvPr>
+        </p:nvSpPr>
+        <p:spPr>
+          <a:xfrm>
+            <a:off x="838200" y="2021249"/>
+            <a:ext cx="6369424" cy="4574533"/>
+          </a:xfrm>
+        </p:spPr>
+        <p:txBody>
+          <a:bodyPr>
+            <a:normAutofit/>
+          </a:bodyPr>
+          <a:lstStyle/>
+          <a:p>
+            <a:r>
+              <a:rPr lang="en-US" sz="2400" dirty="0">
+                <a:latin typeface="Selawik Semibold" panose="020B0702040204020203" pitchFamily="34" charset="0"/>
+              </a:rPr>
+              <a:t>30 Responses</a:t>
+            </a:r>
+          </a:p>
+          <a:p>
+            <a:pPr marL="0" indent="0">
+              <a:buNone/>
+            </a:pPr>
+            <a:endParaRPr lang="en-US" sz="2400" dirty="0">
+              <a:latin typeface="Selawik Semibold" panose="020B0702040204020203" pitchFamily="34" charset="0"/>
+            </a:endParaRPr>
+          </a:p>
+          <a:p>
+            <a:r>
+              <a:rPr lang="en-US" sz="2400" dirty="0">
+                <a:latin typeface="Selawik Semibold" panose="020B0702040204020203" pitchFamily="34" charset="0"/>
+              </a:rPr>
+              <a:t>Majority From the United States (29/30)</a:t>
+            </a:r>
+          </a:p>
+          <a:p>
+            <a:pPr marL="0" indent="0">
+              <a:buNone/>
+            </a:pPr>
+            <a:endParaRPr lang="en-US" sz="2400" dirty="0">
+              <a:latin typeface="Selawik Semibold" panose="020B0702040204020203" pitchFamily="34" charset="0"/>
+            </a:endParaRPr>
+          </a:p>
+          <a:p>
+            <a:r>
+              <a:rPr lang="en-US" sz="2400" dirty="0">
+                <a:latin typeface="Selawik Semibold" panose="020B0702040204020203" pitchFamily="34" charset="0"/>
+              </a:rPr>
+              <a:t>Majority From North Carolina (19/29)</a:t>
+            </a:r>
+          </a:p>
+          <a:p>
+            <a:pPr marL="0" indent="0">
+              <a:buNone/>
+            </a:pPr>
+            <a:endParaRPr lang="en-US" sz="2400" dirty="0">
+              <a:latin typeface="Selawik Semibold" panose="020B0702040204020203" pitchFamily="34" charset="0"/>
+            </a:endParaRPr>
+          </a:p>
+          <a:p>
+            <a:r>
+              <a:rPr lang="en-US" sz="2400" dirty="0">
+                <a:latin typeface="Selawik Semibold" panose="020B0702040204020203" pitchFamily="34" charset="0"/>
+              </a:rPr>
+              <a:t>Race Distribution</a:t>
+            </a:r>
+          </a:p>
+          <a:p>
+            <a:pPr lvl="1"/>
+            <a:r>
+              <a:rPr lang="en-US" sz="2000" dirty="0">
+                <a:latin typeface="Selawik Semibold" panose="020B0702040204020203" pitchFamily="34" charset="0"/>
+              </a:rPr>
+              <a:t>White (23/30)</a:t>
+            </a:r>
+          </a:p>
+          <a:p>
+            <a:pPr lvl="1"/>
+            <a:r>
+              <a:rPr lang="en-US" sz="2000" dirty="0">
+                <a:latin typeface="Selawik Semibold" panose="020B0702040204020203" pitchFamily="34" charset="0"/>
+              </a:rPr>
+              <a:t>Asian (4/30)</a:t>
+            </a:r>
+          </a:p>
+          <a:p>
+            <a:pPr lvl="1"/>
+            <a:r>
+              <a:rPr lang="en-US" sz="2000" dirty="0">
+                <a:latin typeface="Selawik Semibold" panose="020B0702040204020203" pitchFamily="34" charset="0"/>
+              </a:rPr>
+              <a:t>Black/African American (1/30)</a:t>
+            </a:r>
+          </a:p>
+          <a:p>
+            <a:pPr lvl="1"/>
+            <a:r>
+              <a:rPr lang="en-US" sz="2000" dirty="0">
+                <a:latin typeface="Selawik Semibold" panose="020B0702040204020203" pitchFamily="34" charset="0"/>
+              </a:rPr>
+              <a:t>Hispanic/Latino (1/30)</a:t>
+            </a:r>
+          </a:p>
+          <a:p>
+            <a:endParaRPr lang="en-US" sz="2400" dirty="0">
+              <a:latin typeface="Selawik Semibold" panose="020B0702040204020203" pitchFamily="34" charset="0"/>
+            </a:endParaRPr>
+          </a:p>
+        </p:txBody>
+      </p:sp>
+      <p:pic>
+        <p:nvPicPr>
+          <p:cNvPr id="4" name="Picture 3" descr="A drawing of a cartoon character&#10;&#10;Description automatically generated">
+            <a:extLst>
+              <a:ext uri="{FF2B5EF4-FFF2-40B4-BE49-F238E27FC236}">
+                <a16:creationId xmlns:a16="http://schemas.microsoft.com/office/drawing/2014/main" id="{A7FDC859-D890-4904-9C64-27F43DA90453}"/>
+              </a:ext>
+            </a:extLst>
+          </p:cNvPr>
+          <p:cNvPicPr>
+            <a:picLocks noChangeAspect="1"/>
+          </p:cNvPicPr>
+          <p:nvPr/>
+        </p:nvPicPr>
+        <p:blipFill rotWithShape="1">
+          <a:blip r:embed="rId2">
+            <a:extLst>
+              <a:ext uri="{28A0092B-C50C-407E-A947-70E740481C1C}">
+                <a14:useLocalDpi xmlns:a14="http://schemas.microsoft.com/office/drawing/2010/main" val="0"/>
+              </a:ext>
+            </a:extLst>
+          </a:blip>
+          <a:srcRect t="5616" r="2" b="2"/>
+          <a:stretch/>
+        </p:blipFill>
+        <p:spPr>
+          <a:xfrm>
+            <a:off x="7471144" y="1700078"/>
+            <a:ext cx="4720855" cy="2583792"/>
+          </a:xfrm>
+          <a:custGeom>
+            <a:avLst/>
+            <a:gdLst>
+              <a:gd name="connsiteX0" fmla="*/ 0 w 5475077"/>
+              <a:gd name="connsiteY0" fmla="*/ 0 h 2583792"/>
+              <a:gd name="connsiteX1" fmla="*/ 5475077 w 5475077"/>
+              <a:gd name="connsiteY1" fmla="*/ 0 h 2583792"/>
+              <a:gd name="connsiteX2" fmla="*/ 5475077 w 5475077"/>
+              <a:gd name="connsiteY2" fmla="*/ 2583792 h 2583792"/>
+              <a:gd name="connsiteX3" fmla="*/ 1197192 w 5475077"/>
+              <a:gd name="connsiteY3" fmla="*/ 2583792 h 2583792"/>
+            </a:gdLst>
+            <a:ahLst/>
+            <a:cxnLst>
+              <a:cxn ang="0">
+                <a:pos x="connsiteX0" y="connsiteY0"/>
+              </a:cxn>
+              <a:cxn ang="0">
+                <a:pos x="connsiteX1" y="connsiteY1"/>
+              </a:cxn>
+              <a:cxn ang="0">
+                <a:pos x="connsiteX2" y="connsiteY2"/>
+              </a:cxn>
+              <a:cxn ang="0">
+                <a:pos x="connsiteX3" y="connsiteY3"/>
+              </a:cxn>
+            </a:cxnLst>
+            <a:rect l="l" t="t" r="r" b="b"/>
+            <a:pathLst>
+              <a:path w="5475077" h="2583792">
+                <a:moveTo>
+                  <a:pt x="0" y="0"/>
+                </a:moveTo>
+                <a:lnTo>
+                  <a:pt x="5475077" y="0"/>
+                </a:lnTo>
+                <a:lnTo>
+                  <a:pt x="5475077" y="2583792"/>
+                </a:lnTo>
+                <a:lnTo>
+                  <a:pt x="1197192" y="2583792"/>
+                </a:lnTo>
+                <a:close/>
+              </a:path>
+            </a:pathLst>
+          </a:custGeom>
+        </p:spPr>
+      </p:pic>
+      <p:pic>
+        <p:nvPicPr>
+          <p:cNvPr id="5" name="Content Placeholder 4" descr="A picture containing indoor&#10;&#10;Description automatically generated">
+            <a:extLst>
+              <a:ext uri="{FF2B5EF4-FFF2-40B4-BE49-F238E27FC236}">
+                <a16:creationId xmlns:a16="http://schemas.microsoft.com/office/drawing/2014/main" id="{A58F0E55-21F3-485B-A07F-1CE74177BDD2}"/>
+              </a:ext>
+            </a:extLst>
+          </p:cNvPr>
+          <p:cNvPicPr>
+            <a:picLocks noChangeAspect="1"/>
+          </p:cNvPicPr>
+          <p:nvPr/>
+        </p:nvPicPr>
+        <p:blipFill rotWithShape="1">
+          <a:blip r:embed="rId3">
+            <a:extLst>
+              <a:ext uri="{28A0092B-C50C-407E-A947-70E740481C1C}">
+                <a14:useLocalDpi xmlns:a14="http://schemas.microsoft.com/office/drawing/2010/main" val="0"/>
+              </a:ext>
+            </a:extLst>
+          </a:blip>
+          <a:srcRect t="5300" r="3" b="6859"/>
+          <a:stretch/>
+        </p:blipFill>
+        <p:spPr>
+          <a:xfrm>
+            <a:off x="8491869" y="4283870"/>
+            <a:ext cx="3700129" cy="2583520"/>
+          </a:xfrm>
+          <a:custGeom>
+            <a:avLst/>
+            <a:gdLst>
+              <a:gd name="connsiteX0" fmla="*/ 0 w 4277884"/>
+              <a:gd name="connsiteY0" fmla="*/ 0 h 2583520"/>
+              <a:gd name="connsiteX1" fmla="*/ 4277884 w 4277884"/>
+              <a:gd name="connsiteY1" fmla="*/ 0 h 2583520"/>
+              <a:gd name="connsiteX2" fmla="*/ 4277884 w 4277884"/>
+              <a:gd name="connsiteY2" fmla="*/ 2583520 h 2583520"/>
+              <a:gd name="connsiteX3" fmla="*/ 1192437 w 4277884"/>
+              <a:gd name="connsiteY3" fmla="*/ 2583520 h 2583520"/>
+              <a:gd name="connsiteX4" fmla="*/ 1188085 w 4277884"/>
+              <a:gd name="connsiteY4" fmla="*/ 2574129 h 2583520"/>
+              <a:gd name="connsiteX5" fmla="*/ 1192715 w 4277884"/>
+              <a:gd name="connsiteY5" fmla="*/ 2574129 h 2583520"/>
+            </a:gdLst>
+            <a:ahLst/>
+            <a:cxnLst>
+              <a:cxn ang="0">
+                <a:pos x="connsiteX0" y="connsiteY0"/>
+              </a:cxn>
+              <a:cxn ang="0">
+                <a:pos x="connsiteX1" y="connsiteY1"/>
+              </a:cxn>
+              <a:cxn ang="0">
+                <a:pos x="connsiteX2" y="connsiteY2"/>
+              </a:cxn>
+              <a:cxn ang="0">
+                <a:pos x="connsiteX3" y="connsiteY3"/>
+              </a:cxn>
+              <a:cxn ang="0">
+                <a:pos x="connsiteX4" y="connsiteY4"/>
+              </a:cxn>
+              <a:cxn ang="0">
+                <a:pos x="connsiteX5" y="connsiteY5"/>
+              </a:cxn>
+            </a:cxnLst>
+            <a:rect l="l" t="t" r="r" b="b"/>
+            <a:pathLst>
+              <a:path w="4277884" h="2583520">
+                <a:moveTo>
+                  <a:pt x="0" y="0"/>
+                </a:moveTo>
+                <a:lnTo>
+                  <a:pt x="4277884" y="0"/>
+                </a:lnTo>
+                <a:lnTo>
+                  <a:pt x="4277884" y="2583520"/>
+                </a:lnTo>
+                <a:lnTo>
+                  <a:pt x="1192437" y="2583520"/>
+                </a:lnTo>
+                <a:lnTo>
+                  <a:pt x="1188085" y="2574129"/>
+                </a:lnTo>
+                <a:lnTo>
+                  <a:pt x="1192715" y="2574129"/>
+                </a:lnTo>
+                <a:close/>
+              </a:path>
+            </a:pathLst>
+          </a:custGeom>
+        </p:spPr>
+      </p:pic>
+      <p:sp>
+        <p:nvSpPr>
+          <p:cNvPr id="6" name="Rectangle 5">
+            <a:extLst>
+              <a:ext uri="{FF2B5EF4-FFF2-40B4-BE49-F238E27FC236}">
+                <a16:creationId xmlns:a16="http://schemas.microsoft.com/office/drawing/2014/main" id="{A2901312-C3C2-4CEC-80EF-823AB4FBB726}"/>
+              </a:ext>
+            </a:extLst>
+          </p:cNvPr>
+          <p:cNvSpPr/>
+          <p:nvPr/>
+        </p:nvSpPr>
+        <p:spPr>
+          <a:xfrm>
+            <a:off x="-1" y="1608918"/>
+            <a:ext cx="12191999" cy="91160"/>
+          </a:xfrm>
+          <a:prstGeom prst="rect">
+            <a:avLst/>
+          </a:prstGeom>
+          <a:solidFill>
+            <a:schemeClr val="bg1"/>
+          </a:solidFill>
+          <a:ln>
+            <a:noFill/>
+          </a:ln>
+        </p:spPr>
+        <p:style>
+          <a:lnRef idx="2">
+            <a:schemeClr val="accent1">
+              <a:shade val="50000"/>
+            </a:schemeClr>
+          </a:lnRef>
+          <a:fillRef idx="1">
+            <a:schemeClr val="accent1"/>
+          </a:fillRef>
+          <a:effectRef idx="0">
+            <a:schemeClr val="accent1"/>
+          </a:effectRef>
+          <a:fontRef idx="minor">
+            <a:schemeClr val="lt1"/>
+          </a:fontRef>
+        </p:style>
+        <p:txBody>
+          <a:bodyPr rtlCol="0" anchor="ctr"/>
+          <a:lstStyle/>
+          <a:p>
+            <a:pPr algn="ctr"/>
+            <a:endParaRPr lang="en-US">
+              <a:solidFill>
+                <a:srgbClr val="DB5B5C"/>
+              </a:solidFill>
+            </a:endParaRPr>
+          </a:p>
+        </p:txBody>
+      </p:sp>
+      <p:sp>
+        <p:nvSpPr>
+          <p:cNvPr id="15" name="Rectangle 14">
+            <a:extLst>
+              <a:ext uri="{FF2B5EF4-FFF2-40B4-BE49-F238E27FC236}">
+                <a16:creationId xmlns:a16="http://schemas.microsoft.com/office/drawing/2014/main" id="{AD0A7C9C-CA2C-4B9B-A125-2D09D5573B44}"/>
+              </a:ext>
+            </a:extLst>
+          </p:cNvPr>
+          <p:cNvSpPr/>
+          <p:nvPr/>
+        </p:nvSpPr>
+        <p:spPr>
+          <a:xfrm>
+            <a:off x="1" y="6677247"/>
+            <a:ext cx="12191999" cy="190143"/>
+          </a:xfrm>
+          <a:prstGeom prst="rect">
+            <a:avLst/>
+          </a:prstGeom>
+          <a:solidFill>
+            <a:schemeClr val="bg1"/>
+          </a:solidFill>
+          <a:ln>
+            <a:noFill/>
+          </a:ln>
+        </p:spPr>
+        <p:style>
+          <a:lnRef idx="2">
+            <a:schemeClr val="accent1">
+              <a:shade val="50000"/>
+            </a:schemeClr>
+          </a:lnRef>
+          <a:fillRef idx="1">
+            <a:schemeClr val="accent1"/>
+          </a:fillRef>
+          <a:effectRef idx="0">
+            <a:schemeClr val="accent1"/>
+          </a:effectRef>
+          <a:fontRef idx="minor">
+            <a:schemeClr val="lt1"/>
+          </a:fontRef>
+        </p:style>
+        <p:txBody>
+          <a:bodyPr rtlCol="0" anchor="ctr"/>
+          <a:lstStyle/>
+          <a:p>
+            <a:pPr algn="ctr"/>
+            <a:endParaRPr lang="en-US">
+              <a:solidFill>
+                <a:srgbClr val="DB5B5C"/>
+              </a:solidFill>
+            </a:endParaRPr>
+          </a:p>
+        </p:txBody>
+      </p:sp>
+      <p:sp>
+        <p:nvSpPr>
+          <p:cNvPr id="16" name="Rectangle 15">
+            <a:extLst>
+              <a:ext uri="{FF2B5EF4-FFF2-40B4-BE49-F238E27FC236}">
+                <a16:creationId xmlns:a16="http://schemas.microsoft.com/office/drawing/2014/main" id="{74A085FC-1866-46D4-97F7-51AA45E48D4F}"/>
+              </a:ext>
+            </a:extLst>
+          </p:cNvPr>
+          <p:cNvSpPr/>
+          <p:nvPr/>
+        </p:nvSpPr>
+        <p:spPr>
+          <a:xfrm rot="4092292">
+            <a:off x="5790668" y="4094517"/>
+            <a:ext cx="5446699" cy="137038"/>
+          </a:xfrm>
+          <a:prstGeom prst="rect">
+            <a:avLst/>
+          </a:prstGeom>
+          <a:solidFill>
+            <a:schemeClr val="bg1"/>
+          </a:solidFill>
+          <a:ln>
+            <a:noFill/>
+          </a:ln>
+        </p:spPr>
+        <p:style>
+          <a:lnRef idx="2">
+            <a:schemeClr val="accent1">
+              <a:shade val="50000"/>
+            </a:schemeClr>
+          </a:lnRef>
+          <a:fillRef idx="1">
+            <a:schemeClr val="accent1"/>
+          </a:fillRef>
+          <a:effectRef idx="0">
+            <a:schemeClr val="accent1"/>
+          </a:effectRef>
+          <a:fontRef idx="minor">
+            <a:schemeClr val="lt1"/>
+          </a:fontRef>
+        </p:style>
+        <p:txBody>
+          <a:bodyPr rtlCol="0" anchor="ctr"/>
+          <a:lstStyle/>
+          <a:p>
+            <a:pPr algn="ctr"/>
+            <a:endParaRPr lang="en-US">
+              <a:solidFill>
+                <a:srgbClr val="DB5B5C"/>
+              </a:solidFill>
+            </a:endParaRPr>
+          </a:p>
+        </p:txBody>
+      </p:sp>
+    </p:spTree>
+    <p:extLst>
+      <p:ext uri="{BB962C8B-B14F-4D97-AF65-F5344CB8AC3E}">
+        <p14:creationId xmlns:p14="http://schemas.microsoft.com/office/powerpoint/2010/main" val="1116115169"/>
       </p:ext>
     </p:extLst>
   </p:cSld>
